--- a/training/iqiyi/Elastic-job.pptx
+++ b/training/iqiyi/Elastic-job.pptx
@@ -242,7 +242,7 @@
           <a:p>
             <a:fld id="{DBB24292-05E5-4B3A-86CA-F54B11A628C2}" type="datetimeFigureOut">
               <a:rPr lang="zh-CN" altLang="en-US" smtClean="0"/>
-              <a:t>2017/12/4</a:t>
+              <a:t>2017/12/5</a:t>
             </a:fld>
             <a:endParaRPr lang="zh-CN" altLang="en-US"/>
           </a:p>
@@ -408,7 +408,7 @@
             <a:fld id="{96E50649-1D3B-48FE-B433-0BDF7576D18C}" type="datetimeFigureOut">
               <a:rPr lang="zh-CN" altLang="en-US" smtClean="0"/>
               <a:pPr/>
-              <a:t>2017/12/4</a:t>
+              <a:t>2017/12/5</a:t>
             </a:fld>
             <a:endParaRPr lang="zh-CN" altLang="en-US"/>
           </a:p>
@@ -2137,7 +2137,7 @@
             <a:fld id="{E464397B-F195-431B-A77B-CBC18328D7B0}" type="datetimeFigureOut">
               <a:rPr lang="zh-CN" altLang="en-US" smtClean="0"/>
               <a:pPr/>
-              <a:t>2017/12/4</a:t>
+              <a:t>2017/12/5</a:t>
             </a:fld>
             <a:endParaRPr lang="zh-CN" altLang="en-US"/>
           </a:p>
@@ -2611,11 +2611,7 @@
           <a:p>
             <a:r>
               <a:rPr kumimoji="1" lang="en-US" altLang="zh-CN" sz="4000" dirty="0" smtClean="0"/>
-              <a:t>Elastic-job</a:t>
-            </a:r>
-            <a:r>
-              <a:rPr kumimoji="1" lang="en-US" altLang="zh-CN" sz="4000" dirty="0" smtClean="0"/>
-              <a:t>-lite</a:t>
+              <a:t>Elastic-job-lite</a:t>
             </a:r>
             <a:endParaRPr lang="zh-CN" altLang="en-US" dirty="0"/>
           </a:p>
@@ -7826,7 +7822,7 @@
         <p:spPr>
           <a:xfrm>
             <a:off x="3675430" y="1157288"/>
-            <a:ext cx="1783616" cy="4814887"/>
+            <a:ext cx="2640026" cy="4814887"/>
           </a:xfrm>
         </p:spPr>
       </p:pic>

--- a/training/iqiyi/Elastic-job.pptx
+++ b/training/iqiyi/Elastic-job.pptx
@@ -5,10 +5,10 @@
     <p:sldMasterId id="2147483648" r:id="rId1"/>
   </p:sldMasterIdLst>
   <p:notesMasterIdLst>
-    <p:notesMasterId r:id="rId31"/>
+    <p:notesMasterId r:id="rId34"/>
   </p:notesMasterIdLst>
   <p:handoutMasterIdLst>
-    <p:handoutMasterId r:id="rId32"/>
+    <p:handoutMasterId r:id="rId35"/>
   </p:handoutMasterIdLst>
   <p:sldIdLst>
     <p:sldId id="269" r:id="rId2"/>
@@ -18,28 +18,31 @@
     <p:sldId id="273" r:id="rId6"/>
     <p:sldId id="278" r:id="rId7"/>
     <p:sldId id="277" r:id="rId8"/>
-    <p:sldId id="271" r:id="rId9"/>
-    <p:sldId id="296" r:id="rId10"/>
-    <p:sldId id="297" r:id="rId11"/>
-    <p:sldId id="280" r:id="rId12"/>
-    <p:sldId id="275" r:id="rId13"/>
-    <p:sldId id="274" r:id="rId14"/>
-    <p:sldId id="293" r:id="rId15"/>
-    <p:sldId id="288" r:id="rId16"/>
-    <p:sldId id="284" r:id="rId17"/>
-    <p:sldId id="285" r:id="rId18"/>
-    <p:sldId id="286" r:id="rId19"/>
-    <p:sldId id="287" r:id="rId20"/>
-    <p:sldId id="289" r:id="rId21"/>
-    <p:sldId id="294" r:id="rId22"/>
-    <p:sldId id="283" r:id="rId23"/>
-    <p:sldId id="295" r:id="rId24"/>
-    <p:sldId id="282" r:id="rId25"/>
-    <p:sldId id="298" r:id="rId26"/>
-    <p:sldId id="292" r:id="rId27"/>
-    <p:sldId id="291" r:id="rId28"/>
-    <p:sldId id="279" r:id="rId29"/>
-    <p:sldId id="258" r:id="rId30"/>
+    <p:sldId id="296" r:id="rId9"/>
+    <p:sldId id="297" r:id="rId10"/>
+    <p:sldId id="280" r:id="rId11"/>
+    <p:sldId id="275" r:id="rId12"/>
+    <p:sldId id="274" r:id="rId13"/>
+    <p:sldId id="293" r:id="rId14"/>
+    <p:sldId id="288" r:id="rId15"/>
+    <p:sldId id="284" r:id="rId16"/>
+    <p:sldId id="285" r:id="rId17"/>
+    <p:sldId id="286" r:id="rId18"/>
+    <p:sldId id="287" r:id="rId19"/>
+    <p:sldId id="289" r:id="rId20"/>
+    <p:sldId id="294" r:id="rId21"/>
+    <p:sldId id="283" r:id="rId22"/>
+    <p:sldId id="295" r:id="rId23"/>
+    <p:sldId id="282" r:id="rId24"/>
+    <p:sldId id="298" r:id="rId25"/>
+    <p:sldId id="292" r:id="rId26"/>
+    <p:sldId id="300" r:id="rId27"/>
+    <p:sldId id="301" r:id="rId28"/>
+    <p:sldId id="302" r:id="rId29"/>
+    <p:sldId id="291" r:id="rId30"/>
+    <p:sldId id="299" r:id="rId31"/>
+    <p:sldId id="279" r:id="rId32"/>
+    <p:sldId id="258" r:id="rId33"/>
   </p:sldIdLst>
   <p:sldSz cx="9144000" cy="6858000" type="screen4x3"/>
   <p:notesSz cx="6858000" cy="9144000"/>
@@ -242,7 +245,7 @@
           <a:p>
             <a:fld id="{DBB24292-05E5-4B3A-86CA-F54B11A628C2}" type="datetimeFigureOut">
               <a:rPr lang="zh-CN" altLang="en-US" smtClean="0"/>
-              <a:t>2017/12/5</a:t>
+              <a:t>2017/12/21</a:t>
             </a:fld>
             <a:endParaRPr lang="zh-CN" altLang="en-US"/>
           </a:p>
@@ -408,7 +411,7 @@
             <a:fld id="{96E50649-1D3B-48FE-B433-0BDF7576D18C}" type="datetimeFigureOut">
               <a:rPr lang="zh-CN" altLang="en-US" smtClean="0"/>
               <a:pPr/>
-              <a:t>2017/12/5</a:t>
+              <a:t>2017/12/21</a:t>
             </a:fld>
             <a:endParaRPr lang="zh-CN" altLang="en-US"/>
           </a:p>
@@ -762,6 +765,485 @@
 </p:notes>
 </file>
 
+<file path=ppt/notesSlides/notesSlide10.xml><?xml version="1.0" encoding="utf-8"?>
+<p:notes xmlns:a="http://schemas.openxmlformats.org/drawingml/2006/main" xmlns:r="http://schemas.openxmlformats.org/officeDocument/2006/relationships" xmlns:p="http://schemas.openxmlformats.org/presentationml/2006/main">
+  <p:cSld>
+    <p:spTree>
+      <p:nvGrpSpPr>
+        <p:cNvPr id="1" name=""/>
+        <p:cNvGrpSpPr/>
+        <p:nvPr/>
+      </p:nvGrpSpPr>
+      <p:grpSpPr>
+        <a:xfrm>
+          <a:off x="0" y="0"/>
+          <a:ext cx="0" cy="0"/>
+          <a:chOff x="0" y="0"/>
+          <a:chExt cx="0" cy="0"/>
+        </a:xfrm>
+      </p:grpSpPr>
+      <p:sp>
+        <p:nvSpPr>
+          <p:cNvPr id="2" name="幻灯片图像占位符 1"/>
+          <p:cNvSpPr>
+            <a:spLocks noGrp="1" noRot="1" noChangeAspect="1"/>
+          </p:cNvSpPr>
+          <p:nvPr>
+            <p:ph type="sldImg"/>
+          </p:nvPr>
+        </p:nvSpPr>
+        <p:spPr/>
+      </p:sp>
+      <p:sp>
+        <p:nvSpPr>
+          <p:cNvPr id="3" name="备注占位符 2"/>
+          <p:cNvSpPr>
+            <a:spLocks noGrp="1"/>
+          </p:cNvSpPr>
+          <p:nvPr>
+            <p:ph type="body" idx="1"/>
+          </p:nvPr>
+        </p:nvSpPr>
+        <p:spPr/>
+        <p:txBody>
+          <a:bodyPr/>
+          <a:lstStyle/>
+          <a:p>
+            <a:endParaRPr lang="zh-CN" altLang="en-US" dirty="0"/>
+          </a:p>
+        </p:txBody>
+      </p:sp>
+      <p:sp>
+        <p:nvSpPr>
+          <p:cNvPr id="4" name="灯片编号占位符 3"/>
+          <p:cNvSpPr>
+            <a:spLocks noGrp="1"/>
+          </p:cNvSpPr>
+          <p:nvPr>
+            <p:ph type="sldNum" sz="quarter" idx="10"/>
+          </p:nvPr>
+        </p:nvSpPr>
+        <p:spPr/>
+        <p:txBody>
+          <a:bodyPr/>
+          <a:lstStyle/>
+          <a:p>
+            <a:fld id="{157EC4AA-DE67-4123-96F9-836BD2C39848}" type="slidenum">
+              <a:rPr lang="zh-CN" altLang="en-US" smtClean="0"/>
+              <a:pPr/>
+              <a:t>29</a:t>
+            </a:fld>
+            <a:endParaRPr lang="zh-CN" altLang="en-US"/>
+          </a:p>
+        </p:txBody>
+      </p:sp>
+    </p:spTree>
+    <p:extLst>
+      <p:ext uri="{BB962C8B-B14F-4D97-AF65-F5344CB8AC3E}">
+        <p14:creationId xmlns:p14="http://schemas.microsoft.com/office/powerpoint/2010/main" val="1160849507"/>
+      </p:ext>
+    </p:extLst>
+  </p:cSld>
+  <p:clrMapOvr>
+    <a:masterClrMapping/>
+  </p:clrMapOvr>
+</p:notes>
+</file>
+
+<file path=ppt/notesSlides/notesSlide11.xml><?xml version="1.0" encoding="utf-8"?>
+<p:notes xmlns:a="http://schemas.openxmlformats.org/drawingml/2006/main" xmlns:r="http://schemas.openxmlformats.org/officeDocument/2006/relationships" xmlns:p="http://schemas.openxmlformats.org/presentationml/2006/main">
+  <p:cSld>
+    <p:spTree>
+      <p:nvGrpSpPr>
+        <p:cNvPr id="1" name=""/>
+        <p:cNvGrpSpPr/>
+        <p:nvPr/>
+      </p:nvGrpSpPr>
+      <p:grpSpPr>
+        <a:xfrm>
+          <a:off x="0" y="0"/>
+          <a:ext cx="0" cy="0"/>
+          <a:chOff x="0" y="0"/>
+          <a:chExt cx="0" cy="0"/>
+        </a:xfrm>
+      </p:grpSpPr>
+      <p:sp>
+        <p:nvSpPr>
+          <p:cNvPr id="2" name="幻灯片图像占位符 1"/>
+          <p:cNvSpPr>
+            <a:spLocks noGrp="1" noRot="1" noChangeAspect="1"/>
+          </p:cNvSpPr>
+          <p:nvPr>
+            <p:ph type="sldImg"/>
+          </p:nvPr>
+        </p:nvSpPr>
+        <p:spPr/>
+      </p:sp>
+      <p:sp>
+        <p:nvSpPr>
+          <p:cNvPr id="3" name="备注占位符 2"/>
+          <p:cNvSpPr>
+            <a:spLocks noGrp="1"/>
+          </p:cNvSpPr>
+          <p:nvPr>
+            <p:ph type="body" idx="1"/>
+          </p:nvPr>
+        </p:nvSpPr>
+        <p:spPr/>
+        <p:txBody>
+          <a:bodyPr/>
+          <a:lstStyle/>
+          <a:p>
+            <a:pPr marL="0" marR="0" lvl="0" indent="0" algn="l" defTabSz="914400" rtl="0" eaLnBrk="1" fontAlgn="auto" latinLnBrk="0" hangingPunct="1">
+              <a:lnSpc>
+                <a:spcPct val="100000"/>
+              </a:lnSpc>
+              <a:spcBef>
+                <a:spcPts val="0"/>
+              </a:spcBef>
+              <a:spcAft>
+                <a:spcPts val="0"/>
+              </a:spcAft>
+              <a:buClrTx/>
+              <a:buSzTx/>
+              <a:buFontTx/>
+              <a:buNone/>
+              <a:tabLst/>
+              <a:defRPr/>
+            </a:pPr>
+            <a:r>
+              <a:rPr lang="en-US" altLang="zh-CN" dirty="0" smtClean="0"/>
+              <a:t>Zookeeper</a:t>
+            </a:r>
+            <a:r>
+              <a:rPr lang="zh-CN" altLang="en-US" dirty="0" smtClean="0"/>
+              <a:t>安装配置</a:t>
+            </a:r>
+            <a:endParaRPr lang="en-US" altLang="zh-CN" sz="1200" dirty="0" smtClean="0"/>
+          </a:p>
+          <a:p>
+            <a:pPr indent="0">
+              <a:buNone/>
+            </a:pPr>
+            <a:r>
+              <a:rPr lang="zh-CN" altLang="zh-CN" sz="1200" dirty="0" smtClean="0"/>
+              <a:t>将</a:t>
+            </a:r>
+            <a:r>
+              <a:rPr lang="en-US" altLang="zh-CN" sz="1200" dirty="0" smtClean="0"/>
+              <a:t>ZK_HOME</a:t>
+            </a:r>
+            <a:r>
+              <a:rPr lang="zh-CN" altLang="zh-CN" sz="1200" dirty="0" smtClean="0"/>
+              <a:t>下的</a:t>
+            </a:r>
+            <a:r>
+              <a:rPr lang="en-US" altLang="zh-CN" sz="1200" dirty="0" err="1" smtClean="0"/>
+              <a:t>zoo_sample.cfg</a:t>
+            </a:r>
+            <a:r>
+              <a:rPr lang="zh-CN" altLang="zh-CN" sz="1200" dirty="0" smtClean="0"/>
+              <a:t>文件重命名为</a:t>
+            </a:r>
+            <a:r>
+              <a:rPr lang="en-US" altLang="zh-CN" sz="1200" dirty="0" err="1" smtClean="0"/>
+              <a:t>zoo.cfg</a:t>
+            </a:r>
+            <a:r>
+              <a:rPr lang="en-US" altLang="zh-CN" sz="1200" dirty="0" smtClean="0"/>
+              <a:t>,</a:t>
+            </a:r>
+            <a:r>
+              <a:rPr lang="zh-CN" altLang="zh-CN" sz="1200" dirty="0" smtClean="0"/>
+              <a:t>并进行以下配置</a:t>
+            </a:r>
+            <a:r>
+              <a:rPr lang="en-US" altLang="zh-CN" sz="1200" dirty="0" smtClean="0"/>
+              <a:t>:</a:t>
+            </a:r>
+            <a:endParaRPr lang="zh-CN" altLang="zh-CN" sz="1200" dirty="0" smtClean="0"/>
+          </a:p>
+          <a:p>
+            <a:pPr indent="0">
+              <a:buNone/>
+            </a:pPr>
+            <a:r>
+              <a:rPr lang="en-US" altLang="zh-CN" sz="1200" dirty="0" smtClean="0"/>
+              <a:t>#Zookeeper</a:t>
+            </a:r>
+            <a:r>
+              <a:rPr lang="zh-CN" altLang="zh-CN" sz="1200" dirty="0" smtClean="0"/>
+              <a:t>最小时间单元，单位毫秒</a:t>
+            </a:r>
+            <a:r>
+              <a:rPr lang="en-US" altLang="zh-CN" sz="1200" dirty="0" smtClean="0"/>
+              <a:t>(</a:t>
+            </a:r>
+            <a:r>
+              <a:rPr lang="en-US" altLang="zh-CN" sz="1200" dirty="0" err="1" smtClean="0"/>
+              <a:t>ms</a:t>
+            </a:r>
+            <a:r>
+              <a:rPr lang="en-US" altLang="zh-CN" sz="1200" dirty="0" smtClean="0"/>
+              <a:t>)</a:t>
+            </a:r>
+            <a:r>
+              <a:rPr lang="zh-CN" altLang="zh-CN" sz="1200" dirty="0" smtClean="0"/>
+              <a:t>，默认值为</a:t>
+            </a:r>
+            <a:r>
+              <a:rPr lang="en-US" altLang="zh-CN" sz="1200" dirty="0" smtClean="0"/>
+              <a:t>3000</a:t>
+            </a:r>
+            <a:endParaRPr lang="zh-CN" altLang="zh-CN" sz="1200" dirty="0" smtClean="0"/>
+          </a:p>
+          <a:p>
+            <a:pPr indent="0">
+              <a:buNone/>
+            </a:pPr>
+            <a:r>
+              <a:rPr lang="en-US" altLang="zh-CN" sz="1200" dirty="0" err="1" smtClean="0"/>
+              <a:t>tickTime</a:t>
+            </a:r>
+            <a:r>
+              <a:rPr lang="en-US" altLang="zh-CN" sz="1200" dirty="0" smtClean="0"/>
+              <a:t>=2000    </a:t>
+            </a:r>
+            <a:endParaRPr lang="zh-CN" altLang="zh-CN" sz="1200" dirty="0" smtClean="0"/>
+          </a:p>
+          <a:p>
+            <a:pPr indent="0">
+              <a:buNone/>
+            </a:pPr>
+            <a:r>
+              <a:rPr lang="en-US" altLang="zh-CN" sz="1200" dirty="0" err="1" smtClean="0"/>
+              <a:t>dataDir</a:t>
+            </a:r>
+            <a:r>
+              <a:rPr lang="en-US" altLang="zh-CN" sz="1200" dirty="0" smtClean="0"/>
+              <a:t>=D:\\zookeeper\\zookeeper-3.4.8\\data</a:t>
+            </a:r>
+            <a:endParaRPr lang="zh-CN" altLang="zh-CN" sz="1200" dirty="0" smtClean="0"/>
+          </a:p>
+          <a:p>
+            <a:pPr indent="0">
+              <a:buNone/>
+            </a:pPr>
+            <a:r>
+              <a:rPr lang="en-US" altLang="zh-CN" sz="1200" dirty="0" err="1" smtClean="0"/>
+              <a:t>dataLogDir</a:t>
+            </a:r>
+            <a:r>
+              <a:rPr lang="en-US" altLang="zh-CN" sz="1200" dirty="0" smtClean="0"/>
+              <a:t>= D:\\zookeeper\\zookeeper-3.4.8\\log</a:t>
+            </a:r>
+            <a:endParaRPr lang="zh-CN" altLang="zh-CN" sz="1200" dirty="0" smtClean="0"/>
+          </a:p>
+          <a:p>
+            <a:pPr indent="0">
+              <a:buNone/>
+            </a:pPr>
+            <a:r>
+              <a:rPr lang="en-US" altLang="zh-CN" sz="1200" dirty="0" smtClean="0"/>
+              <a:t>#</a:t>
+            </a:r>
+            <a:r>
+              <a:rPr lang="zh-CN" altLang="zh-CN" sz="1200" dirty="0" smtClean="0"/>
+              <a:t>服务器对外服务端口，一般设置为</a:t>
+            </a:r>
+            <a:r>
+              <a:rPr lang="en-US" altLang="zh-CN" sz="1200" dirty="0" smtClean="0"/>
+              <a:t>2181   </a:t>
+            </a:r>
+            <a:endParaRPr lang="zh-CN" altLang="zh-CN" sz="1200" dirty="0" smtClean="0"/>
+          </a:p>
+          <a:p>
+            <a:pPr indent="0">
+              <a:buNone/>
+            </a:pPr>
+            <a:r>
+              <a:rPr lang="en-US" altLang="zh-CN" sz="1200" dirty="0" err="1" smtClean="0"/>
+              <a:t>clientPort</a:t>
+            </a:r>
+            <a:r>
+              <a:rPr lang="en-US" altLang="zh-CN" sz="1200" dirty="0" smtClean="0"/>
+              <a:t>=2181</a:t>
+            </a:r>
+            <a:endParaRPr lang="zh-CN" altLang="zh-CN" sz="1200" dirty="0" smtClean="0"/>
+          </a:p>
+          <a:p>
+            <a:pPr indent="0">
+              <a:buNone/>
+            </a:pPr>
+            <a:r>
+              <a:rPr lang="en-US" altLang="zh-CN" sz="1200" dirty="0" smtClean="0"/>
+              <a:t>#Leader</a:t>
+            </a:r>
+            <a:r>
+              <a:rPr lang="zh-CN" altLang="zh-CN" sz="1200" dirty="0" smtClean="0"/>
+              <a:t>服务器等待</a:t>
+            </a:r>
+            <a:r>
+              <a:rPr lang="en-US" altLang="zh-CN" sz="1200" dirty="0" smtClean="0"/>
+              <a:t>Follower</a:t>
+            </a:r>
+            <a:r>
+              <a:rPr lang="zh-CN" altLang="zh-CN" sz="1200" dirty="0" smtClean="0"/>
+              <a:t>启动并完成数据同步的时间，默认值</a:t>
+            </a:r>
+            <a:r>
+              <a:rPr lang="en-US" altLang="zh-CN" sz="1200" dirty="0" smtClean="0"/>
+              <a:t>10</a:t>
+            </a:r>
+            <a:r>
+              <a:rPr lang="zh-CN" altLang="zh-CN" sz="1200" dirty="0" smtClean="0"/>
+              <a:t>，表示</a:t>
+            </a:r>
+            <a:r>
+              <a:rPr lang="en-US" altLang="zh-CN" sz="1200" dirty="0" err="1" smtClean="0"/>
+              <a:t>tickTime</a:t>
+            </a:r>
+            <a:r>
+              <a:rPr lang="zh-CN" altLang="zh-CN" sz="1200" dirty="0" smtClean="0"/>
+              <a:t>的</a:t>
+            </a:r>
+            <a:r>
+              <a:rPr lang="en-US" altLang="zh-CN" sz="1200" dirty="0" smtClean="0"/>
+              <a:t>10</a:t>
+            </a:r>
+            <a:r>
+              <a:rPr lang="zh-CN" altLang="zh-CN" sz="1200" dirty="0" smtClean="0"/>
+              <a:t>倍</a:t>
+            </a:r>
+          </a:p>
+          <a:p>
+            <a:pPr indent="0">
+              <a:buNone/>
+            </a:pPr>
+            <a:r>
+              <a:rPr lang="en-US" altLang="zh-CN" sz="1200" dirty="0" err="1" smtClean="0"/>
+              <a:t>initLimit</a:t>
+            </a:r>
+            <a:r>
+              <a:rPr lang="en-US" altLang="zh-CN" sz="1200" dirty="0" smtClean="0"/>
+              <a:t>=5    </a:t>
+            </a:r>
+            <a:endParaRPr lang="zh-CN" altLang="zh-CN" sz="1200" dirty="0" smtClean="0"/>
+          </a:p>
+          <a:p>
+            <a:pPr indent="0">
+              <a:buNone/>
+            </a:pPr>
+            <a:r>
+              <a:rPr lang="en-US" altLang="zh-CN" sz="1200" dirty="0" smtClean="0"/>
+              <a:t>#Leader</a:t>
+            </a:r>
+            <a:r>
+              <a:rPr lang="zh-CN" altLang="zh-CN" sz="1200" dirty="0" smtClean="0"/>
+              <a:t>服务器和</a:t>
+            </a:r>
+            <a:r>
+              <a:rPr lang="en-US" altLang="zh-CN" sz="1200" dirty="0" smtClean="0"/>
+              <a:t>Follower</a:t>
+            </a:r>
+            <a:r>
+              <a:rPr lang="zh-CN" altLang="zh-CN" sz="1200" dirty="0" smtClean="0"/>
+              <a:t>之间进行心跳检测的最大延时时间，</a:t>
+            </a:r>
+          </a:p>
+          <a:p>
+            <a:pPr indent="0">
+              <a:buNone/>
+            </a:pPr>
+            <a:r>
+              <a:rPr lang="en-US" altLang="zh-CN" sz="1200" dirty="0" smtClean="0"/>
+              <a:t>#</a:t>
+            </a:r>
+            <a:r>
+              <a:rPr lang="zh-CN" altLang="zh-CN" sz="1200" dirty="0" smtClean="0"/>
+              <a:t>默认值</a:t>
+            </a:r>
+            <a:r>
+              <a:rPr lang="en-US" altLang="zh-CN" sz="1200" dirty="0" smtClean="0"/>
+              <a:t>5</a:t>
+            </a:r>
+            <a:r>
+              <a:rPr lang="zh-CN" altLang="zh-CN" sz="1200" dirty="0" smtClean="0"/>
+              <a:t>，表示</a:t>
+            </a:r>
+            <a:r>
+              <a:rPr lang="en-US" altLang="zh-CN" sz="1200" dirty="0" err="1" smtClean="0"/>
+              <a:t>tickTime</a:t>
+            </a:r>
+            <a:r>
+              <a:rPr lang="zh-CN" altLang="zh-CN" sz="1200" dirty="0" smtClean="0"/>
+              <a:t>的</a:t>
+            </a:r>
+            <a:r>
+              <a:rPr lang="en-US" altLang="zh-CN" sz="1200" dirty="0" smtClean="0"/>
+              <a:t>5</a:t>
+            </a:r>
+            <a:r>
+              <a:rPr lang="zh-CN" altLang="zh-CN" sz="1200" dirty="0" smtClean="0"/>
+              <a:t>倍</a:t>
+            </a:r>
+          </a:p>
+          <a:p>
+            <a:pPr indent="0">
+              <a:buNone/>
+            </a:pPr>
+            <a:r>
+              <a:rPr lang="en-US" altLang="zh-CN" sz="1200" dirty="0" err="1" smtClean="0"/>
+              <a:t>syncLimit</a:t>
+            </a:r>
+            <a:r>
+              <a:rPr lang="en-US" altLang="zh-CN" sz="1200" dirty="0" smtClean="0"/>
+              <a:t>=2 </a:t>
+            </a:r>
+            <a:endParaRPr lang="zh-CN" altLang="zh-CN" sz="1200" dirty="0" smtClean="0"/>
+          </a:p>
+          <a:p>
+            <a:endParaRPr lang="zh-CN" altLang="en-US" dirty="0"/>
+          </a:p>
+        </p:txBody>
+      </p:sp>
+      <p:sp>
+        <p:nvSpPr>
+          <p:cNvPr id="4" name="灯片编号占位符 3"/>
+          <p:cNvSpPr>
+            <a:spLocks noGrp="1"/>
+          </p:cNvSpPr>
+          <p:nvPr>
+            <p:ph type="sldNum" sz="quarter" idx="10"/>
+          </p:nvPr>
+        </p:nvSpPr>
+        <p:spPr/>
+        <p:txBody>
+          <a:bodyPr/>
+          <a:lstStyle/>
+          <a:p>
+            <a:fld id="{157EC4AA-DE67-4123-96F9-836BD2C39848}" type="slidenum">
+              <a:rPr lang="zh-CN" altLang="en-US" smtClean="0"/>
+              <a:pPr/>
+              <a:t>30</a:t>
+            </a:fld>
+            <a:endParaRPr lang="zh-CN" altLang="en-US"/>
+          </a:p>
+        </p:txBody>
+      </p:sp>
+    </p:spTree>
+    <p:extLst>
+      <p:ext uri="{BB962C8B-B14F-4D97-AF65-F5344CB8AC3E}">
+        <p14:creationId xmlns:p14="http://schemas.microsoft.com/office/powerpoint/2010/main" val="962838236"/>
+      </p:ext>
+    </p:extLst>
+  </p:cSld>
+  <p:clrMapOvr>
+    <a:masterClrMapping/>
+  </p:clrMapOvr>
+</p:notes>
+</file>
+
 <file path=ppt/notesSlides/notesSlide2.xml><?xml version="1.0" encoding="utf-8"?>
 <p:notes xmlns:a="http://schemas.openxmlformats.org/drawingml/2006/main" xmlns:r="http://schemas.openxmlformats.org/officeDocument/2006/relationships" xmlns:p="http://schemas.openxmlformats.org/presentationml/2006/main">
   <p:cSld>
@@ -912,7 +1394,7 @@
             <a:fld id="{157EC4AA-DE67-4123-96F9-836BD2C39848}" type="slidenum">
               <a:rPr lang="zh-CN" altLang="en-US" smtClean="0"/>
               <a:pPr/>
-              <a:t>20</a:t>
+              <a:t>19</a:t>
             </a:fld>
             <a:endParaRPr lang="zh-CN" altLang="en-US"/>
           </a:p>
@@ -1063,7 +1545,7 @@
             <a:fld id="{157EC4AA-DE67-4123-96F9-836BD2C39848}" type="slidenum">
               <a:rPr lang="zh-CN" altLang="en-US" smtClean="0"/>
               <a:pPr/>
-              <a:t>23</a:t>
+              <a:t>22</a:t>
             </a:fld>
             <a:endParaRPr lang="zh-CN" altLang="en-US"/>
           </a:p>
@@ -1158,7 +1640,7 @@
             <a:fld id="{157EC4AA-DE67-4123-96F9-836BD2C39848}" type="slidenum">
               <a:rPr lang="zh-CN" altLang="en-US" smtClean="0"/>
               <a:pPr/>
-              <a:t>24</a:t>
+              <a:t>23</a:t>
             </a:fld>
             <a:endParaRPr lang="zh-CN" altLang="en-US"/>
           </a:p>
@@ -1253,7 +1735,7 @@
             <a:fld id="{157EC4AA-DE67-4123-96F9-836BD2C39848}" type="slidenum">
               <a:rPr lang="zh-CN" altLang="en-US" smtClean="0"/>
               <a:pPr/>
-              <a:t>25</a:t>
+              <a:t>24</a:t>
             </a:fld>
             <a:endParaRPr lang="zh-CN" altLang="en-US"/>
           </a:p>
@@ -1316,314 +1798,175 @@
           <a:bodyPr/>
           <a:lstStyle/>
           <a:p>
-            <a:pPr marL="0" marR="0" lvl="0" indent="0" algn="l" defTabSz="914400" rtl="0" eaLnBrk="1" fontAlgn="auto" latinLnBrk="0" hangingPunct="1">
-              <a:lnSpc>
-                <a:spcPct val="100000"/>
-              </a:lnSpc>
-              <a:spcBef>
-                <a:spcPts val="0"/>
-              </a:spcBef>
-              <a:spcAft>
-                <a:spcPts val="0"/>
-              </a:spcAft>
-              <a:buClrTx/>
-              <a:buSzTx/>
-              <a:buFontTx/>
-              <a:buNone/>
-              <a:tabLst/>
-              <a:defRPr/>
-            </a:pPr>
-            <a:r>
-              <a:rPr lang="en-US" altLang="zh-CN" dirty="0" smtClean="0"/>
-              <a:t>Zookeeper</a:t>
-            </a:r>
-            <a:r>
-              <a:rPr lang="zh-CN" altLang="en-US" dirty="0" smtClean="0"/>
-              <a:t>安装配置</a:t>
-            </a:r>
-            <a:endParaRPr lang="en-US" altLang="zh-CN" sz="1200" dirty="0" smtClean="0"/>
-          </a:p>
-          <a:p>
-            <a:pPr indent="0">
-              <a:buNone/>
-            </a:pPr>
-            <a:r>
-              <a:rPr lang="zh-CN" altLang="zh-CN" sz="1200" dirty="0" smtClean="0"/>
-              <a:t>将</a:t>
-            </a:r>
-            <a:r>
-              <a:rPr lang="en-US" altLang="zh-CN" sz="1200" dirty="0" smtClean="0"/>
-              <a:t>ZK_HOME</a:t>
-            </a:r>
-            <a:r>
-              <a:rPr lang="zh-CN" altLang="zh-CN" sz="1200" dirty="0" smtClean="0"/>
-              <a:t>下的</a:t>
-            </a:r>
-            <a:r>
-              <a:rPr lang="en-US" altLang="zh-CN" sz="1200" dirty="0" err="1" smtClean="0"/>
-              <a:t>zoo_sample.cfg</a:t>
-            </a:r>
-            <a:r>
-              <a:rPr lang="zh-CN" altLang="zh-CN" sz="1200" dirty="0" smtClean="0"/>
-              <a:t>文件重命名为</a:t>
-            </a:r>
-            <a:r>
-              <a:rPr lang="en-US" altLang="zh-CN" sz="1200" dirty="0" err="1" smtClean="0"/>
-              <a:t>zoo.cfg</a:t>
-            </a:r>
-            <a:r>
-              <a:rPr lang="en-US" altLang="zh-CN" sz="1200" dirty="0" smtClean="0"/>
-              <a:t>,</a:t>
-            </a:r>
-            <a:r>
-              <a:rPr lang="zh-CN" altLang="zh-CN" sz="1200" dirty="0" smtClean="0"/>
-              <a:t>并进行以下配置</a:t>
-            </a:r>
-            <a:r>
-              <a:rPr lang="en-US" altLang="zh-CN" sz="1200" dirty="0" smtClean="0"/>
-              <a:t>:</a:t>
-            </a:r>
-            <a:endParaRPr lang="zh-CN" altLang="zh-CN" sz="1200" dirty="0" smtClean="0"/>
-          </a:p>
-          <a:p>
-            <a:pPr indent="0">
-              <a:buNone/>
-            </a:pPr>
-            <a:r>
-              <a:rPr lang="en-US" altLang="zh-CN" sz="1200" dirty="0" smtClean="0"/>
-              <a:t>#Zookeeper</a:t>
-            </a:r>
-            <a:r>
-              <a:rPr lang="zh-CN" altLang="zh-CN" sz="1200" dirty="0" smtClean="0"/>
-              <a:t>最小时间单元，单位毫秒</a:t>
-            </a:r>
-            <a:r>
-              <a:rPr lang="en-US" altLang="zh-CN" sz="1200" dirty="0" smtClean="0"/>
-              <a:t>(</a:t>
-            </a:r>
-            <a:r>
-              <a:rPr lang="en-US" altLang="zh-CN" sz="1200" dirty="0" err="1" smtClean="0"/>
-              <a:t>ms</a:t>
-            </a:r>
-            <a:r>
-              <a:rPr lang="en-US" altLang="zh-CN" sz="1200" dirty="0" smtClean="0"/>
-              <a:t>)</a:t>
-            </a:r>
-            <a:r>
-              <a:rPr lang="zh-CN" altLang="zh-CN" sz="1200" dirty="0" smtClean="0"/>
-              <a:t>，默认值为</a:t>
-            </a:r>
-            <a:r>
-              <a:rPr lang="en-US" altLang="zh-CN" sz="1200" dirty="0" smtClean="0"/>
-              <a:t>3000</a:t>
-            </a:r>
-            <a:endParaRPr lang="zh-CN" altLang="zh-CN" sz="1200" dirty="0" smtClean="0"/>
-          </a:p>
-          <a:p>
-            <a:pPr indent="0">
-              <a:buNone/>
-            </a:pPr>
-            <a:r>
-              <a:rPr lang="en-US" altLang="zh-CN" sz="1200" dirty="0" err="1" smtClean="0"/>
-              <a:t>tickTime</a:t>
-            </a:r>
-            <a:r>
-              <a:rPr lang="en-US" altLang="zh-CN" sz="1200" dirty="0" smtClean="0"/>
-              <a:t>=2000    </a:t>
-            </a:r>
-            <a:endParaRPr lang="zh-CN" altLang="zh-CN" sz="1200" dirty="0" smtClean="0"/>
-          </a:p>
-          <a:p>
-            <a:pPr indent="0">
-              <a:buNone/>
-            </a:pPr>
-            <a:r>
-              <a:rPr lang="en-US" altLang="zh-CN" sz="1200" dirty="0" err="1" smtClean="0"/>
-              <a:t>dataDir</a:t>
-            </a:r>
-            <a:r>
-              <a:rPr lang="en-US" altLang="zh-CN" sz="1200" dirty="0" smtClean="0"/>
-              <a:t>=D:\\zookeeper\\zookeeper-3.4.8\\data</a:t>
-            </a:r>
-            <a:endParaRPr lang="zh-CN" altLang="zh-CN" sz="1200" dirty="0" smtClean="0"/>
-          </a:p>
-          <a:p>
-            <a:pPr indent="0">
-              <a:buNone/>
-            </a:pPr>
-            <a:r>
-              <a:rPr lang="en-US" altLang="zh-CN" sz="1200" dirty="0" err="1" smtClean="0"/>
-              <a:t>dataLogDir</a:t>
-            </a:r>
-            <a:r>
-              <a:rPr lang="en-US" altLang="zh-CN" sz="1200" dirty="0" smtClean="0"/>
-              <a:t>= D:\\zookeeper\\zookeeper-3.4.8\\log</a:t>
-            </a:r>
-            <a:endParaRPr lang="zh-CN" altLang="zh-CN" sz="1200" dirty="0" smtClean="0"/>
-          </a:p>
-          <a:p>
-            <a:pPr indent="0">
-              <a:buNone/>
-            </a:pPr>
-            <a:r>
-              <a:rPr lang="en-US" altLang="zh-CN" sz="1200" dirty="0" smtClean="0"/>
-              <a:t>#</a:t>
-            </a:r>
-            <a:r>
-              <a:rPr lang="zh-CN" altLang="zh-CN" sz="1200" dirty="0" smtClean="0"/>
-              <a:t>服务器对外服务端口，一般设置为</a:t>
-            </a:r>
-            <a:r>
-              <a:rPr lang="en-US" altLang="zh-CN" sz="1200" dirty="0" smtClean="0"/>
-              <a:t>2181   </a:t>
-            </a:r>
-            <a:endParaRPr lang="zh-CN" altLang="zh-CN" sz="1200" dirty="0" smtClean="0"/>
-          </a:p>
-          <a:p>
-            <a:pPr indent="0">
-              <a:buNone/>
-            </a:pPr>
-            <a:r>
-              <a:rPr lang="en-US" altLang="zh-CN" sz="1200" dirty="0" err="1" smtClean="0"/>
-              <a:t>clientPort</a:t>
-            </a:r>
-            <a:r>
-              <a:rPr lang="en-US" altLang="zh-CN" sz="1200" dirty="0" smtClean="0"/>
-              <a:t>=2181</a:t>
-            </a:r>
-            <a:endParaRPr lang="zh-CN" altLang="zh-CN" sz="1200" dirty="0" smtClean="0"/>
-          </a:p>
-          <a:p>
-            <a:pPr indent="0">
-              <a:buNone/>
-            </a:pPr>
-            <a:r>
-              <a:rPr lang="en-US" altLang="zh-CN" sz="1200" dirty="0" smtClean="0"/>
-              <a:t>#Leader</a:t>
-            </a:r>
-            <a:r>
-              <a:rPr lang="zh-CN" altLang="zh-CN" sz="1200" dirty="0" smtClean="0"/>
-              <a:t>服务器等待</a:t>
-            </a:r>
-            <a:r>
-              <a:rPr lang="en-US" altLang="zh-CN" sz="1200" dirty="0" smtClean="0"/>
-              <a:t>Follower</a:t>
-            </a:r>
-            <a:r>
-              <a:rPr lang="zh-CN" altLang="zh-CN" sz="1200" dirty="0" smtClean="0"/>
-              <a:t>启动并完成数据同步的时间，默认值</a:t>
-            </a:r>
-            <a:r>
-              <a:rPr lang="en-US" altLang="zh-CN" sz="1200" dirty="0" smtClean="0"/>
-              <a:t>10</a:t>
-            </a:r>
-            <a:r>
-              <a:rPr lang="zh-CN" altLang="zh-CN" sz="1200" dirty="0" smtClean="0"/>
-              <a:t>，表示</a:t>
-            </a:r>
-            <a:r>
-              <a:rPr lang="en-US" altLang="zh-CN" sz="1200" dirty="0" err="1" smtClean="0"/>
-              <a:t>tickTime</a:t>
-            </a:r>
-            <a:r>
-              <a:rPr lang="zh-CN" altLang="zh-CN" sz="1200" dirty="0" smtClean="0"/>
-              <a:t>的</a:t>
-            </a:r>
-            <a:r>
-              <a:rPr lang="en-US" altLang="zh-CN" sz="1200" dirty="0" smtClean="0"/>
-              <a:t>10</a:t>
-            </a:r>
-            <a:r>
-              <a:rPr lang="zh-CN" altLang="zh-CN" sz="1200" dirty="0" smtClean="0"/>
-              <a:t>倍</a:t>
-            </a:r>
-          </a:p>
-          <a:p>
-            <a:pPr indent="0">
-              <a:buNone/>
-            </a:pPr>
-            <a:r>
-              <a:rPr lang="en-US" altLang="zh-CN" sz="1200" dirty="0" err="1" smtClean="0"/>
-              <a:t>initLimit</a:t>
-            </a:r>
-            <a:r>
-              <a:rPr lang="en-US" altLang="zh-CN" sz="1200" dirty="0" smtClean="0"/>
-              <a:t>=5    </a:t>
-            </a:r>
-            <a:endParaRPr lang="zh-CN" altLang="zh-CN" sz="1200" dirty="0" smtClean="0"/>
-          </a:p>
-          <a:p>
-            <a:pPr indent="0">
-              <a:buNone/>
-            </a:pPr>
-            <a:r>
-              <a:rPr lang="en-US" altLang="zh-CN" sz="1200" dirty="0" smtClean="0"/>
-              <a:t>#Leader</a:t>
-            </a:r>
-            <a:r>
-              <a:rPr lang="zh-CN" altLang="zh-CN" sz="1200" dirty="0" smtClean="0"/>
-              <a:t>服务器和</a:t>
-            </a:r>
-            <a:r>
-              <a:rPr lang="en-US" altLang="zh-CN" sz="1200" dirty="0" smtClean="0"/>
-              <a:t>Follower</a:t>
-            </a:r>
-            <a:r>
-              <a:rPr lang="zh-CN" altLang="zh-CN" sz="1200" dirty="0" smtClean="0"/>
-              <a:t>之间进行心跳检测的最大延时时间，</a:t>
-            </a:r>
-          </a:p>
-          <a:p>
-            <a:pPr indent="0">
-              <a:buNone/>
-            </a:pPr>
-            <a:r>
-              <a:rPr lang="en-US" altLang="zh-CN" sz="1200" dirty="0" smtClean="0"/>
-              <a:t>#</a:t>
-            </a:r>
-            <a:r>
-              <a:rPr lang="zh-CN" altLang="zh-CN" sz="1200" dirty="0" smtClean="0"/>
-              <a:t>默认值</a:t>
-            </a:r>
-            <a:r>
-              <a:rPr lang="en-US" altLang="zh-CN" sz="1200" dirty="0" smtClean="0"/>
-              <a:t>5</a:t>
-            </a:r>
-            <a:r>
-              <a:rPr lang="zh-CN" altLang="zh-CN" sz="1200" dirty="0" smtClean="0"/>
-              <a:t>，表示</a:t>
-            </a:r>
-            <a:r>
-              <a:rPr lang="en-US" altLang="zh-CN" sz="1200" dirty="0" err="1" smtClean="0"/>
-              <a:t>tickTime</a:t>
-            </a:r>
-            <a:r>
-              <a:rPr lang="zh-CN" altLang="zh-CN" sz="1200" dirty="0" smtClean="0"/>
-              <a:t>的</a:t>
-            </a:r>
-            <a:r>
-              <a:rPr lang="en-US" altLang="zh-CN" sz="1200" dirty="0" smtClean="0"/>
-              <a:t>5</a:t>
-            </a:r>
-            <a:r>
-              <a:rPr lang="zh-CN" altLang="zh-CN" sz="1200" dirty="0" smtClean="0"/>
-              <a:t>倍</a:t>
-            </a:r>
-          </a:p>
-          <a:p>
-            <a:pPr indent="0">
-              <a:buNone/>
-            </a:pPr>
-            <a:r>
-              <a:rPr lang="en-US" altLang="zh-CN" sz="1200" dirty="0" err="1" smtClean="0"/>
-              <a:t>syncLimit</a:t>
-            </a:r>
-            <a:r>
-              <a:rPr lang="en-US" altLang="zh-CN" sz="1200" dirty="0" smtClean="0"/>
-              <a:t>=2 </a:t>
-            </a:r>
-            <a:endParaRPr lang="zh-CN" altLang="zh-CN" sz="1200" dirty="0" smtClean="0"/>
-          </a:p>
+            <a:endParaRPr lang="zh-CN" altLang="en-US" dirty="0"/>
+          </a:p>
+        </p:txBody>
+      </p:sp>
+      <p:sp>
+        <p:nvSpPr>
+          <p:cNvPr id="4" name="灯片编号占位符 3"/>
+          <p:cNvSpPr>
+            <a:spLocks noGrp="1"/>
+          </p:cNvSpPr>
+          <p:nvPr>
+            <p:ph type="sldNum" sz="quarter" idx="10"/>
+          </p:nvPr>
+        </p:nvSpPr>
+        <p:spPr/>
+        <p:txBody>
+          <a:bodyPr/>
+          <a:lstStyle/>
+          <a:p>
+            <a:fld id="{157EC4AA-DE67-4123-96F9-836BD2C39848}" type="slidenum">
+              <a:rPr lang="zh-CN" altLang="en-US" smtClean="0"/>
+              <a:pPr/>
+              <a:t>25</a:t>
+            </a:fld>
+            <a:endParaRPr lang="zh-CN" altLang="en-US"/>
+          </a:p>
+        </p:txBody>
+      </p:sp>
+    </p:spTree>
+    <p:extLst>
+      <p:ext uri="{BB962C8B-B14F-4D97-AF65-F5344CB8AC3E}">
+        <p14:creationId xmlns:p14="http://schemas.microsoft.com/office/powerpoint/2010/main" val="3565587643"/>
+      </p:ext>
+    </p:extLst>
+  </p:cSld>
+  <p:clrMapOvr>
+    <a:masterClrMapping/>
+  </p:clrMapOvr>
+</p:notes>
+</file>
+
+<file path=ppt/notesSlides/notesSlide7.xml><?xml version="1.0" encoding="utf-8"?>
+<p:notes xmlns:a="http://schemas.openxmlformats.org/drawingml/2006/main" xmlns:r="http://schemas.openxmlformats.org/officeDocument/2006/relationships" xmlns:p="http://schemas.openxmlformats.org/presentationml/2006/main">
+  <p:cSld>
+    <p:spTree>
+      <p:nvGrpSpPr>
+        <p:cNvPr id="1" name=""/>
+        <p:cNvGrpSpPr/>
+        <p:nvPr/>
+      </p:nvGrpSpPr>
+      <p:grpSpPr>
+        <a:xfrm>
+          <a:off x="0" y="0"/>
+          <a:ext cx="0" cy="0"/>
+          <a:chOff x="0" y="0"/>
+          <a:chExt cx="0" cy="0"/>
+        </a:xfrm>
+      </p:grpSpPr>
+      <p:sp>
+        <p:nvSpPr>
+          <p:cNvPr id="2" name="幻灯片图像占位符 1"/>
+          <p:cNvSpPr>
+            <a:spLocks noGrp="1" noRot="1" noChangeAspect="1"/>
+          </p:cNvSpPr>
+          <p:nvPr>
+            <p:ph type="sldImg"/>
+          </p:nvPr>
+        </p:nvSpPr>
+        <p:spPr/>
+      </p:sp>
+      <p:sp>
+        <p:nvSpPr>
+          <p:cNvPr id="3" name="备注占位符 2"/>
+          <p:cNvSpPr>
+            <a:spLocks noGrp="1"/>
+          </p:cNvSpPr>
+          <p:nvPr>
+            <p:ph type="body" idx="1"/>
+          </p:nvPr>
+        </p:nvSpPr>
+        <p:spPr/>
+        <p:txBody>
+          <a:bodyPr/>
+          <a:lstStyle/>
+          <a:p>
+            <a:endParaRPr lang="zh-CN" altLang="en-US" dirty="0"/>
+          </a:p>
+        </p:txBody>
+      </p:sp>
+      <p:sp>
+        <p:nvSpPr>
+          <p:cNvPr id="4" name="灯片编号占位符 3"/>
+          <p:cNvSpPr>
+            <a:spLocks noGrp="1"/>
+          </p:cNvSpPr>
+          <p:nvPr>
+            <p:ph type="sldNum" sz="quarter" idx="10"/>
+          </p:nvPr>
+        </p:nvSpPr>
+        <p:spPr/>
+        <p:txBody>
+          <a:bodyPr/>
+          <a:lstStyle/>
+          <a:p>
+            <a:fld id="{157EC4AA-DE67-4123-96F9-836BD2C39848}" type="slidenum">
+              <a:rPr lang="zh-CN" altLang="en-US" smtClean="0"/>
+              <a:pPr/>
+              <a:t>26</a:t>
+            </a:fld>
+            <a:endParaRPr lang="zh-CN" altLang="en-US"/>
+          </a:p>
+        </p:txBody>
+      </p:sp>
+    </p:spTree>
+    <p:extLst>
+      <p:ext uri="{BB962C8B-B14F-4D97-AF65-F5344CB8AC3E}">
+        <p14:creationId xmlns:p14="http://schemas.microsoft.com/office/powerpoint/2010/main" val="2413126124"/>
+      </p:ext>
+    </p:extLst>
+  </p:cSld>
+  <p:clrMapOvr>
+    <a:masterClrMapping/>
+  </p:clrMapOvr>
+</p:notes>
+</file>
+
+<file path=ppt/notesSlides/notesSlide8.xml><?xml version="1.0" encoding="utf-8"?>
+<p:notes xmlns:a="http://schemas.openxmlformats.org/drawingml/2006/main" xmlns:r="http://schemas.openxmlformats.org/officeDocument/2006/relationships" xmlns:p="http://schemas.openxmlformats.org/presentationml/2006/main">
+  <p:cSld>
+    <p:spTree>
+      <p:nvGrpSpPr>
+        <p:cNvPr id="1" name=""/>
+        <p:cNvGrpSpPr/>
+        <p:nvPr/>
+      </p:nvGrpSpPr>
+      <p:grpSpPr>
+        <a:xfrm>
+          <a:off x="0" y="0"/>
+          <a:ext cx="0" cy="0"/>
+          <a:chOff x="0" y="0"/>
+          <a:chExt cx="0" cy="0"/>
+        </a:xfrm>
+      </p:grpSpPr>
+      <p:sp>
+        <p:nvSpPr>
+          <p:cNvPr id="2" name="幻灯片图像占位符 1"/>
+          <p:cNvSpPr>
+            <a:spLocks noGrp="1" noRot="1" noChangeAspect="1"/>
+          </p:cNvSpPr>
+          <p:nvPr>
+            <p:ph type="sldImg"/>
+          </p:nvPr>
+        </p:nvSpPr>
+        <p:spPr/>
+      </p:sp>
+      <p:sp>
+        <p:nvSpPr>
+          <p:cNvPr id="3" name="备注占位符 2"/>
+          <p:cNvSpPr>
+            <a:spLocks noGrp="1"/>
+          </p:cNvSpPr>
+          <p:nvPr>
+            <p:ph type="body" idx="1"/>
+          </p:nvPr>
+        </p:nvSpPr>
+        <p:spPr/>
+        <p:txBody>
+          <a:bodyPr/>
+          <a:lstStyle/>
           <a:p>
             <a:endParaRPr lang="zh-CN" altLang="en-US" dirty="0"/>
           </a:p>
@@ -1656,7 +1999,92 @@
     </p:spTree>
     <p:extLst>
       <p:ext uri="{BB962C8B-B14F-4D97-AF65-F5344CB8AC3E}">
-        <p14:creationId xmlns:p14="http://schemas.microsoft.com/office/powerpoint/2010/main" val="1160849507"/>
+        <p14:creationId xmlns:p14="http://schemas.microsoft.com/office/powerpoint/2010/main" val="3301601647"/>
+      </p:ext>
+    </p:extLst>
+  </p:cSld>
+  <p:clrMapOvr>
+    <a:masterClrMapping/>
+  </p:clrMapOvr>
+</p:notes>
+</file>
+
+<file path=ppt/notesSlides/notesSlide9.xml><?xml version="1.0" encoding="utf-8"?>
+<p:notes xmlns:a="http://schemas.openxmlformats.org/drawingml/2006/main" xmlns:r="http://schemas.openxmlformats.org/officeDocument/2006/relationships" xmlns:p="http://schemas.openxmlformats.org/presentationml/2006/main">
+  <p:cSld>
+    <p:spTree>
+      <p:nvGrpSpPr>
+        <p:cNvPr id="1" name=""/>
+        <p:cNvGrpSpPr/>
+        <p:nvPr/>
+      </p:nvGrpSpPr>
+      <p:grpSpPr>
+        <a:xfrm>
+          <a:off x="0" y="0"/>
+          <a:ext cx="0" cy="0"/>
+          <a:chOff x="0" y="0"/>
+          <a:chExt cx="0" cy="0"/>
+        </a:xfrm>
+      </p:grpSpPr>
+      <p:sp>
+        <p:nvSpPr>
+          <p:cNvPr id="2" name="幻灯片图像占位符 1"/>
+          <p:cNvSpPr>
+            <a:spLocks noGrp="1" noRot="1" noChangeAspect="1"/>
+          </p:cNvSpPr>
+          <p:nvPr>
+            <p:ph type="sldImg"/>
+          </p:nvPr>
+        </p:nvSpPr>
+        <p:spPr/>
+      </p:sp>
+      <p:sp>
+        <p:nvSpPr>
+          <p:cNvPr id="3" name="备注占位符 2"/>
+          <p:cNvSpPr>
+            <a:spLocks noGrp="1"/>
+          </p:cNvSpPr>
+          <p:nvPr>
+            <p:ph type="body" idx="1"/>
+          </p:nvPr>
+        </p:nvSpPr>
+        <p:spPr/>
+        <p:txBody>
+          <a:bodyPr/>
+          <a:lstStyle/>
+          <a:p>
+            <a:endParaRPr lang="zh-CN" altLang="en-US" dirty="0"/>
+          </a:p>
+        </p:txBody>
+      </p:sp>
+      <p:sp>
+        <p:nvSpPr>
+          <p:cNvPr id="4" name="灯片编号占位符 3"/>
+          <p:cNvSpPr>
+            <a:spLocks noGrp="1"/>
+          </p:cNvSpPr>
+          <p:nvPr>
+            <p:ph type="sldNum" sz="quarter" idx="10"/>
+          </p:nvPr>
+        </p:nvSpPr>
+        <p:spPr/>
+        <p:txBody>
+          <a:bodyPr/>
+          <a:lstStyle/>
+          <a:p>
+            <a:fld id="{157EC4AA-DE67-4123-96F9-836BD2C39848}" type="slidenum">
+              <a:rPr lang="zh-CN" altLang="en-US" smtClean="0"/>
+              <a:pPr/>
+              <a:t>28</a:t>
+            </a:fld>
+            <a:endParaRPr lang="zh-CN" altLang="en-US"/>
+          </a:p>
+        </p:txBody>
+      </p:sp>
+    </p:spTree>
+    <p:extLst>
+      <p:ext uri="{BB962C8B-B14F-4D97-AF65-F5344CB8AC3E}">
+        <p14:creationId xmlns:p14="http://schemas.microsoft.com/office/powerpoint/2010/main" val="464200746"/>
       </p:ext>
     </p:extLst>
   </p:cSld>
@@ -2137,7 +2565,7 @@
             <a:fld id="{E464397B-F195-431B-A77B-CBC18328D7B0}" type="datetimeFigureOut">
               <a:rPr lang="zh-CN" altLang="en-US" smtClean="0"/>
               <a:pPr/>
-              <a:t>2017/12/5</a:t>
+              <a:t>2017/12/21</a:t>
             </a:fld>
             <a:endParaRPr lang="zh-CN" altLang="en-US"/>
           </a:p>
@@ -2712,242 +3140,6 @@
             </a:r>
             <a:r>
               <a:rPr lang="zh-CN" altLang="en-US" dirty="0" smtClean="0"/>
-              <a:t>注册中心数据结构</a:t>
-            </a:r>
-            <a:r>
-              <a:rPr lang="en-US" altLang="zh-CN" dirty="0" smtClean="0"/>
-              <a:t>(ZK)</a:t>
-            </a:r>
-            <a:endParaRPr lang="zh-CN" altLang="en-US" dirty="0"/>
-          </a:p>
-        </p:txBody>
-      </p:sp>
-      <p:sp>
-        <p:nvSpPr>
-          <p:cNvPr id="3" name="内容占位符 2"/>
-          <p:cNvSpPr>
-            <a:spLocks noGrp="1"/>
-          </p:cNvSpPr>
-          <p:nvPr>
-            <p:ph idx="1"/>
-          </p:nvPr>
-        </p:nvSpPr>
-        <p:spPr>
-          <a:xfrm>
-            <a:off x="315530" y="1157468"/>
-            <a:ext cx="8503775" cy="4815069"/>
-          </a:xfrm>
-        </p:spPr>
-        <p:txBody>
-          <a:bodyPr/>
-          <a:lstStyle/>
-          <a:p>
-            <a:pPr indent="0">
-              <a:buNone/>
-            </a:pPr>
-            <a:r>
-              <a:rPr lang="en-US" altLang="zh-CN" sz="1600" dirty="0" smtClean="0"/>
-              <a:t>3.sharding</a:t>
-            </a:r>
-            <a:r>
-              <a:rPr lang="zh-CN" altLang="en-US" sz="1600" dirty="0"/>
-              <a:t>节点</a:t>
-            </a:r>
-          </a:p>
-          <a:p>
-            <a:pPr indent="0">
-              <a:buNone/>
-            </a:pPr>
-            <a:r>
-              <a:rPr lang="zh-CN" altLang="en-US" sz="1600" dirty="0"/>
-              <a:t>作业分片信息，子节点是分片项序号，从零开始，至分片总数减一。分片项序号的子节点存储详细信息。每个分片项下的子节点用于控制和记录分片运行</a:t>
-            </a:r>
-            <a:r>
-              <a:rPr lang="zh-CN" altLang="en-US" sz="1600" dirty="0" smtClean="0"/>
-              <a:t>状态</a:t>
-            </a:r>
-            <a:endParaRPr lang="en-US" altLang="zh-CN" sz="1600" dirty="0" smtClean="0"/>
-          </a:p>
-          <a:p>
-            <a:pPr indent="0">
-              <a:buNone/>
-            </a:pPr>
-            <a:endParaRPr lang="zh-CN" altLang="en-US" sz="1600" dirty="0"/>
-          </a:p>
-          <a:p>
-            <a:pPr indent="0">
-              <a:buNone/>
-            </a:pPr>
-            <a:r>
-              <a:rPr lang="en-US" altLang="zh-CN" sz="1600" dirty="0" smtClean="0"/>
-              <a:t>4.servers</a:t>
-            </a:r>
-            <a:r>
-              <a:rPr lang="zh-CN" altLang="en-US" sz="1600" dirty="0"/>
-              <a:t>节点</a:t>
-            </a:r>
-          </a:p>
-          <a:p>
-            <a:pPr indent="0">
-              <a:buNone/>
-            </a:pPr>
-            <a:r>
-              <a:rPr lang="zh-CN" altLang="en-US" sz="1600" dirty="0"/>
-              <a:t>作业服务器信息，子节点是作业服务器的</a:t>
-            </a:r>
-            <a:r>
-              <a:rPr lang="en-US" altLang="zh-CN" sz="1600" dirty="0"/>
-              <a:t>IP</a:t>
-            </a:r>
-            <a:r>
-              <a:rPr lang="zh-CN" altLang="en-US" sz="1600" dirty="0"/>
-              <a:t>地址</a:t>
-            </a:r>
-            <a:r>
-              <a:rPr lang="zh-CN" altLang="en-US" sz="1600" dirty="0" smtClean="0"/>
-              <a:t>。</a:t>
-            </a:r>
-            <a:endParaRPr lang="en-US" altLang="zh-CN" sz="1600" dirty="0" smtClean="0"/>
-          </a:p>
-          <a:p>
-            <a:pPr indent="0">
-              <a:buNone/>
-            </a:pPr>
-            <a:endParaRPr lang="zh-CN" altLang="en-US" sz="1600" dirty="0"/>
-          </a:p>
-          <a:p>
-            <a:pPr indent="0">
-              <a:buNone/>
-            </a:pPr>
-            <a:r>
-              <a:rPr lang="en-US" altLang="zh-CN" sz="1600" dirty="0" smtClean="0"/>
-              <a:t>5.leader</a:t>
-            </a:r>
-            <a:r>
-              <a:rPr lang="zh-CN" altLang="en-US" sz="1600" dirty="0"/>
-              <a:t>节点</a:t>
-            </a:r>
-          </a:p>
-          <a:p>
-            <a:pPr indent="0">
-              <a:buNone/>
-            </a:pPr>
-            <a:r>
-              <a:rPr lang="zh-CN" altLang="en-US" sz="1600" dirty="0"/>
-              <a:t>作业服务器主节点信息，分为</a:t>
-            </a:r>
-            <a:r>
-              <a:rPr lang="en-US" altLang="zh-CN" sz="1600" dirty="0"/>
-              <a:t>election</a:t>
-            </a:r>
-            <a:r>
-              <a:rPr lang="zh-CN" altLang="en-US" sz="1600" dirty="0"/>
-              <a:t>，</a:t>
-            </a:r>
-            <a:r>
-              <a:rPr lang="en-US" altLang="zh-CN" sz="1600" dirty="0" err="1"/>
-              <a:t>sharding</a:t>
-            </a:r>
-            <a:r>
-              <a:rPr lang="zh-CN" altLang="en-US" sz="1600" dirty="0"/>
-              <a:t>和</a:t>
-            </a:r>
-            <a:r>
-              <a:rPr lang="en-US" altLang="zh-CN" sz="1600" dirty="0"/>
-              <a:t>failover</a:t>
-            </a:r>
-            <a:r>
-              <a:rPr lang="zh-CN" altLang="en-US" sz="1600" dirty="0"/>
-              <a:t>三个子节点。分别用于主节点选举，分片和失效转移处理</a:t>
-            </a:r>
-          </a:p>
-          <a:p>
-            <a:pPr indent="0">
-              <a:buNone/>
-            </a:pPr>
-            <a:endParaRPr lang="zh-CN" altLang="en-US" sz="1600" dirty="0"/>
-          </a:p>
-          <a:p>
-            <a:pPr indent="0">
-              <a:buNone/>
-            </a:pPr>
-            <a:endParaRPr lang="en-US" altLang="zh-CN" sz="1600" dirty="0" smtClean="0"/>
-          </a:p>
-          <a:p>
-            <a:pPr indent="0">
-              <a:buNone/>
-            </a:pPr>
-            <a:endParaRPr lang="zh-CN" altLang="en-US" sz="1600" dirty="0"/>
-          </a:p>
-        </p:txBody>
-      </p:sp>
-    </p:spTree>
-    <p:extLst>
-      <p:ext uri="{BB962C8B-B14F-4D97-AF65-F5344CB8AC3E}">
-        <p14:creationId xmlns:p14="http://schemas.microsoft.com/office/powerpoint/2010/main" val="862254014"/>
-      </p:ext>
-    </p:extLst>
-  </p:cSld>
-  <p:clrMapOvr>
-    <a:masterClrMapping/>
-  </p:clrMapOvr>
-  <p:timing>
-    <p:tnLst>
-      <p:par>
-        <p:cTn id="1" dur="indefinite" restart="never" nodeType="tmRoot"/>
-      </p:par>
-    </p:tnLst>
-  </p:timing>
-</p:sld>
-</file>
-
-<file path=ppt/slides/slide11.xml><?xml version="1.0" encoding="utf-8"?>
-<p:sld xmlns:a="http://schemas.openxmlformats.org/drawingml/2006/main" xmlns:r="http://schemas.openxmlformats.org/officeDocument/2006/relationships" xmlns:p="http://schemas.openxmlformats.org/presentationml/2006/main">
-  <p:cSld>
-    <p:spTree>
-      <p:nvGrpSpPr>
-        <p:cNvPr id="1" name=""/>
-        <p:cNvGrpSpPr/>
-        <p:nvPr/>
-      </p:nvGrpSpPr>
-      <p:grpSpPr>
-        <a:xfrm>
-          <a:off x="0" y="0"/>
-          <a:ext cx="0" cy="0"/>
-          <a:chOff x="0" y="0"/>
-          <a:chExt cx="0" cy="0"/>
-        </a:xfrm>
-      </p:grpSpPr>
-      <p:sp>
-        <p:nvSpPr>
-          <p:cNvPr id="2" name="标题 1"/>
-          <p:cNvSpPr>
-            <a:spLocks noGrp="1"/>
-          </p:cNvSpPr>
-          <p:nvPr>
-            <p:ph type="title"/>
-          </p:nvPr>
-        </p:nvSpPr>
-        <p:spPr>
-          <a:xfrm>
-            <a:off x="315530" y="332999"/>
-            <a:ext cx="8503775" cy="630296"/>
-          </a:xfrm>
-        </p:spPr>
-        <p:txBody>
-          <a:bodyPr/>
-          <a:lstStyle/>
-          <a:p>
-            <a:r>
-              <a:rPr lang="zh-CN" altLang="en-US" dirty="0" smtClean="0"/>
-              <a:t>实现原理</a:t>
-            </a:r>
-            <a:r>
-              <a:rPr lang="en-US" altLang="zh-CN" dirty="0" smtClean="0"/>
-              <a:t>-</a:t>
-            </a:r>
-            <a:r>
-              <a:rPr lang="zh-CN" altLang="en-US" dirty="0" smtClean="0"/>
               <a:t>源码目录结构</a:t>
             </a:r>
             <a:endParaRPr lang="zh-CN" altLang="en-US" dirty="0"/>
@@ -3000,6 +3192,162 @@
 </p:sld>
 </file>
 
+<file path=ppt/slides/slide11.xml><?xml version="1.0" encoding="utf-8"?>
+<p:sld xmlns:a="http://schemas.openxmlformats.org/drawingml/2006/main" xmlns:r="http://schemas.openxmlformats.org/officeDocument/2006/relationships" xmlns:p="http://schemas.openxmlformats.org/presentationml/2006/main">
+  <p:cSld>
+    <p:spTree>
+      <p:nvGrpSpPr>
+        <p:cNvPr id="1" name=""/>
+        <p:cNvGrpSpPr/>
+        <p:nvPr/>
+      </p:nvGrpSpPr>
+      <p:grpSpPr>
+        <a:xfrm>
+          <a:off x="0" y="0"/>
+          <a:ext cx="0" cy="0"/>
+          <a:chOff x="0" y="0"/>
+          <a:chExt cx="0" cy="0"/>
+        </a:xfrm>
+      </p:grpSpPr>
+      <p:sp>
+        <p:nvSpPr>
+          <p:cNvPr id="2" name="标题 1"/>
+          <p:cNvSpPr>
+            <a:spLocks noGrp="1"/>
+          </p:cNvSpPr>
+          <p:nvPr>
+            <p:ph type="title"/>
+          </p:nvPr>
+        </p:nvSpPr>
+        <p:spPr>
+          <a:xfrm>
+            <a:off x="315530" y="332999"/>
+            <a:ext cx="8503775" cy="630296"/>
+          </a:xfrm>
+        </p:spPr>
+        <p:txBody>
+          <a:bodyPr/>
+          <a:lstStyle/>
+          <a:p>
+            <a:r>
+              <a:rPr lang="zh-CN" altLang="en-US" dirty="0" smtClean="0"/>
+              <a:t>功能列表</a:t>
+            </a:r>
+            <a:endParaRPr lang="zh-CN" altLang="en-US" dirty="0"/>
+          </a:p>
+        </p:txBody>
+      </p:sp>
+      <p:sp>
+        <p:nvSpPr>
+          <p:cNvPr id="3" name="内容占位符 2"/>
+          <p:cNvSpPr>
+            <a:spLocks noGrp="1"/>
+          </p:cNvSpPr>
+          <p:nvPr>
+            <p:ph idx="1"/>
+          </p:nvPr>
+        </p:nvSpPr>
+        <p:spPr>
+          <a:xfrm>
+            <a:off x="315530" y="1157468"/>
+            <a:ext cx="8503775" cy="4815069"/>
+          </a:xfrm>
+        </p:spPr>
+        <p:txBody>
+          <a:bodyPr/>
+          <a:lstStyle/>
+          <a:p>
+            <a:r>
+              <a:rPr lang="zh-CN" altLang="en-US" sz="2000" dirty="0" smtClean="0"/>
+              <a:t>分布式任务协调</a:t>
+            </a:r>
+            <a:endParaRPr lang="en-US" altLang="zh-CN" sz="2000" dirty="0" smtClean="0"/>
+          </a:p>
+          <a:p>
+            <a:r>
+              <a:rPr lang="zh-CN" altLang="en-US" sz="2000" dirty="0" smtClean="0"/>
+              <a:t>弹性</a:t>
+            </a:r>
+            <a:r>
+              <a:rPr lang="zh-CN" altLang="en-US" sz="2000" dirty="0"/>
+              <a:t>分布式</a:t>
+            </a:r>
+            <a:endParaRPr lang="en-US" altLang="zh-CN" sz="2000" dirty="0" smtClean="0"/>
+          </a:p>
+          <a:p>
+            <a:r>
+              <a:rPr lang="zh-CN" altLang="en-US" sz="2000" dirty="0" smtClean="0"/>
+              <a:t>作业类型</a:t>
+            </a:r>
+            <a:endParaRPr lang="en-US" altLang="zh-CN" sz="2000" dirty="0" smtClean="0"/>
+          </a:p>
+          <a:p>
+            <a:r>
+              <a:rPr lang="zh-CN" altLang="en-US" sz="2000" dirty="0" smtClean="0"/>
+              <a:t>分片策略</a:t>
+            </a:r>
+            <a:endParaRPr lang="en-US" altLang="zh-CN" sz="2000" dirty="0" smtClean="0"/>
+          </a:p>
+          <a:p>
+            <a:r>
+              <a:rPr lang="zh-CN" altLang="en-US" sz="2000" dirty="0" smtClean="0"/>
+              <a:t>事件追踪</a:t>
+            </a:r>
+            <a:endParaRPr lang="en-US" altLang="zh-CN" sz="2000" dirty="0" smtClean="0"/>
+          </a:p>
+          <a:p>
+            <a:r>
+              <a:rPr lang="zh-CN" altLang="en-US" sz="2000" dirty="0" smtClean="0"/>
+              <a:t>作业监听器</a:t>
+            </a:r>
+            <a:endParaRPr lang="en-US" altLang="zh-CN" sz="2000" dirty="0" smtClean="0"/>
+          </a:p>
+          <a:p>
+            <a:r>
+              <a:rPr lang="zh-CN" altLang="en-US" sz="2000" dirty="0" smtClean="0"/>
+              <a:t>自行诊断并修复分布式不稳定造成的问题</a:t>
+            </a:r>
+            <a:endParaRPr lang="en-US" altLang="zh-CN" sz="2000" dirty="0" smtClean="0"/>
+          </a:p>
+          <a:p>
+            <a:r>
+              <a:rPr lang="zh-CN" altLang="en-US" sz="2000" dirty="0"/>
+              <a:t>失效转移</a:t>
+            </a:r>
+            <a:endParaRPr lang="en-US" altLang="zh-CN" sz="2000" dirty="0" smtClean="0"/>
+          </a:p>
+          <a:p>
+            <a:r>
+              <a:rPr lang="zh-CN" altLang="en-US" sz="2000" dirty="0" smtClean="0"/>
+              <a:t>运维平台</a:t>
+            </a:r>
+            <a:endParaRPr lang="en-US" altLang="zh-CN" sz="2000" dirty="0" smtClean="0"/>
+          </a:p>
+          <a:p>
+            <a:endParaRPr lang="zh-CN" altLang="en-US" dirty="0"/>
+          </a:p>
+        </p:txBody>
+      </p:sp>
+    </p:spTree>
+    <p:extLst>
+      <p:ext uri="{BB962C8B-B14F-4D97-AF65-F5344CB8AC3E}">
+        <p14:creationId xmlns:p14="http://schemas.microsoft.com/office/powerpoint/2010/main" val="3130404731"/>
+      </p:ext>
+    </p:extLst>
+  </p:cSld>
+  <p:clrMapOvr>
+    <a:masterClrMapping/>
+  </p:clrMapOvr>
+  <p:timing>
+    <p:tnLst>
+      <p:par>
+        <p:cTn id="1" dur="indefinite" restart="never" nodeType="tmRoot"/>
+      </p:par>
+    </p:tnLst>
+  </p:timing>
+</p:sld>
+</file>
+
 <file path=ppt/slides/slide12.xml><?xml version="1.0" encoding="utf-8"?>
 <p:sld xmlns:a="http://schemas.openxmlformats.org/drawingml/2006/main" xmlns:r="http://schemas.openxmlformats.org/officeDocument/2006/relationships" xmlns:p="http://schemas.openxmlformats.org/presentationml/2006/main">
   <p:cSld>
@@ -3038,8 +3386,12 @@
           <a:lstStyle/>
           <a:p>
             <a:r>
+              <a:rPr lang="zh-CN" altLang="en-US" dirty="0"/>
+              <a:t>分布式</a:t>
+            </a:r>
+            <a:r>
               <a:rPr lang="zh-CN" altLang="en-US" dirty="0" smtClean="0"/>
-              <a:t>功能列表</a:t>
+              <a:t>任务协调</a:t>
             </a:r>
             <a:endParaRPr lang="zh-CN" altLang="en-US" dirty="0"/>
           </a:p>
@@ -3065,81 +3417,56 @@
           <a:bodyPr/>
           <a:lstStyle/>
           <a:p>
-            <a:r>
-              <a:rPr lang="zh-CN" altLang="en-US" sz="2000" dirty="0" smtClean="0"/>
-              <a:t>分布式任务协调</a:t>
-            </a:r>
-            <a:endParaRPr lang="en-US" altLang="zh-CN" sz="2000" dirty="0" smtClean="0"/>
-          </a:p>
-          <a:p>
-            <a:r>
-              <a:rPr lang="zh-CN" altLang="en-US" sz="2000" dirty="0" smtClean="0"/>
-              <a:t>弹性</a:t>
-            </a:r>
-            <a:r>
-              <a:rPr lang="zh-CN" altLang="en-US" sz="2000" dirty="0"/>
-              <a:t>分布式</a:t>
-            </a:r>
-            <a:endParaRPr lang="en-US" altLang="zh-CN" sz="2000" dirty="0" smtClean="0"/>
-          </a:p>
-          <a:p>
-            <a:r>
-              <a:rPr lang="zh-CN" altLang="en-US" sz="2000" dirty="0" smtClean="0"/>
-              <a:t>作业类型</a:t>
-            </a:r>
-            <a:endParaRPr lang="en-US" altLang="zh-CN" sz="2000" dirty="0" smtClean="0"/>
-          </a:p>
-          <a:p>
-            <a:r>
-              <a:rPr lang="zh-CN" altLang="en-US" sz="2000" dirty="0" smtClean="0"/>
-              <a:t>分片策略</a:t>
-            </a:r>
-            <a:endParaRPr lang="en-US" altLang="zh-CN" sz="2000" dirty="0" smtClean="0"/>
-          </a:p>
-          <a:p>
-            <a:r>
-              <a:rPr lang="zh-CN" altLang="en-US" sz="2000" dirty="0" smtClean="0"/>
-              <a:t>事件追踪</a:t>
-            </a:r>
-            <a:endParaRPr lang="en-US" altLang="zh-CN" sz="2000" dirty="0" smtClean="0"/>
-          </a:p>
-          <a:p>
-            <a:r>
-              <a:rPr lang="zh-CN" altLang="en-US" sz="2000" dirty="0" smtClean="0"/>
-              <a:t>作业监听器</a:t>
-            </a:r>
-            <a:endParaRPr lang="en-US" altLang="zh-CN" sz="2000" dirty="0" smtClean="0"/>
-          </a:p>
-          <a:p>
-            <a:r>
-              <a:rPr lang="zh-CN" altLang="en-US" sz="2000" dirty="0" smtClean="0"/>
-              <a:t>自行诊断并修复分布式不稳定造成的问题</a:t>
-            </a:r>
-            <a:endParaRPr lang="en-US" altLang="zh-CN" sz="2000" dirty="0" smtClean="0"/>
-          </a:p>
-          <a:p>
-            <a:r>
-              <a:rPr lang="zh-CN" altLang="en-US" sz="2000" dirty="0"/>
-              <a:t>失效转移</a:t>
-            </a:r>
-            <a:endParaRPr lang="en-US" altLang="zh-CN" sz="2000" dirty="0" smtClean="0"/>
-          </a:p>
-          <a:p>
-            <a:r>
-              <a:rPr lang="zh-CN" altLang="en-US" sz="2000" dirty="0" smtClean="0"/>
-              <a:t>运维平台</a:t>
-            </a:r>
-            <a:endParaRPr lang="en-US" altLang="zh-CN" sz="2000" dirty="0" smtClean="0"/>
-          </a:p>
-          <a:p>
-            <a:endParaRPr lang="zh-CN" altLang="en-US" dirty="0"/>
+            <a:pPr indent="0">
+              <a:buNone/>
+            </a:pPr>
+            <a:r>
+              <a:rPr lang="zh-CN" altLang="zh-CN" sz="1800" dirty="0"/>
+              <a:t>分布式协调模块用于处理作业服务器的动态扩容缩容</a:t>
+            </a:r>
+            <a:r>
+              <a:rPr lang="zh-CN" altLang="zh-CN" sz="1800" dirty="0" smtClean="0"/>
+              <a:t>。一旦</a:t>
+            </a:r>
+            <a:r>
+              <a:rPr lang="zh-CN" altLang="zh-CN" sz="1800" dirty="0"/>
+              <a:t>集群中有服务器发生变化，分布式协调将自动监测并将变化结果通知仍存活的作业服务器。协调时将会涉及主节点选举，重分片等操作。目前使用的</a:t>
+            </a:r>
+            <a:r>
+              <a:rPr lang="en-US" altLang="zh-CN" sz="1800" dirty="0"/>
+              <a:t>Zookeeper</a:t>
+            </a:r>
+            <a:r>
+              <a:rPr lang="zh-CN" altLang="zh-CN" sz="1800" dirty="0"/>
+              <a:t>的临时节点和监听器实现主动检查和通知功能。</a:t>
+            </a:r>
+          </a:p>
+          <a:p>
+            <a:pPr indent="0">
+              <a:buNone/>
+            </a:pPr>
+            <a:endParaRPr lang="zh-CN" altLang="en-US" sz="1600" dirty="0"/>
+          </a:p>
+          <a:p>
+            <a:pPr indent="0">
+              <a:buNone/>
+            </a:pPr>
+            <a:endParaRPr lang="zh-CN" altLang="en-US" sz="1600" dirty="0"/>
+          </a:p>
+          <a:p>
+            <a:pPr indent="0">
+              <a:buNone/>
+            </a:pPr>
+            <a:endParaRPr lang="zh-CN" altLang="zh-CN" sz="1600" dirty="0">
+              <a:latin typeface="+mn-ea"/>
+            </a:endParaRPr>
           </a:p>
         </p:txBody>
       </p:sp>
     </p:spTree>
     <p:extLst>
       <p:ext uri="{BB962C8B-B14F-4D97-AF65-F5344CB8AC3E}">
-        <p14:creationId xmlns:p14="http://schemas.microsoft.com/office/powerpoint/2010/main" val="3130404731"/>
+        <p14:creationId xmlns:p14="http://schemas.microsoft.com/office/powerpoint/2010/main" val="1957611689"/>
       </p:ext>
     </p:extLst>
   </p:cSld>
@@ -3194,12 +3521,8 @@
           <a:lstStyle/>
           <a:p>
             <a:r>
-              <a:rPr lang="zh-CN" altLang="en-US" dirty="0"/>
-              <a:t>分布式</a:t>
-            </a:r>
-            <a:r>
               <a:rPr lang="zh-CN" altLang="en-US" dirty="0" smtClean="0"/>
-              <a:t>任务协调</a:t>
+              <a:t>弹性分布式</a:t>
             </a:r>
             <a:endParaRPr lang="zh-CN" altLang="en-US" dirty="0"/>
           </a:p>
@@ -3225,29 +3548,86 @@
           <a:bodyPr/>
           <a:lstStyle/>
           <a:p>
-            <a:pPr indent="0">
-              <a:buNone/>
-            </a:pPr>
-            <a:r>
-              <a:rPr lang="zh-CN" altLang="zh-CN" sz="1800" dirty="0"/>
-              <a:t>分布式协调模块用于处理作业服务器的动态扩容缩容</a:t>
-            </a:r>
-            <a:r>
-              <a:rPr lang="zh-CN" altLang="zh-CN" sz="1800" dirty="0" smtClean="0"/>
-              <a:t>。一旦</a:t>
-            </a:r>
-            <a:r>
-              <a:rPr lang="zh-CN" altLang="zh-CN" sz="1800" dirty="0"/>
-              <a:t>集群中有服务器发生变化，分布式协调将自动监测并将变化结果通知仍存活的作业服务器。协调时将会涉及主节点选举，重分片等操作。目前使用的</a:t>
-            </a:r>
-            <a:r>
-              <a:rPr lang="en-US" altLang="zh-CN" sz="1800" dirty="0"/>
-              <a:t>Zookeeper</a:t>
-            </a:r>
-            <a:r>
-              <a:rPr lang="zh-CN" altLang="zh-CN" sz="1800" dirty="0"/>
-              <a:t>的临时节点和监听器实现主动检查和通知功能。</a:t>
-            </a:r>
+            <a:r>
+              <a:rPr lang="zh-CN" altLang="en-US" sz="1600" dirty="0"/>
+              <a:t>第一台服务器上线触发主服务器选举。主服务器一旦下线，则重新触发选举，选举过程中阻塞，只有主服务器选举完成，才会执行其他任务</a:t>
+            </a:r>
+            <a:r>
+              <a:rPr lang="zh-CN" altLang="en-US" sz="1600" dirty="0" smtClean="0"/>
+              <a:t>。</a:t>
+            </a:r>
+            <a:endParaRPr lang="zh-CN" altLang="en-US" sz="1600" dirty="0"/>
+          </a:p>
+          <a:p>
+            <a:r>
+              <a:rPr lang="zh-CN" altLang="en-US" sz="1600" dirty="0"/>
+              <a:t>某作业服务器上线时会自动将服务器信息注册到注册中心，下线时会自动更新服务器状态。</a:t>
+            </a:r>
+          </a:p>
+          <a:p>
+            <a:r>
+              <a:rPr lang="zh-CN" altLang="en-US" sz="1600" dirty="0"/>
+              <a:t>主节点选举，服务器上下线，分片总数变更均更新重新分片标记</a:t>
+            </a:r>
+            <a:r>
+              <a:rPr lang="zh-CN" altLang="en-US" sz="1600" dirty="0" smtClean="0"/>
+              <a:t>。</a:t>
+            </a:r>
+            <a:endParaRPr lang="en-US" altLang="zh-CN" sz="1600" dirty="0" smtClean="0"/>
+          </a:p>
+          <a:p>
+            <a:endParaRPr lang="zh-CN" altLang="en-US" sz="1600" dirty="0"/>
+          </a:p>
+          <a:p>
+            <a:r>
+              <a:rPr lang="zh-CN" altLang="en-US" sz="1600" dirty="0"/>
+              <a:t>定时任务触发时，如需重新分片，则通过主服务器分片，分片过程中阻塞，分片结束后才可执行任务。如分片过程中主服务器下线，则先选举主服务器，再分片</a:t>
+            </a:r>
+            <a:r>
+              <a:rPr lang="zh-CN" altLang="en-US" sz="1600" dirty="0" smtClean="0"/>
+              <a:t>。</a:t>
+            </a:r>
+            <a:endParaRPr lang="en-US" altLang="zh-CN" sz="1600" dirty="0" smtClean="0"/>
+          </a:p>
+          <a:p>
+            <a:endParaRPr lang="zh-CN" altLang="en-US" sz="1600" dirty="0"/>
+          </a:p>
+          <a:p>
+            <a:r>
+              <a:rPr lang="zh-CN" altLang="en-US" sz="1600" dirty="0"/>
+              <a:t>通过上一项说明可知，为了维持作业运行时的稳定性，运行过程中只会标记分片状态，不会重新分片。分片仅可能发生在下次任务触发前</a:t>
+            </a:r>
+            <a:r>
+              <a:rPr lang="zh-CN" altLang="en-US" sz="1600" dirty="0" smtClean="0"/>
+              <a:t>。</a:t>
+            </a:r>
+            <a:endParaRPr lang="zh-CN" altLang="en-US" sz="1600" dirty="0"/>
+          </a:p>
+          <a:p>
+            <a:r>
+              <a:rPr lang="zh-CN" altLang="en-US" sz="1600" dirty="0"/>
+              <a:t>每次分片都会按服务器</a:t>
+            </a:r>
+            <a:r>
+              <a:rPr lang="en-US" altLang="zh-CN" sz="1600" dirty="0"/>
+              <a:t>IP</a:t>
+            </a:r>
+            <a:r>
+              <a:rPr lang="zh-CN" altLang="en-US" sz="1600" dirty="0"/>
+              <a:t>排序，保证分片结果不会产生较大波动</a:t>
+            </a:r>
+            <a:r>
+              <a:rPr lang="zh-CN" altLang="en-US" sz="1600" dirty="0" smtClean="0"/>
+              <a:t>。</a:t>
+            </a:r>
+            <a:endParaRPr lang="zh-CN" altLang="en-US" sz="1600" dirty="0"/>
+          </a:p>
+          <a:p>
+            <a:r>
+              <a:rPr lang="zh-CN" altLang="en-US" sz="1600" dirty="0"/>
+              <a:t>实现失效转移功能，在某台服务器执行完毕后主动抓取未分配的分片，并且在某台服务器下线后主动寻找可用的服务器执行任务</a:t>
+            </a:r>
+            <a:endParaRPr lang="en-US" altLang="zh-CN" sz="1600" dirty="0" smtClean="0"/>
           </a:p>
           <a:p>
             <a:pPr indent="0">
@@ -3274,7 +3654,7 @@
     </p:spTree>
     <p:extLst>
       <p:ext uri="{BB962C8B-B14F-4D97-AF65-F5344CB8AC3E}">
-        <p14:creationId xmlns:p14="http://schemas.microsoft.com/office/powerpoint/2010/main" val="1957611689"/>
+        <p14:creationId xmlns:p14="http://schemas.microsoft.com/office/powerpoint/2010/main" val="3996442009"/>
       </p:ext>
     </p:extLst>
   </p:cSld>
@@ -3330,7 +3710,7 @@
           <a:p>
             <a:r>
               <a:rPr lang="zh-CN" altLang="en-US" dirty="0" smtClean="0"/>
-              <a:t>弹性分布式</a:t>
+              <a:t>作业类型</a:t>
             </a:r>
             <a:endParaRPr lang="zh-CN" altLang="en-US" dirty="0"/>
           </a:p>
@@ -3356,26 +3736,237 @@
           <a:bodyPr/>
           <a:lstStyle/>
           <a:p>
-            <a:r>
-              <a:rPr lang="zh-CN" altLang="en-US" sz="1600" dirty="0"/>
-              <a:t>第一台服务器上线触发主服务器选举。主服务器一旦下线，则重新触发选举，选举过程中阻塞，只有主服务器选举完成，才会执行其他任务</a:t>
+            <a:pPr indent="0">
+              <a:buNone/>
+            </a:pPr>
+            <a:r>
+              <a:rPr lang="en-US" altLang="zh-CN" sz="1600" dirty="0">
+                <a:latin typeface="+mn-ea"/>
+              </a:rPr>
+              <a:t>Elastic-job</a:t>
+            </a:r>
+            <a:r>
+              <a:rPr lang="zh-CN" altLang="zh-CN" sz="1600" dirty="0">
+                <a:latin typeface="+mn-ea"/>
+              </a:rPr>
+              <a:t>提供了</a:t>
+            </a:r>
+            <a:r>
+              <a:rPr lang="zh-CN" altLang="zh-CN" sz="1600" b="1" dirty="0">
+                <a:latin typeface="+mn-ea"/>
+              </a:rPr>
+              <a:t>三种作业类型：</a:t>
+            </a:r>
+            <a:r>
+              <a:rPr lang="en-US" altLang="zh-CN" sz="1600" b="1" dirty="0">
+                <a:latin typeface="+mn-ea"/>
+              </a:rPr>
+              <a:t>Simple</a:t>
+            </a:r>
+            <a:r>
+              <a:rPr lang="zh-CN" altLang="zh-CN" sz="1600" b="1" dirty="0">
+                <a:latin typeface="+mn-ea"/>
+              </a:rPr>
+              <a:t>、</a:t>
+            </a:r>
+            <a:r>
+              <a:rPr lang="en-US" altLang="zh-CN" sz="1600" b="1" dirty="0" err="1">
+                <a:latin typeface="+mn-ea"/>
+              </a:rPr>
+              <a:t>DataFlow</a:t>
+            </a:r>
+            <a:r>
+              <a:rPr lang="zh-CN" altLang="zh-CN" sz="1600" b="1" dirty="0">
+                <a:latin typeface="+mn-ea"/>
+              </a:rPr>
+              <a:t>和</a:t>
+            </a:r>
+            <a:r>
+              <a:rPr lang="en-US" altLang="zh-CN" sz="1600" b="1" dirty="0" smtClean="0">
+                <a:latin typeface="+mn-ea"/>
+              </a:rPr>
+              <a:t>Script</a:t>
+            </a:r>
+            <a:endParaRPr lang="en-US" altLang="zh-CN" sz="1600" dirty="0" smtClean="0"/>
+          </a:p>
+          <a:p>
+            <a:r>
+              <a:rPr lang="en-US" altLang="zh-CN" sz="1800" b="1" dirty="0" smtClean="0"/>
+              <a:t>Simple</a:t>
+            </a:r>
+            <a:r>
+              <a:rPr lang="zh-CN" altLang="en-US" sz="1800" b="1" dirty="0" smtClean="0"/>
+              <a:t>类型</a:t>
+            </a:r>
+            <a:endParaRPr lang="en-US" altLang="zh-CN" sz="1800" b="1" dirty="0" smtClean="0"/>
+          </a:p>
+          <a:p>
+            <a:pPr indent="0">
+              <a:buNone/>
+            </a:pPr>
+            <a:r>
+              <a:rPr lang="zh-CN" altLang="en-US" sz="1600" dirty="0" smtClean="0">
+                <a:latin typeface="+mn-ea"/>
+              </a:rPr>
+              <a:t>简单</a:t>
+            </a:r>
+            <a:r>
+              <a:rPr lang="zh-CN" altLang="en-US" sz="1600" dirty="0">
+                <a:latin typeface="+mn-ea"/>
+              </a:rPr>
+              <a:t>实现，未经任何封装的类型</a:t>
+            </a:r>
+            <a:r>
+              <a:rPr lang="zh-CN" altLang="en-US" sz="1600" dirty="0" smtClean="0">
+                <a:latin typeface="+mn-ea"/>
+              </a:rPr>
+              <a:t>。需要实现</a:t>
+            </a:r>
+            <a:r>
+              <a:rPr lang="en-US" altLang="zh-CN" sz="1600" dirty="0" err="1" smtClean="0">
+                <a:latin typeface="+mn-ea"/>
+              </a:rPr>
+              <a:t>SimpleJob</a:t>
+            </a:r>
+            <a:r>
+              <a:rPr lang="zh-CN" altLang="en-US" sz="1600" dirty="0">
+                <a:latin typeface="+mn-ea"/>
+              </a:rPr>
+              <a:t>接口</a:t>
+            </a:r>
+            <a:r>
+              <a:rPr lang="zh-CN" altLang="en-US" sz="1600" dirty="0" smtClean="0">
+                <a:latin typeface="+mn-ea"/>
+              </a:rPr>
+              <a:t>，该接口只</a:t>
+            </a:r>
+            <a:r>
+              <a:rPr lang="zh-CN" altLang="en-US" sz="1600" dirty="0">
+                <a:latin typeface="+mn-ea"/>
+              </a:rPr>
+              <a:t>提供了一个方法用于覆盖，此方法将被定时执行。用于执行普通的定时任务，与</a:t>
+            </a:r>
+            <a:r>
+              <a:rPr lang="en-US" altLang="zh-CN" sz="1600" dirty="0">
+                <a:latin typeface="+mn-ea"/>
+              </a:rPr>
+              <a:t>Quartz</a:t>
+            </a:r>
+            <a:r>
+              <a:rPr lang="zh-CN" altLang="en-US" sz="1600" dirty="0">
+                <a:latin typeface="+mn-ea"/>
+              </a:rPr>
+              <a:t>原生接口相似，只是增加了弹性扩缩容和分片等功能</a:t>
+            </a:r>
+            <a:r>
+              <a:rPr lang="zh-CN" altLang="en-US" sz="1600" dirty="0" smtClean="0">
+                <a:latin typeface="+mn-ea"/>
+              </a:rPr>
+              <a:t>。</a:t>
+            </a:r>
+            <a:endParaRPr lang="en-US" altLang="zh-CN" sz="1600" dirty="0" smtClean="0">
+              <a:latin typeface="+mn-ea"/>
+            </a:endParaRPr>
+          </a:p>
+          <a:p>
+            <a:r>
+              <a:rPr lang="en-US" altLang="zh-CN" sz="1800" b="1" dirty="0"/>
+              <a:t>Dataflow</a:t>
+            </a:r>
+            <a:r>
+              <a:rPr lang="zh-CN" altLang="en-US" sz="1800" b="1" dirty="0"/>
+              <a:t>类型作业</a:t>
+            </a:r>
+          </a:p>
+          <a:p>
+            <a:pPr indent="0">
+              <a:buNone/>
+            </a:pPr>
+            <a:r>
+              <a:rPr lang="en-US" altLang="zh-CN" sz="1600" dirty="0" smtClean="0"/>
+              <a:t>1.Dataflow</a:t>
+            </a:r>
+            <a:r>
+              <a:rPr lang="zh-CN" altLang="en-US" sz="1600" dirty="0"/>
+              <a:t>类型用于处理数据流，需实现</a:t>
+            </a:r>
+            <a:r>
+              <a:rPr lang="en-US" altLang="zh-CN" sz="1600" dirty="0" err="1"/>
+              <a:t>DataflowJob</a:t>
+            </a:r>
+            <a:r>
+              <a:rPr lang="zh-CN" altLang="en-US" sz="1600" dirty="0"/>
+              <a:t>接口。该接口提供</a:t>
+            </a:r>
+            <a:r>
+              <a:rPr lang="en-US" altLang="zh-CN" sz="1600" dirty="0"/>
+              <a:t>2</a:t>
+            </a:r>
+            <a:r>
+              <a:rPr lang="zh-CN" altLang="en-US" sz="1600" dirty="0"/>
+              <a:t>个方法可供覆盖，分别用于抓取</a:t>
+            </a:r>
+            <a:r>
+              <a:rPr lang="en-US" altLang="zh-CN" sz="1600" dirty="0"/>
+              <a:t>(</a:t>
+            </a:r>
+            <a:r>
+              <a:rPr lang="en-US" altLang="zh-CN" sz="1600" dirty="0" err="1"/>
+              <a:t>fetchData</a:t>
+            </a:r>
+            <a:r>
+              <a:rPr lang="en-US" altLang="zh-CN" sz="1600" dirty="0"/>
+              <a:t>)</a:t>
+            </a:r>
+            <a:r>
+              <a:rPr lang="zh-CN" altLang="en-US" sz="1600" dirty="0"/>
+              <a:t>和处理</a:t>
+            </a:r>
+            <a:r>
+              <a:rPr lang="en-US" altLang="zh-CN" sz="1600" dirty="0"/>
+              <a:t>(</a:t>
+            </a:r>
+            <a:r>
+              <a:rPr lang="en-US" altLang="zh-CN" sz="1600" dirty="0" err="1"/>
+              <a:t>processData</a:t>
+            </a:r>
+            <a:r>
+              <a:rPr lang="en-US" altLang="zh-CN" sz="1600" dirty="0"/>
+              <a:t>)</a:t>
+            </a:r>
+            <a:r>
+              <a:rPr lang="zh-CN" altLang="en-US" sz="1600" dirty="0"/>
+              <a:t>数据</a:t>
             </a:r>
             <a:r>
               <a:rPr lang="zh-CN" altLang="en-US" sz="1600" dirty="0" smtClean="0"/>
               <a:t>。</a:t>
             </a:r>
-            <a:endParaRPr lang="zh-CN" altLang="en-US" sz="1600" dirty="0"/>
-          </a:p>
-          <a:p>
-            <a:r>
-              <a:rPr lang="zh-CN" altLang="en-US" sz="1600" dirty="0"/>
-              <a:t>某作业服务器上线时会自动将服务器信息注册到注册中心，下线时会自动更新服务器状态。</a:t>
-            </a:r>
-          </a:p>
-          <a:p>
-            <a:r>
-              <a:rPr lang="zh-CN" altLang="en-US" sz="1600" dirty="0"/>
-              <a:t>主节点选举，服务器上下线，分片总数变更均更新重新分片标记</a:t>
+            <a:endParaRPr lang="en-US" altLang="zh-CN" sz="1600" dirty="0" smtClean="0"/>
+          </a:p>
+          <a:p>
+            <a:pPr indent="0">
+              <a:buNone/>
+            </a:pPr>
+            <a:r>
+              <a:rPr lang="en-US" altLang="zh-CN" sz="1600" dirty="0" smtClean="0"/>
+              <a:t>2.</a:t>
+            </a:r>
+            <a:r>
+              <a:rPr lang="zh-CN" altLang="en-US" sz="1600" dirty="0" smtClean="0"/>
+              <a:t>通过</a:t>
+            </a:r>
+            <a:r>
+              <a:rPr lang="en-US" altLang="zh-CN" sz="1600" dirty="0" err="1" smtClean="0"/>
+              <a:t>DataflowJobConfiguration:streamingProcess</a:t>
+            </a:r>
+            <a:r>
+              <a:rPr lang="zh-CN" altLang="en-US" sz="1600" dirty="0" smtClean="0"/>
+              <a:t>属性配置</a:t>
+            </a:r>
+            <a:r>
+              <a:rPr lang="zh-CN" altLang="en-US" sz="1600" dirty="0"/>
+              <a:t>是否流式处理</a:t>
             </a:r>
             <a:r>
               <a:rPr lang="zh-CN" altLang="en-US" sz="1600" dirty="0" smtClean="0"/>
@@ -3384,12 +3975,52 @@
             <a:endParaRPr lang="en-US" altLang="zh-CN" sz="1600" dirty="0" smtClean="0"/>
           </a:p>
           <a:p>
-            <a:endParaRPr lang="zh-CN" altLang="en-US" sz="1600" dirty="0"/>
-          </a:p>
-          <a:p>
-            <a:r>
-              <a:rPr lang="zh-CN" altLang="en-US" sz="1600" dirty="0"/>
-              <a:t>定时任务触发时，如需重新分片，则通过主服务器分片，分片过程中阻塞，分片结束后才可执行任务。如分片过程中主服务器下线，则先选举主服务器，再分片</a:t>
+            <a:pPr indent="0">
+              <a:buNone/>
+            </a:pPr>
+            <a:r>
+              <a:rPr lang="en-US" altLang="zh-CN" sz="1600" dirty="0" smtClean="0"/>
+              <a:t>3.</a:t>
+            </a:r>
+            <a:r>
+              <a:rPr lang="zh-CN" altLang="en-US" sz="1600" dirty="0" smtClean="0"/>
+              <a:t>流式</a:t>
+            </a:r>
+            <a:r>
+              <a:rPr lang="zh-CN" altLang="en-US" sz="1600" dirty="0"/>
+              <a:t>处理数据只有</a:t>
+            </a:r>
+            <a:r>
+              <a:rPr lang="en-US" altLang="zh-CN" sz="1600" dirty="0" err="1"/>
+              <a:t>fetchData</a:t>
+            </a:r>
+            <a:r>
+              <a:rPr lang="zh-CN" altLang="en-US" sz="1600" dirty="0"/>
+              <a:t>方法的返回值为</a:t>
+            </a:r>
+            <a:r>
+              <a:rPr lang="en-US" altLang="zh-CN" sz="1600" dirty="0"/>
+              <a:t>null</a:t>
+            </a:r>
+            <a:r>
+              <a:rPr lang="zh-CN" altLang="en-US" sz="1600" dirty="0"/>
+              <a:t>或集合长度为空时，作业才停止抓取，否则作业将一直运行下去； 非流式处理数据则只会在每次作业执行过程中执行一次</a:t>
+            </a:r>
+            <a:r>
+              <a:rPr lang="en-US" altLang="zh-CN" sz="1600" dirty="0" err="1"/>
+              <a:t>fetchData</a:t>
+            </a:r>
+            <a:r>
+              <a:rPr lang="zh-CN" altLang="en-US" sz="1600" dirty="0"/>
+              <a:t>方法和</a:t>
+            </a:r>
+            <a:r>
+              <a:rPr lang="en-US" altLang="zh-CN" sz="1600" dirty="0" err="1"/>
+              <a:t>processData</a:t>
+            </a:r>
+            <a:r>
+              <a:rPr lang="zh-CN" altLang="en-US" sz="1600" dirty="0"/>
+              <a:t>方法，随即完成本次作业</a:t>
             </a:r>
             <a:r>
               <a:rPr lang="zh-CN" altLang="en-US" sz="1600" dirty="0" smtClean="0"/>
@@ -3398,44 +4029,59 @@
             <a:endParaRPr lang="en-US" altLang="zh-CN" sz="1600" dirty="0" smtClean="0"/>
           </a:p>
           <a:p>
-            <a:endParaRPr lang="zh-CN" altLang="en-US" sz="1600" dirty="0"/>
-          </a:p>
-          <a:p>
-            <a:r>
-              <a:rPr lang="zh-CN" altLang="en-US" sz="1600" dirty="0"/>
-              <a:t>通过上一项说明可知，为了维持作业运行时的稳定性，运行过程中只会标记分片状态，不会重新分片。分片仅可能发生在下次任务触发前</a:t>
-            </a:r>
-            <a:r>
-              <a:rPr lang="zh-CN" altLang="en-US" sz="1600" dirty="0" smtClean="0"/>
-              <a:t>。</a:t>
-            </a:r>
-            <a:endParaRPr lang="zh-CN" altLang="en-US" sz="1600" dirty="0"/>
-          </a:p>
-          <a:p>
-            <a:r>
-              <a:rPr lang="zh-CN" altLang="en-US" sz="1600" dirty="0"/>
-              <a:t>每次分片都会按服务器</a:t>
-            </a:r>
+            <a:r>
+              <a:rPr lang="en-US" altLang="zh-CN" sz="1800" b="1" dirty="0"/>
+              <a:t>Script</a:t>
+            </a:r>
+            <a:r>
+              <a:rPr lang="zh-CN" altLang="en-US" sz="1800" b="1" dirty="0"/>
+              <a:t>类型作业</a:t>
+            </a:r>
+          </a:p>
+          <a:p>
+            <a:pPr indent="0">
+              <a:buNone/>
+            </a:pPr>
             <a:r>
               <a:rPr lang="en-US" altLang="zh-CN" sz="1600" dirty="0"/>
-              <a:t>IP</a:t>
-            </a:r>
-            <a:r>
-              <a:rPr lang="zh-CN" altLang="en-US" sz="1600" dirty="0"/>
-              <a:t>排序，保证分片结果不会产生较大波动</a:t>
-            </a:r>
-            <a:r>
-              <a:rPr lang="zh-CN" altLang="en-US" sz="1600" dirty="0" smtClean="0"/>
-              <a:t>。</a:t>
-            </a:r>
-            <a:endParaRPr lang="zh-CN" altLang="en-US" sz="1600" dirty="0"/>
-          </a:p>
-          <a:p>
-            <a:r>
-              <a:rPr lang="zh-CN" altLang="en-US" sz="1600" dirty="0"/>
-              <a:t>实现失效转移功能，在某台服务器执行完毕后主动抓取未分配的分片，并且在某台服务器下线后主动寻找可用的服务器执行任务</a:t>
-            </a:r>
-            <a:endParaRPr lang="en-US" altLang="zh-CN" sz="1600" dirty="0" smtClean="0"/>
+              <a:t>Script</a:t>
+            </a:r>
+            <a:r>
+              <a:rPr lang="zh-CN" altLang="en-US" sz="1600" dirty="0"/>
+              <a:t>类型作业意为脚本类型作业，支持</a:t>
+            </a:r>
+            <a:r>
+              <a:rPr lang="en-US" altLang="zh-CN" sz="1600" dirty="0"/>
+              <a:t>shell</a:t>
+            </a:r>
+            <a:r>
+              <a:rPr lang="zh-CN" altLang="en-US" sz="1600" dirty="0"/>
+              <a:t>，</a:t>
+            </a:r>
+            <a:r>
+              <a:rPr lang="en-US" altLang="zh-CN" sz="1600" dirty="0"/>
+              <a:t>python</a:t>
+            </a:r>
+            <a:r>
+              <a:rPr lang="zh-CN" altLang="en-US" sz="1600" dirty="0"/>
+              <a:t>，</a:t>
+            </a:r>
+            <a:r>
+              <a:rPr lang="en-US" altLang="zh-CN" sz="1600" dirty="0" err="1"/>
+              <a:t>perl</a:t>
+            </a:r>
+            <a:r>
+              <a:rPr lang="zh-CN" altLang="en-US" sz="1600" dirty="0"/>
+              <a:t>等所有类型脚本。只需通过控制台或代码配置</a:t>
+            </a:r>
+            <a:r>
+              <a:rPr lang="en-US" altLang="zh-CN" sz="1600" dirty="0" err="1"/>
+              <a:t>scriptCommandLine</a:t>
+            </a:r>
+            <a:r>
+              <a:rPr lang="zh-CN" altLang="en-US" sz="1600" dirty="0"/>
+              <a:t>即可，无需编码。执行脚本路径可包含参数，参数传递完毕后，作业框架会自动追加最后一个参数为作业运行时信息。</a:t>
+            </a:r>
           </a:p>
           <a:p>
             <a:pPr indent="0">
@@ -3462,7 +4108,7 @@
     </p:spTree>
     <p:extLst>
       <p:ext uri="{BB962C8B-B14F-4D97-AF65-F5344CB8AC3E}">
-        <p14:creationId xmlns:p14="http://schemas.microsoft.com/office/powerpoint/2010/main" val="3996442009"/>
+        <p14:creationId xmlns:p14="http://schemas.microsoft.com/office/powerpoint/2010/main" val="3347455683"/>
       </p:ext>
     </p:extLst>
   </p:cSld>
@@ -3518,7 +4164,7 @@
           <a:p>
             <a:r>
               <a:rPr lang="zh-CN" altLang="en-US" dirty="0" smtClean="0"/>
-              <a:t>作业类型</a:t>
+              <a:t>分片策略</a:t>
             </a:r>
             <a:endParaRPr lang="zh-CN" altLang="en-US" dirty="0"/>
           </a:p>
@@ -3557,114 +4203,49 @@
               <a:rPr lang="zh-CN" altLang="zh-CN" sz="1600" dirty="0">
                 <a:latin typeface="+mn-ea"/>
               </a:rPr>
-              <a:t>提供了</a:t>
-            </a:r>
-            <a:r>
-              <a:rPr lang="zh-CN" altLang="zh-CN" sz="1600" b="1" dirty="0">
-                <a:latin typeface="+mn-ea"/>
-              </a:rPr>
-              <a:t>三种作业类型：</a:t>
-            </a:r>
-            <a:r>
-              <a:rPr lang="en-US" altLang="zh-CN" sz="1600" b="1" dirty="0">
-                <a:latin typeface="+mn-ea"/>
-              </a:rPr>
-              <a:t>Simple</a:t>
-            </a:r>
-            <a:r>
-              <a:rPr lang="zh-CN" altLang="zh-CN" sz="1600" b="1" dirty="0">
-                <a:latin typeface="+mn-ea"/>
-              </a:rPr>
-              <a:t>、</a:t>
-            </a:r>
-            <a:r>
-              <a:rPr lang="en-US" altLang="zh-CN" sz="1600" b="1" dirty="0" err="1">
-                <a:latin typeface="+mn-ea"/>
-              </a:rPr>
-              <a:t>DataFlow</a:t>
-            </a:r>
-            <a:r>
-              <a:rPr lang="zh-CN" altLang="zh-CN" sz="1600" b="1" dirty="0">
-                <a:latin typeface="+mn-ea"/>
-              </a:rPr>
-              <a:t>和</a:t>
-            </a:r>
-            <a:r>
-              <a:rPr lang="en-US" altLang="zh-CN" sz="1600" b="1" dirty="0" smtClean="0">
-                <a:latin typeface="+mn-ea"/>
-              </a:rPr>
-              <a:t>Script</a:t>
-            </a:r>
-            <a:endParaRPr lang="en-US" altLang="zh-CN" sz="1600" dirty="0" smtClean="0"/>
-          </a:p>
-          <a:p>
-            <a:r>
-              <a:rPr lang="en-US" altLang="zh-CN" sz="1800" b="1" dirty="0" smtClean="0"/>
-              <a:t>Simple</a:t>
-            </a:r>
-            <a:r>
-              <a:rPr lang="zh-CN" altLang="en-US" sz="1800" b="1" dirty="0" smtClean="0"/>
-              <a:t>类型</a:t>
-            </a:r>
-            <a:endParaRPr lang="en-US" altLang="zh-CN" sz="1800" b="1" dirty="0" smtClean="0"/>
-          </a:p>
-          <a:p>
-            <a:pPr indent="0">
-              <a:buNone/>
-            </a:pPr>
-            <a:r>
-              <a:rPr lang="zh-CN" altLang="en-US" sz="1600" dirty="0" smtClean="0">
-                <a:latin typeface="+mn-ea"/>
-              </a:rPr>
-              <a:t>简单</a:t>
+              <a:t>提供了三种作业分片策略，</a:t>
             </a:r>
             <a:r>
               <a:rPr lang="zh-CN" altLang="en-US" sz="1600" dirty="0">
                 <a:latin typeface="+mn-ea"/>
               </a:rPr>
-              <a:t>实现，未经任何封装的类型</a:t>
-            </a:r>
-            <a:r>
-              <a:rPr lang="zh-CN" altLang="en-US" sz="1600" dirty="0" smtClean="0">
+              <a:t>与配置通常的作业属性相同，在</a:t>
+            </a:r>
+            <a:r>
+              <a:rPr lang="en-US" altLang="zh-CN" sz="1600" dirty="0">
                 <a:latin typeface="+mn-ea"/>
               </a:rPr>
-              <a:t>。需要实现</a:t>
-            </a:r>
-            <a:r>
-              <a:rPr lang="en-US" altLang="zh-CN" sz="1600" dirty="0" err="1" smtClean="0">
-                <a:latin typeface="+mn-ea"/>
-              </a:rPr>
-              <a:t>SimpleJob</a:t>
+              <a:t>spring</a:t>
             </a:r>
             <a:r>
               <a:rPr lang="zh-CN" altLang="en-US" sz="1600" dirty="0">
                 <a:latin typeface="+mn-ea"/>
               </a:rPr>
-              <a:t>接口</a:t>
-            </a:r>
-            <a:r>
-              <a:rPr lang="zh-CN" altLang="en-US" sz="1600" dirty="0" smtClean="0">
+              <a:t>命名空间或者</a:t>
+            </a:r>
+            <a:r>
+              <a:rPr lang="en-US" altLang="zh-CN" sz="1600" dirty="0" err="1">
                 <a:latin typeface="+mn-ea"/>
               </a:rPr>
-              <a:t>，该接口只</a:t>
+              <a:t>JobConfiguration</a:t>
             </a:r>
             <a:r>
               <a:rPr lang="zh-CN" altLang="en-US" sz="1600" dirty="0">
                 <a:latin typeface="+mn-ea"/>
               </a:rPr>
-              <a:t>提供了一个方法用于覆盖，此方法将被定时执行。用于执行普通的定时任务，与</a:t>
-            </a:r>
-            <a:r>
-              <a:rPr lang="en-US" altLang="zh-CN" sz="1600" dirty="0">
+              <a:t>中配置</a:t>
+            </a:r>
+            <a:r>
+              <a:rPr lang="en-US" altLang="zh-CN" sz="1600" dirty="0" err="1">
                 <a:latin typeface="+mn-ea"/>
               </a:rPr>
-              <a:t>Quartz</a:t>
+              <a:t>jobShardingStrategyClass</a:t>
             </a:r>
             <a:r>
               <a:rPr lang="zh-CN" altLang="en-US" sz="1600" dirty="0">
                 <a:latin typeface="+mn-ea"/>
               </a:rPr>
-              <a:t>原生接口相似，只是增加了弹性扩缩容和分片等功能</a:t>
+              <a:t>属性，属性值是作业分片策略类的全路径</a:t>
             </a:r>
             <a:r>
               <a:rPr lang="zh-CN" altLang="en-US" sz="1600" dirty="0" smtClean="0">
@@ -3672,230 +4253,63 @@
               </a:rPr>
               <a:t>。</a:t>
             </a:r>
-            <a:endParaRPr lang="en-US" altLang="zh-CN" sz="1600" dirty="0" smtClean="0">
+            <a:endParaRPr lang="en-US" altLang="zh-CN" sz="1600" dirty="0">
               <a:latin typeface="+mn-ea"/>
             </a:endParaRPr>
           </a:p>
           <a:p>
             <a:r>
-              <a:rPr lang="en-US" altLang="zh-CN" sz="1800" b="1" dirty="0"/>
-              <a:t>Dataflow</a:t>
-            </a:r>
-            <a:r>
-              <a:rPr lang="zh-CN" altLang="en-US" sz="1800" b="1" dirty="0"/>
-              <a:t>类型作业</a:t>
-            </a:r>
-          </a:p>
-          <a:p>
-            <a:pPr indent="0">
-              <a:buNone/>
-            </a:pPr>
-            <a:r>
-              <a:rPr lang="en-US" altLang="zh-CN" sz="1600" dirty="0" smtClean="0"/>
-              <a:t>1.Dataflow</a:t>
-            </a:r>
-            <a:r>
-              <a:rPr lang="zh-CN" altLang="en-US" sz="1600" dirty="0"/>
-              <a:t>类型用于处理数据流，需实现</a:t>
-            </a:r>
-            <a:r>
-              <a:rPr lang="en-US" altLang="zh-CN" sz="1600" dirty="0" err="1"/>
-              <a:t>DataflowJob</a:t>
-            </a:r>
-            <a:r>
-              <a:rPr lang="zh-CN" altLang="en-US" sz="1600" dirty="0"/>
-              <a:t>接口。该接口提供</a:t>
-            </a:r>
-            <a:r>
-              <a:rPr lang="en-US" altLang="zh-CN" sz="1600" dirty="0"/>
-              <a:t>2</a:t>
-            </a:r>
-            <a:r>
-              <a:rPr lang="zh-CN" altLang="en-US" sz="1600" dirty="0"/>
-              <a:t>个方法可供覆盖，分别用于抓取</a:t>
-            </a:r>
-            <a:r>
-              <a:rPr lang="en-US" altLang="zh-CN" sz="1600" dirty="0"/>
-              <a:t>(</a:t>
-            </a:r>
-            <a:r>
-              <a:rPr lang="en-US" altLang="zh-CN" sz="1600" dirty="0" err="1"/>
-              <a:t>fetchData</a:t>
-            </a:r>
-            <a:r>
-              <a:rPr lang="en-US" altLang="zh-CN" sz="1600" dirty="0"/>
-              <a:t>)</a:t>
-            </a:r>
-            <a:r>
-              <a:rPr lang="zh-CN" altLang="en-US" sz="1600" dirty="0"/>
-              <a:t>和处理</a:t>
-            </a:r>
-            <a:r>
-              <a:rPr lang="en-US" altLang="zh-CN" sz="1600" dirty="0"/>
-              <a:t>(</a:t>
-            </a:r>
-            <a:r>
-              <a:rPr lang="en-US" altLang="zh-CN" sz="1600" dirty="0" err="1"/>
-              <a:t>processData</a:t>
-            </a:r>
-            <a:r>
-              <a:rPr lang="en-US" altLang="zh-CN" sz="1600" dirty="0"/>
-              <a:t>)</a:t>
-            </a:r>
-            <a:r>
-              <a:rPr lang="zh-CN" altLang="en-US" sz="1600" dirty="0"/>
-              <a:t>数据</a:t>
-            </a:r>
-            <a:r>
-              <a:rPr lang="zh-CN" altLang="en-US" sz="1600" dirty="0" smtClean="0"/>
-              <a:t>。</a:t>
-            </a:r>
-            <a:endParaRPr lang="en-US" altLang="zh-CN" sz="1600" dirty="0" smtClean="0"/>
-          </a:p>
-          <a:p>
-            <a:pPr indent="0">
-              <a:buNone/>
-            </a:pPr>
-            <a:r>
-              <a:rPr lang="en-US" altLang="zh-CN" sz="1600" dirty="0" smtClean="0"/>
-              <a:t>2.</a:t>
-            </a:r>
-            <a:r>
-              <a:rPr lang="zh-CN" altLang="en-US" sz="1600" dirty="0" smtClean="0"/>
-              <a:t>通过</a:t>
-            </a:r>
-            <a:r>
-              <a:rPr lang="en-US" altLang="zh-CN" sz="1600" dirty="0" err="1" smtClean="0"/>
-              <a:t>DataflowJobConfiguration:streamingProcess</a:t>
-            </a:r>
-            <a:r>
-              <a:rPr lang="zh-CN" altLang="en-US" sz="1600" dirty="0" smtClean="0"/>
-              <a:t>属性配置</a:t>
-            </a:r>
-            <a:r>
-              <a:rPr lang="zh-CN" altLang="en-US" sz="1600" dirty="0"/>
-              <a:t>是否流式处理</a:t>
-            </a:r>
-            <a:r>
-              <a:rPr lang="zh-CN" altLang="en-US" sz="1600" dirty="0" smtClean="0"/>
-              <a:t>。</a:t>
-            </a:r>
-            <a:endParaRPr lang="en-US" altLang="zh-CN" sz="1600" dirty="0" smtClean="0"/>
-          </a:p>
-          <a:p>
-            <a:pPr indent="0">
-              <a:buNone/>
-            </a:pPr>
-            <a:r>
-              <a:rPr lang="en-US" altLang="zh-CN" sz="1600" dirty="0" smtClean="0"/>
-              <a:t>3.</a:t>
-            </a:r>
-            <a:r>
-              <a:rPr lang="zh-CN" altLang="en-US" sz="1600" dirty="0" smtClean="0"/>
-              <a:t>流式</a:t>
-            </a:r>
-            <a:r>
-              <a:rPr lang="zh-CN" altLang="en-US" sz="1600" dirty="0"/>
-              <a:t>处理数据只有</a:t>
-            </a:r>
-            <a:r>
-              <a:rPr lang="en-US" altLang="zh-CN" sz="1600" dirty="0" err="1"/>
-              <a:t>fetchData</a:t>
-            </a:r>
-            <a:r>
-              <a:rPr lang="zh-CN" altLang="en-US" sz="1600" dirty="0"/>
-              <a:t>方法的返回值为</a:t>
-            </a:r>
-            <a:r>
-              <a:rPr lang="en-US" altLang="zh-CN" sz="1600" dirty="0"/>
-              <a:t>null</a:t>
-            </a:r>
-            <a:r>
-              <a:rPr lang="zh-CN" altLang="en-US" sz="1600" dirty="0"/>
-              <a:t>或集合长度为空时，作业才停止抓取，否则作业将一直运行下去； 非流式处理数据则只会在每次作业执行过程中执行一次</a:t>
-            </a:r>
-            <a:r>
-              <a:rPr lang="en-US" altLang="zh-CN" sz="1600" dirty="0" err="1"/>
-              <a:t>fetchData</a:t>
-            </a:r>
-            <a:r>
-              <a:rPr lang="zh-CN" altLang="en-US" sz="1600" dirty="0"/>
-              <a:t>方法和</a:t>
-            </a:r>
-            <a:r>
-              <a:rPr lang="en-US" altLang="zh-CN" sz="1600" dirty="0" err="1"/>
-              <a:t>processData</a:t>
-            </a:r>
-            <a:r>
-              <a:rPr lang="zh-CN" altLang="en-US" sz="1600" dirty="0"/>
-              <a:t>方法，随即完成本次作业</a:t>
-            </a:r>
-            <a:r>
-              <a:rPr lang="zh-CN" altLang="en-US" sz="1600" dirty="0" smtClean="0"/>
-              <a:t>。</a:t>
-            </a:r>
-            <a:endParaRPr lang="en-US" altLang="zh-CN" sz="1600" dirty="0" smtClean="0"/>
-          </a:p>
-          <a:p>
-            <a:r>
-              <a:rPr lang="en-US" altLang="zh-CN" sz="1800" b="1" dirty="0"/>
-              <a:t>Script</a:t>
-            </a:r>
-            <a:r>
-              <a:rPr lang="zh-CN" altLang="en-US" sz="1800" b="1" dirty="0"/>
-              <a:t>类型作业</a:t>
-            </a:r>
-          </a:p>
-          <a:p>
-            <a:pPr indent="0">
-              <a:buNone/>
-            </a:pPr>
-            <a:r>
-              <a:rPr lang="en-US" altLang="zh-CN" sz="1600" dirty="0"/>
-              <a:t>Script</a:t>
-            </a:r>
-            <a:r>
-              <a:rPr lang="zh-CN" altLang="en-US" sz="1600" dirty="0"/>
-              <a:t>类型作业意为脚本类型作业，支持</a:t>
-            </a:r>
-            <a:r>
-              <a:rPr lang="en-US" altLang="zh-CN" sz="1600" dirty="0"/>
-              <a:t>shell</a:t>
-            </a:r>
-            <a:r>
-              <a:rPr lang="zh-CN" altLang="en-US" sz="1600" dirty="0"/>
-              <a:t>，</a:t>
-            </a:r>
-            <a:r>
-              <a:rPr lang="en-US" altLang="zh-CN" sz="1600" dirty="0"/>
-              <a:t>python</a:t>
-            </a:r>
-            <a:r>
-              <a:rPr lang="zh-CN" altLang="en-US" sz="1600" dirty="0"/>
-              <a:t>，</a:t>
-            </a:r>
-            <a:r>
-              <a:rPr lang="en-US" altLang="zh-CN" sz="1600" dirty="0" err="1"/>
-              <a:t>perl</a:t>
-            </a:r>
-            <a:r>
-              <a:rPr lang="zh-CN" altLang="en-US" sz="1600" dirty="0"/>
-              <a:t>等所有类型脚本。只需通过控制台或代码配置</a:t>
-            </a:r>
-            <a:r>
-              <a:rPr lang="en-US" altLang="zh-CN" sz="1600" dirty="0" err="1"/>
-              <a:t>scriptCommandLine</a:t>
-            </a:r>
-            <a:r>
-              <a:rPr lang="zh-CN" altLang="en-US" sz="1600" dirty="0"/>
-              <a:t>即可，无需编码。执行脚本路径可包含参数，参数传递完毕后，作业框架会自动追加最后一个参数为作业运行时信息。</a:t>
-            </a:r>
-          </a:p>
-          <a:p>
-            <a:pPr indent="0">
-              <a:buNone/>
-            </a:pPr>
-            <a:endParaRPr lang="zh-CN" altLang="en-US" sz="1600" dirty="0"/>
+              <a:rPr lang="zh-CN" altLang="en-US" sz="1800" dirty="0"/>
+              <a:t>基于平均分配算法的分片</a:t>
+            </a:r>
+            <a:r>
+              <a:rPr lang="zh-CN" altLang="en-US" sz="1800" dirty="0" smtClean="0"/>
+              <a:t>策略</a:t>
+            </a:r>
+            <a:endParaRPr lang="en-US" altLang="zh-CN" sz="1800" dirty="0" smtClean="0"/>
+          </a:p>
+          <a:p>
+            <a:r>
+              <a:rPr lang="zh-CN" altLang="en-US" sz="1800" dirty="0"/>
+              <a:t>根据作业名的哈希值奇偶数决定</a:t>
+            </a:r>
+            <a:r>
+              <a:rPr lang="en-US" altLang="zh-CN" sz="1800" dirty="0"/>
+              <a:t>IP</a:t>
+            </a:r>
+            <a:r>
+              <a:rPr lang="zh-CN" altLang="en-US" sz="1800" dirty="0"/>
+              <a:t>升降序算法的分片策略</a:t>
+            </a:r>
+            <a:endParaRPr lang="en-US" altLang="zh-CN" sz="1800" dirty="0"/>
+          </a:p>
+          <a:p>
+            <a:r>
+              <a:rPr lang="zh-CN" altLang="en-US" sz="1800" dirty="0" smtClean="0"/>
+              <a:t>作业名哈希值对服务器列表进行轮转分片策略</a:t>
+            </a:r>
+            <a:endParaRPr lang="en-US" altLang="zh-CN" sz="1800" dirty="0" smtClean="0"/>
+          </a:p>
+          <a:p>
+            <a:r>
+              <a:rPr lang="zh-CN" altLang="en-US" sz="1800" dirty="0" smtClean="0"/>
+              <a:t>自定义</a:t>
+            </a:r>
+            <a:r>
+              <a:rPr lang="zh-CN" altLang="en-US" sz="1800" dirty="0"/>
+              <a:t>分片</a:t>
+            </a:r>
+            <a:r>
+              <a:rPr lang="zh-CN" altLang="en-US" sz="1800" dirty="0" smtClean="0"/>
+              <a:t>策略</a:t>
+            </a:r>
+            <a:endParaRPr lang="en-US" altLang="zh-CN" sz="1800" dirty="0" smtClean="0"/>
+          </a:p>
+          <a:p>
+            <a:pPr indent="0">
+              <a:buNone/>
+            </a:pPr>
+            <a:endParaRPr lang="zh-CN" altLang="en-US" sz="1800" dirty="0"/>
           </a:p>
           <a:p>
             <a:pPr indent="0">
@@ -3916,7 +4330,7 @@
     </p:spTree>
     <p:extLst>
       <p:ext uri="{BB962C8B-B14F-4D97-AF65-F5344CB8AC3E}">
-        <p14:creationId xmlns:p14="http://schemas.microsoft.com/office/powerpoint/2010/main" val="3347455683"/>
+        <p14:creationId xmlns:p14="http://schemas.microsoft.com/office/powerpoint/2010/main" val="623623755"/>
       </p:ext>
     </p:extLst>
   </p:cSld>
@@ -4002,122 +4416,180 @@
               <a:buNone/>
             </a:pPr>
             <a:r>
-              <a:rPr lang="en-US" altLang="zh-CN" sz="1600" dirty="0">
-                <a:latin typeface="+mn-ea"/>
-              </a:rPr>
-              <a:t>Elastic-job</a:t>
-            </a:r>
-            <a:r>
-              <a:rPr lang="zh-CN" altLang="zh-CN" sz="1600" dirty="0">
-                <a:latin typeface="+mn-ea"/>
-              </a:rPr>
-              <a:t>提供了三种作业分片策略，</a:t>
-            </a:r>
-            <a:r>
-              <a:rPr lang="zh-CN" altLang="en-US" sz="1600" dirty="0">
-                <a:latin typeface="+mn-ea"/>
-              </a:rPr>
-              <a:t>与配置通常的作业属性相同，在</a:t>
-            </a:r>
-            <a:r>
-              <a:rPr lang="en-US" altLang="zh-CN" sz="1600" dirty="0">
-                <a:latin typeface="+mn-ea"/>
-              </a:rPr>
-              <a:t>spring</a:t>
-            </a:r>
-            <a:r>
-              <a:rPr lang="zh-CN" altLang="en-US" sz="1600" dirty="0">
-                <a:latin typeface="+mn-ea"/>
-              </a:rPr>
-              <a:t>命名空间或者</a:t>
-            </a:r>
-            <a:r>
-              <a:rPr lang="en-US" altLang="zh-CN" sz="1600" dirty="0" err="1">
-                <a:latin typeface="+mn-ea"/>
-              </a:rPr>
-              <a:t>JobConfiguration</a:t>
-            </a:r>
-            <a:r>
-              <a:rPr lang="zh-CN" altLang="en-US" sz="1600" dirty="0">
-                <a:latin typeface="+mn-ea"/>
-              </a:rPr>
-              <a:t>中配置</a:t>
-            </a:r>
-            <a:r>
-              <a:rPr lang="en-US" altLang="zh-CN" sz="1600" dirty="0" err="1">
-                <a:latin typeface="+mn-ea"/>
-              </a:rPr>
-              <a:t>jobShardingStrategyClass</a:t>
-            </a:r>
-            <a:r>
-              <a:rPr lang="zh-CN" altLang="en-US" sz="1600" dirty="0">
-                <a:latin typeface="+mn-ea"/>
-              </a:rPr>
-              <a:t>属性，属性值是作业分片策略类的全路径</a:t>
-            </a:r>
-            <a:r>
-              <a:rPr lang="zh-CN" altLang="en-US" sz="1600" dirty="0" smtClean="0">
-                <a:latin typeface="+mn-ea"/>
-              </a:rPr>
+              <a:rPr lang="zh-CN" altLang="en-US" sz="2000" b="1" dirty="0"/>
+              <a:t>基于平均分配算法的分片策略</a:t>
+            </a:r>
+            <a:endParaRPr lang="en-US" altLang="zh-CN" sz="2000" b="1" dirty="0" smtClean="0"/>
+          </a:p>
+          <a:p>
+            <a:r>
+              <a:rPr lang="zh-CN" altLang="en-US" sz="1600" b="1" dirty="0" smtClean="0"/>
+              <a:t>类</a:t>
+            </a:r>
+            <a:endParaRPr lang="en-US" altLang="zh-CN" sz="1600" b="1" dirty="0" smtClean="0"/>
+          </a:p>
+          <a:p>
+            <a:pPr indent="0">
+              <a:buNone/>
+            </a:pPr>
+            <a:r>
+              <a:rPr lang="en-US" altLang="zh-CN" sz="1600" dirty="0" err="1"/>
+              <a:t>AverageAllocationJobShardingStrategy</a:t>
+            </a:r>
+            <a:endParaRPr lang="en-US" altLang="zh-CN" sz="1600" dirty="0"/>
+          </a:p>
+          <a:p>
+            <a:r>
+              <a:rPr lang="zh-CN" altLang="en-US" sz="1600" b="1" dirty="0" smtClean="0"/>
+              <a:t>策略说明</a:t>
+            </a:r>
+            <a:endParaRPr lang="zh-CN" altLang="en-US" sz="1600" dirty="0"/>
+          </a:p>
+          <a:p>
+            <a:pPr indent="0">
+              <a:buNone/>
+            </a:pPr>
+            <a:r>
+              <a:rPr lang="zh-CN" altLang="en-US" sz="1600" dirty="0"/>
+              <a:t>基于平均分配算法的分片策略，也是默认的分片策略。</a:t>
+            </a:r>
+          </a:p>
+          <a:p>
+            <a:pPr indent="0">
+              <a:buNone/>
+            </a:pPr>
+            <a:r>
+              <a:rPr lang="zh-CN" altLang="en-US" sz="1600" dirty="0"/>
+              <a:t>如果分片不能整除，则不能整除的多余分片将依次追加到序号小的服务器。如：</a:t>
+            </a:r>
+          </a:p>
+          <a:p>
+            <a:pPr indent="0">
+              <a:buNone/>
+            </a:pPr>
+            <a:r>
+              <a:rPr lang="zh-CN" altLang="en-US" sz="1600" dirty="0"/>
+              <a:t>如果有</a:t>
+            </a:r>
+            <a:r>
+              <a:rPr lang="en-US" altLang="zh-CN" sz="1600" dirty="0"/>
+              <a:t>3</a:t>
+            </a:r>
+            <a:r>
+              <a:rPr lang="zh-CN" altLang="en-US" sz="1600" dirty="0"/>
+              <a:t>台服务器，分成</a:t>
+            </a:r>
+            <a:r>
+              <a:rPr lang="en-US" altLang="zh-CN" sz="1600" dirty="0"/>
+              <a:t>9</a:t>
+            </a:r>
+            <a:r>
+              <a:rPr lang="zh-CN" altLang="en-US" sz="1600" dirty="0"/>
+              <a:t>片，则每台服务器分到的分片是：</a:t>
+            </a:r>
+            <a:r>
+              <a:rPr lang="en-US" altLang="zh-CN" sz="1600" dirty="0"/>
+              <a:t>1=[0,1,2], 2=[3,4,5], 3=[6,7,8]</a:t>
+            </a:r>
+          </a:p>
+          <a:p>
+            <a:pPr indent="0">
+              <a:buNone/>
+            </a:pPr>
+            <a:r>
+              <a:rPr lang="zh-CN" altLang="en-US" sz="1600" dirty="0"/>
+              <a:t>如果有</a:t>
+            </a:r>
+            <a:r>
+              <a:rPr lang="en-US" altLang="zh-CN" sz="1600" dirty="0"/>
+              <a:t>3</a:t>
+            </a:r>
+            <a:r>
+              <a:rPr lang="zh-CN" altLang="en-US" sz="1600" dirty="0"/>
+              <a:t>台服务器，分成</a:t>
+            </a:r>
+            <a:r>
+              <a:rPr lang="en-US" altLang="zh-CN" sz="1600" dirty="0"/>
+              <a:t>8</a:t>
+            </a:r>
+            <a:r>
+              <a:rPr lang="zh-CN" altLang="en-US" sz="1600" dirty="0"/>
+              <a:t>片，则每台服务器分到的分片是：</a:t>
+            </a:r>
+            <a:r>
+              <a:rPr lang="en-US" altLang="zh-CN" sz="1600" dirty="0"/>
+              <a:t>1=[0,1,6], 2=[2,3,7], 3=[4,5]</a:t>
+            </a:r>
+          </a:p>
+          <a:p>
+            <a:pPr indent="0">
+              <a:buNone/>
+            </a:pPr>
+            <a:r>
+              <a:rPr lang="zh-CN" altLang="en-US" sz="1600" dirty="0"/>
+              <a:t>如果有</a:t>
+            </a:r>
+            <a:r>
+              <a:rPr lang="en-US" altLang="zh-CN" sz="1600" dirty="0"/>
+              <a:t>3</a:t>
+            </a:r>
+            <a:r>
+              <a:rPr lang="zh-CN" altLang="en-US" sz="1600" dirty="0"/>
+              <a:t>台服务器，分成</a:t>
+            </a:r>
+            <a:r>
+              <a:rPr lang="en-US" altLang="zh-CN" sz="1600" dirty="0"/>
+              <a:t>10</a:t>
+            </a:r>
+            <a:r>
+              <a:rPr lang="zh-CN" altLang="en-US" sz="1600" dirty="0"/>
+              <a:t>片，则每台服务器分到的分片是：</a:t>
+            </a:r>
+            <a:r>
+              <a:rPr lang="en-US" altLang="zh-CN" sz="1600" dirty="0"/>
+              <a:t>1=[0,1,2,9], 2=[3,4,5], 3=[6,7,8</a:t>
+            </a:r>
+            <a:r>
+              <a:rPr lang="en-US" altLang="zh-CN" sz="1600" dirty="0" smtClean="0"/>
+              <a:t>]</a:t>
+            </a:r>
+          </a:p>
+          <a:p>
+            <a:r>
+              <a:rPr lang="zh-CN" altLang="en-US" sz="1600" b="1" dirty="0"/>
+              <a:t>缺点</a:t>
+            </a:r>
+            <a:endParaRPr lang="en-US" altLang="zh-CN" sz="1600" b="1" dirty="0"/>
+          </a:p>
+          <a:p>
+            <a:pPr indent="0">
+              <a:buNone/>
+            </a:pPr>
+            <a:r>
+              <a:rPr lang="zh-CN" altLang="en-US" sz="1600" dirty="0"/>
+              <a:t>一旦分片数小于作业服务器数，作业将永远分配至</a:t>
+            </a:r>
+            <a:r>
+              <a:rPr lang="en-US" altLang="zh-CN" sz="1600" dirty="0"/>
+              <a:t>IP</a:t>
+            </a:r>
+            <a:r>
+              <a:rPr lang="zh-CN" altLang="en-US" sz="1600" dirty="0"/>
+              <a:t>地址靠前的服务器，导致</a:t>
+            </a:r>
+            <a:r>
+              <a:rPr lang="en-US" altLang="zh-CN" sz="1600" dirty="0"/>
+              <a:t>IP</a:t>
+            </a:r>
+            <a:r>
+              <a:rPr lang="zh-CN" altLang="en-US" sz="1600" dirty="0"/>
+              <a:t>地址靠后的服务器空闲</a:t>
+            </a:r>
+            <a:r>
+              <a:rPr lang="zh-CN" altLang="en-US" sz="1600" dirty="0" smtClean="0"/>
               <a:t>。</a:t>
             </a:r>
-            <a:endParaRPr lang="en-US" altLang="zh-CN" sz="1600" dirty="0">
-              <a:latin typeface="+mn-ea"/>
-            </a:endParaRPr>
-          </a:p>
-          <a:p>
-            <a:r>
-              <a:rPr lang="zh-CN" altLang="en-US" sz="1800" dirty="0"/>
-              <a:t>基于平均分配算法的分片</a:t>
-            </a:r>
-            <a:r>
-              <a:rPr lang="zh-CN" altLang="en-US" sz="1800" dirty="0" smtClean="0"/>
-              <a:t>策略</a:t>
-            </a:r>
-            <a:endParaRPr lang="en-US" altLang="zh-CN" sz="1800" dirty="0" smtClean="0"/>
-          </a:p>
-          <a:p>
-            <a:r>
-              <a:rPr lang="zh-CN" altLang="en-US" sz="1800" dirty="0"/>
-              <a:t>根据作业名的哈希值奇偶数决定</a:t>
-            </a:r>
-            <a:r>
-              <a:rPr lang="en-US" altLang="zh-CN" sz="1800" dirty="0"/>
-              <a:t>IP</a:t>
-            </a:r>
-            <a:r>
-              <a:rPr lang="zh-CN" altLang="en-US" sz="1800" dirty="0"/>
-              <a:t>升降序算法的分片策略</a:t>
-            </a:r>
-            <a:endParaRPr lang="en-US" altLang="zh-CN" sz="1800" dirty="0"/>
-          </a:p>
-          <a:p>
-            <a:r>
-              <a:rPr lang="zh-CN" altLang="en-US" sz="1800" dirty="0" smtClean="0"/>
-              <a:t>作业名哈希值对服务器列表进行轮转分片策略</a:t>
-            </a:r>
-            <a:endParaRPr lang="en-US" altLang="zh-CN" sz="1800" dirty="0" smtClean="0"/>
-          </a:p>
-          <a:p>
-            <a:r>
-              <a:rPr lang="zh-CN" altLang="en-US" sz="1800" dirty="0" smtClean="0"/>
-              <a:t>自定义</a:t>
-            </a:r>
-            <a:r>
-              <a:rPr lang="zh-CN" altLang="en-US" sz="1800" dirty="0"/>
-              <a:t>分片</a:t>
-            </a:r>
-            <a:r>
-              <a:rPr lang="zh-CN" altLang="en-US" sz="1800" dirty="0" smtClean="0"/>
-              <a:t>策略</a:t>
-            </a:r>
-            <a:endParaRPr lang="en-US" altLang="zh-CN" sz="1800" dirty="0" smtClean="0"/>
-          </a:p>
-          <a:p>
-            <a:pPr indent="0">
-              <a:buNone/>
-            </a:pPr>
-            <a:endParaRPr lang="zh-CN" altLang="en-US" sz="1800" dirty="0"/>
+            <a:endParaRPr lang="en-US" altLang="zh-CN" sz="1600" dirty="0"/>
           </a:p>
           <a:p>
             <a:pPr indent="0">
@@ -4138,7 +4610,7 @@
     </p:spTree>
     <p:extLst>
       <p:ext uri="{BB962C8B-B14F-4D97-AF65-F5344CB8AC3E}">
-        <p14:creationId xmlns:p14="http://schemas.microsoft.com/office/powerpoint/2010/main" val="623623755"/>
+        <p14:creationId xmlns:p14="http://schemas.microsoft.com/office/powerpoint/2010/main" val="215242107"/>
       </p:ext>
     </p:extLst>
   </p:cSld>
@@ -4225,7 +4697,15 @@
             </a:pPr>
             <a:r>
               <a:rPr lang="zh-CN" altLang="en-US" sz="2000" b="1" dirty="0"/>
-              <a:t>基于平均分配算法的分片策略</a:t>
+              <a:t>作业名哈希值奇偶数决定</a:t>
+            </a:r>
+            <a:r>
+              <a:rPr lang="en-US" altLang="zh-CN" sz="2000" b="1" dirty="0"/>
+              <a:t>IP</a:t>
+            </a:r>
+            <a:r>
+              <a:rPr lang="zh-CN" altLang="en-US" sz="2000" b="1" dirty="0"/>
+              <a:t>升降序算法的分片策略</a:t>
             </a:r>
             <a:endParaRPr lang="en-US" altLang="zh-CN" sz="2000" b="1" dirty="0" smtClean="0"/>
           </a:p>
@@ -4242,7 +4722,7 @@
             </a:pPr>
             <a:r>
               <a:rPr lang="en-US" altLang="zh-CN" sz="1600" dirty="0" err="1"/>
-              <a:t>AverageAllocationJobShardingStrategy</a:t>
+              <a:t>OdevitySortByNameJobShardingStrategy</a:t>
             </a:r>
             <a:endParaRPr lang="en-US" altLang="zh-CN" sz="1600" dirty="0"/>
           </a:p>
@@ -4251,24 +4731,68 @@
               <a:rPr lang="zh-CN" altLang="en-US" sz="1600" b="1" dirty="0" smtClean="0"/>
               <a:t>策略说明</a:t>
             </a:r>
-            <a:endParaRPr lang="zh-CN" altLang="en-US" sz="1600" dirty="0"/>
-          </a:p>
-          <a:p>
-            <a:pPr indent="0">
-              <a:buNone/>
-            </a:pPr>
-            <a:r>
-              <a:rPr lang="zh-CN" altLang="en-US" sz="1600" dirty="0"/>
-              <a:t>基于平均分配算法的分片策略，也是默认的分片策略。</a:t>
-            </a:r>
-          </a:p>
-          <a:p>
-            <a:pPr indent="0">
-              <a:buNone/>
-            </a:pPr>
-            <a:r>
-              <a:rPr lang="zh-CN" altLang="en-US" sz="1600" dirty="0"/>
-              <a:t>如果分片不能整除，则不能整除的多余分片将依次追加到序号小的服务器。如：</a:t>
+            <a:endParaRPr lang="zh-CN" altLang="en-US" sz="1600" dirty="0" smtClean="0"/>
+          </a:p>
+          <a:p>
+            <a:pPr indent="0">
+              <a:buNone/>
+            </a:pPr>
+            <a:r>
+              <a:rPr lang="zh-CN" altLang="en-US" sz="1600" dirty="0"/>
+              <a:t>根据作业名的哈希值奇偶数决定</a:t>
+            </a:r>
+            <a:r>
+              <a:rPr lang="en-US" altLang="zh-CN" sz="1600" dirty="0"/>
+              <a:t>IP</a:t>
+            </a:r>
+            <a:r>
+              <a:rPr lang="zh-CN" altLang="en-US" sz="1600" dirty="0"/>
+              <a:t>升序</a:t>
+            </a:r>
+            <a:r>
+              <a:rPr lang="en-US" altLang="zh-CN" sz="1600" dirty="0"/>
+              <a:t>(</a:t>
+            </a:r>
+            <a:r>
+              <a:rPr lang="zh-CN" altLang="en-US" sz="1600" dirty="0"/>
+              <a:t>奇数</a:t>
+            </a:r>
+            <a:r>
+              <a:rPr lang="en-US" altLang="zh-CN" sz="1600" dirty="0"/>
+              <a:t>)/</a:t>
+            </a:r>
+            <a:r>
+              <a:rPr lang="zh-CN" altLang="en-US" sz="1600" dirty="0"/>
+              <a:t>降序</a:t>
+            </a:r>
+            <a:r>
+              <a:rPr lang="en-US" altLang="zh-CN" sz="1600" dirty="0"/>
+              <a:t>(</a:t>
+            </a:r>
+            <a:r>
+              <a:rPr lang="zh-CN" altLang="en-US" sz="1600" dirty="0"/>
+              <a:t>偶数</a:t>
+            </a:r>
+            <a:r>
+              <a:rPr lang="en-US" altLang="zh-CN" sz="1600" dirty="0"/>
+              <a:t>)</a:t>
+            </a:r>
+            <a:r>
+              <a:rPr lang="zh-CN" altLang="en-US" sz="1600" dirty="0"/>
+              <a:t>算法的分片策略。</a:t>
+            </a:r>
+          </a:p>
+          <a:p>
+            <a:pPr indent="0">
+              <a:buNone/>
+            </a:pPr>
+            <a:r>
+              <a:rPr lang="zh-CN" altLang="en-US" sz="1600" dirty="0"/>
+              <a:t>用于不同的作业平均分配负载至不同的服务器。如</a:t>
+            </a:r>
+            <a:r>
+              <a:rPr lang="en-US" altLang="zh-CN" sz="1600" dirty="0"/>
+              <a:t>:</a:t>
             </a:r>
           </a:p>
           <a:p>
@@ -4289,15 +4813,15 @@
             </a:r>
             <a:r>
               <a:rPr lang="en-US" altLang="zh-CN" sz="1600" dirty="0"/>
-              <a:t>9</a:t>
-            </a:r>
-            <a:r>
-              <a:rPr lang="zh-CN" altLang="en-US" sz="1600" dirty="0"/>
-              <a:t>片，则每台服务器分到的分片是：</a:t>
+              <a:t>2</a:t>
+            </a:r>
+            <a:r>
+              <a:rPr lang="zh-CN" altLang="en-US" sz="1600" dirty="0"/>
+              <a:t>片，作业名称的哈希值为奇数，则每台服务器分到的分片是：</a:t>
             </a:r>
             <a:r>
               <a:rPr lang="en-US" altLang="zh-CN" sz="1600" dirty="0"/>
-              <a:t>1=[0,1,2], 2=[3,4,5], 3=[6,7,8]</a:t>
+              <a:t>1=[0], 2=[1], 3=[]</a:t>
             </a:r>
           </a:p>
           <a:p>
@@ -4318,84 +4842,19 @@
             </a:r>
             <a:r>
               <a:rPr lang="en-US" altLang="zh-CN" sz="1600" dirty="0"/>
-              <a:t>8</a:t>
-            </a:r>
-            <a:r>
-              <a:rPr lang="zh-CN" altLang="en-US" sz="1600" dirty="0"/>
-              <a:t>片，则每台服务器分到的分片是：</a:t>
+              <a:t>2</a:t>
+            </a:r>
+            <a:r>
+              <a:rPr lang="zh-CN" altLang="en-US" sz="1600" dirty="0"/>
+              <a:t>片，作业名称的哈希值为偶数，则每台服务器分到的分片是：</a:t>
             </a:r>
             <a:r>
               <a:rPr lang="en-US" altLang="zh-CN" sz="1600" dirty="0"/>
-              <a:t>1=[0,1,6], 2=[2,3,7], 3=[4,5]</a:t>
-            </a:r>
-          </a:p>
-          <a:p>
-            <a:pPr indent="0">
-              <a:buNone/>
-            </a:pPr>
-            <a:r>
-              <a:rPr lang="zh-CN" altLang="en-US" sz="1600" dirty="0"/>
-              <a:t>如果有</a:t>
-            </a:r>
-            <a:r>
-              <a:rPr lang="en-US" altLang="zh-CN" sz="1600" dirty="0"/>
-              <a:t>3</a:t>
-            </a:r>
-            <a:r>
-              <a:rPr lang="zh-CN" altLang="en-US" sz="1600" dirty="0"/>
-              <a:t>台服务器，分成</a:t>
-            </a:r>
-            <a:r>
-              <a:rPr lang="en-US" altLang="zh-CN" sz="1600" dirty="0"/>
-              <a:t>10</a:t>
-            </a:r>
-            <a:r>
-              <a:rPr lang="zh-CN" altLang="en-US" sz="1600" dirty="0"/>
-              <a:t>片，则每台服务器分到的分片是：</a:t>
-            </a:r>
-            <a:r>
-              <a:rPr lang="en-US" altLang="zh-CN" sz="1600" dirty="0"/>
-              <a:t>1=[0,1,2,9], 2=[3,4,5], 3=[6,7,8</a:t>
+              <a:t>3=[0], 2=[1], 1</a:t>
             </a:r>
             <a:r>
               <a:rPr lang="en-US" altLang="zh-CN" sz="1600" dirty="0" smtClean="0"/>
-              <a:t>]</a:t>
-            </a:r>
-          </a:p>
-          <a:p>
-            <a:r>
-              <a:rPr lang="zh-CN" altLang="en-US" sz="1600" b="1" dirty="0"/>
-              <a:t>缺点</a:t>
-            </a:r>
-            <a:endParaRPr lang="en-US" altLang="zh-CN" sz="1600" b="1" dirty="0"/>
-          </a:p>
-          <a:p>
-            <a:pPr indent="0">
-              <a:buNone/>
-            </a:pPr>
-            <a:r>
-              <a:rPr lang="zh-CN" altLang="en-US" sz="1600" dirty="0"/>
-              <a:t>一旦分片数小于作业服务器数，作业将永远分配至</a:t>
-            </a:r>
-            <a:r>
-              <a:rPr lang="en-US" altLang="zh-CN" sz="1600" dirty="0"/>
-              <a:t>IP</a:t>
-            </a:r>
-            <a:r>
-              <a:rPr lang="zh-CN" altLang="en-US" sz="1600" dirty="0"/>
-              <a:t>地址靠前的服务器，导致</a:t>
-            </a:r>
-            <a:r>
-              <a:rPr lang="en-US" altLang="zh-CN" sz="1600" dirty="0"/>
-              <a:t>IP</a:t>
-            </a:r>
-            <a:r>
-              <a:rPr lang="zh-CN" altLang="en-US" sz="1600" dirty="0"/>
-              <a:t>地址靠后的服务器空闲</a:t>
-            </a:r>
-            <a:r>
-              <a:rPr lang="zh-CN" altLang="en-US" sz="1600" dirty="0" smtClean="0"/>
-              <a:t>。</a:t>
+              <a:t>=[]</a:t>
             </a:r>
             <a:endParaRPr lang="en-US" altLang="zh-CN" sz="1600" dirty="0"/>
           </a:p>
@@ -4418,7 +4877,7 @@
     </p:spTree>
     <p:extLst>
       <p:ext uri="{BB962C8B-B14F-4D97-AF65-F5344CB8AC3E}">
-        <p14:creationId xmlns:p14="http://schemas.microsoft.com/office/powerpoint/2010/main" val="215242107"/>
+        <p14:creationId xmlns:p14="http://schemas.microsoft.com/office/powerpoint/2010/main" val="4160760332"/>
       </p:ext>
     </p:extLst>
   </p:cSld>
@@ -4476,273 +4935,6 @@
               <a:rPr lang="zh-CN" altLang="en-US" dirty="0" smtClean="0"/>
               <a:t>分片策略</a:t>
             </a:r>
-            <a:endParaRPr lang="zh-CN" altLang="en-US" dirty="0"/>
-          </a:p>
-        </p:txBody>
-      </p:sp>
-      <p:sp>
-        <p:nvSpPr>
-          <p:cNvPr id="3" name="内容占位符 2"/>
-          <p:cNvSpPr>
-            <a:spLocks noGrp="1"/>
-          </p:cNvSpPr>
-          <p:nvPr>
-            <p:ph idx="1"/>
-          </p:nvPr>
-        </p:nvSpPr>
-        <p:spPr>
-          <a:xfrm>
-            <a:off x="315530" y="1157468"/>
-            <a:ext cx="8503775" cy="4815069"/>
-          </a:xfrm>
-        </p:spPr>
-        <p:txBody>
-          <a:bodyPr/>
-          <a:lstStyle/>
-          <a:p>
-            <a:pPr indent="0">
-              <a:buNone/>
-            </a:pPr>
-            <a:r>
-              <a:rPr lang="zh-CN" altLang="en-US" sz="2000" b="1" dirty="0"/>
-              <a:t>作业名哈希值奇偶数决定</a:t>
-            </a:r>
-            <a:r>
-              <a:rPr lang="en-US" altLang="zh-CN" sz="2000" b="1" dirty="0"/>
-              <a:t>IP</a:t>
-            </a:r>
-            <a:r>
-              <a:rPr lang="zh-CN" altLang="en-US" sz="2000" b="1" dirty="0"/>
-              <a:t>升降序算法的分片策略</a:t>
-            </a:r>
-            <a:endParaRPr lang="en-US" altLang="zh-CN" sz="2000" b="1" dirty="0" smtClean="0"/>
-          </a:p>
-          <a:p>
-            <a:r>
-              <a:rPr lang="zh-CN" altLang="en-US" sz="1600" b="1" dirty="0" smtClean="0"/>
-              <a:t>类</a:t>
-            </a:r>
-            <a:endParaRPr lang="en-US" altLang="zh-CN" sz="1600" b="1" dirty="0" smtClean="0"/>
-          </a:p>
-          <a:p>
-            <a:pPr indent="0">
-              <a:buNone/>
-            </a:pPr>
-            <a:r>
-              <a:rPr lang="en-US" altLang="zh-CN" sz="1600" dirty="0" err="1"/>
-              <a:t>OdevitySortByNameJobShardingStrategy</a:t>
-            </a:r>
-            <a:endParaRPr lang="en-US" altLang="zh-CN" sz="1600" dirty="0"/>
-          </a:p>
-          <a:p>
-            <a:r>
-              <a:rPr lang="zh-CN" altLang="en-US" sz="1600" b="1" dirty="0" smtClean="0"/>
-              <a:t>策略说明</a:t>
-            </a:r>
-            <a:endParaRPr lang="zh-CN" altLang="en-US" sz="1600" dirty="0" smtClean="0"/>
-          </a:p>
-          <a:p>
-            <a:pPr indent="0">
-              <a:buNone/>
-            </a:pPr>
-            <a:r>
-              <a:rPr lang="zh-CN" altLang="en-US" sz="1600" dirty="0"/>
-              <a:t>根据作业名的哈希值奇偶数决定</a:t>
-            </a:r>
-            <a:r>
-              <a:rPr lang="en-US" altLang="zh-CN" sz="1600" dirty="0"/>
-              <a:t>IP</a:t>
-            </a:r>
-            <a:r>
-              <a:rPr lang="zh-CN" altLang="en-US" sz="1600" dirty="0"/>
-              <a:t>升序</a:t>
-            </a:r>
-            <a:r>
-              <a:rPr lang="en-US" altLang="zh-CN" sz="1600" dirty="0"/>
-              <a:t>(</a:t>
-            </a:r>
-            <a:r>
-              <a:rPr lang="zh-CN" altLang="en-US" sz="1600" dirty="0"/>
-              <a:t>奇数</a:t>
-            </a:r>
-            <a:r>
-              <a:rPr lang="en-US" altLang="zh-CN" sz="1600" dirty="0"/>
-              <a:t>)/</a:t>
-            </a:r>
-            <a:r>
-              <a:rPr lang="zh-CN" altLang="en-US" sz="1600" dirty="0"/>
-              <a:t>降序</a:t>
-            </a:r>
-            <a:r>
-              <a:rPr lang="en-US" altLang="zh-CN" sz="1600" dirty="0"/>
-              <a:t>(</a:t>
-            </a:r>
-            <a:r>
-              <a:rPr lang="zh-CN" altLang="en-US" sz="1600" dirty="0"/>
-              <a:t>偶数</a:t>
-            </a:r>
-            <a:r>
-              <a:rPr lang="en-US" altLang="zh-CN" sz="1600" dirty="0"/>
-              <a:t>)</a:t>
-            </a:r>
-            <a:r>
-              <a:rPr lang="zh-CN" altLang="en-US" sz="1600" dirty="0"/>
-              <a:t>算法的分片策略。</a:t>
-            </a:r>
-          </a:p>
-          <a:p>
-            <a:pPr indent="0">
-              <a:buNone/>
-            </a:pPr>
-            <a:r>
-              <a:rPr lang="zh-CN" altLang="en-US" sz="1600" dirty="0"/>
-              <a:t>用于不同的作业平均分配负载至不同的服务器。如</a:t>
-            </a:r>
-            <a:r>
-              <a:rPr lang="en-US" altLang="zh-CN" sz="1600" dirty="0"/>
-              <a:t>:</a:t>
-            </a:r>
-          </a:p>
-          <a:p>
-            <a:pPr indent="0">
-              <a:buNone/>
-            </a:pPr>
-            <a:r>
-              <a:rPr lang="zh-CN" altLang="en-US" sz="1600" dirty="0"/>
-              <a:t>如果有</a:t>
-            </a:r>
-            <a:r>
-              <a:rPr lang="en-US" altLang="zh-CN" sz="1600" dirty="0"/>
-              <a:t>3</a:t>
-            </a:r>
-            <a:r>
-              <a:rPr lang="zh-CN" altLang="en-US" sz="1600" dirty="0"/>
-              <a:t>台服务器，分成</a:t>
-            </a:r>
-            <a:r>
-              <a:rPr lang="en-US" altLang="zh-CN" sz="1600" dirty="0"/>
-              <a:t>2</a:t>
-            </a:r>
-            <a:r>
-              <a:rPr lang="zh-CN" altLang="en-US" sz="1600" dirty="0"/>
-              <a:t>片，作业名称的哈希值为奇数，则每台服务器分到的分片是：</a:t>
-            </a:r>
-            <a:r>
-              <a:rPr lang="en-US" altLang="zh-CN" sz="1600" dirty="0"/>
-              <a:t>1=[0], 2=[1], 3=[]</a:t>
-            </a:r>
-          </a:p>
-          <a:p>
-            <a:pPr indent="0">
-              <a:buNone/>
-            </a:pPr>
-            <a:r>
-              <a:rPr lang="zh-CN" altLang="en-US" sz="1600" dirty="0"/>
-              <a:t>如果有</a:t>
-            </a:r>
-            <a:r>
-              <a:rPr lang="en-US" altLang="zh-CN" sz="1600" dirty="0"/>
-              <a:t>3</a:t>
-            </a:r>
-            <a:r>
-              <a:rPr lang="zh-CN" altLang="en-US" sz="1600" dirty="0"/>
-              <a:t>台服务器，分成</a:t>
-            </a:r>
-            <a:r>
-              <a:rPr lang="en-US" altLang="zh-CN" sz="1600" dirty="0"/>
-              <a:t>2</a:t>
-            </a:r>
-            <a:r>
-              <a:rPr lang="zh-CN" altLang="en-US" sz="1600" dirty="0"/>
-              <a:t>片，作业名称的哈希值为偶数，则每台服务器分到的分片是：</a:t>
-            </a:r>
-            <a:r>
-              <a:rPr lang="en-US" altLang="zh-CN" sz="1600" dirty="0"/>
-              <a:t>3=[0], 2=[1], 1</a:t>
-            </a:r>
-            <a:r>
-              <a:rPr lang="en-US" altLang="zh-CN" sz="1600" dirty="0" smtClean="0"/>
-              <a:t>=[]</a:t>
-            </a:r>
-            <a:endParaRPr lang="en-US" altLang="zh-CN" sz="1600" dirty="0"/>
-          </a:p>
-          <a:p>
-            <a:pPr indent="0">
-              <a:buNone/>
-            </a:pPr>
-            <a:endParaRPr lang="zh-CN" altLang="en-US" sz="1600" dirty="0"/>
-          </a:p>
-          <a:p>
-            <a:pPr indent="0">
-              <a:buNone/>
-            </a:pPr>
-            <a:endParaRPr lang="zh-CN" altLang="zh-CN" sz="1600" dirty="0">
-              <a:latin typeface="+mn-ea"/>
-            </a:endParaRPr>
-          </a:p>
-        </p:txBody>
-      </p:sp>
-    </p:spTree>
-    <p:extLst>
-      <p:ext uri="{BB962C8B-B14F-4D97-AF65-F5344CB8AC3E}">
-        <p14:creationId xmlns:p14="http://schemas.microsoft.com/office/powerpoint/2010/main" val="4160760332"/>
-      </p:ext>
-    </p:extLst>
-  </p:cSld>
-  <p:clrMapOvr>
-    <a:masterClrMapping/>
-  </p:clrMapOvr>
-  <p:timing>
-    <p:tnLst>
-      <p:par>
-        <p:cTn id="1" dur="indefinite" restart="never" nodeType="tmRoot"/>
-      </p:par>
-    </p:tnLst>
-  </p:timing>
-</p:sld>
-</file>
-
-<file path=ppt/slides/slide19.xml><?xml version="1.0" encoding="utf-8"?>
-<p:sld xmlns:a="http://schemas.openxmlformats.org/drawingml/2006/main" xmlns:r="http://schemas.openxmlformats.org/officeDocument/2006/relationships" xmlns:p="http://schemas.openxmlformats.org/presentationml/2006/main">
-  <p:cSld>
-    <p:spTree>
-      <p:nvGrpSpPr>
-        <p:cNvPr id="1" name=""/>
-        <p:cNvGrpSpPr/>
-        <p:nvPr/>
-      </p:nvGrpSpPr>
-      <p:grpSpPr>
-        <a:xfrm>
-          <a:off x="0" y="0"/>
-          <a:ext cx="0" cy="0"/>
-          <a:chOff x="0" y="0"/>
-          <a:chExt cx="0" cy="0"/>
-        </a:xfrm>
-      </p:grpSpPr>
-      <p:sp>
-        <p:nvSpPr>
-          <p:cNvPr id="2" name="标题 1"/>
-          <p:cNvSpPr>
-            <a:spLocks noGrp="1"/>
-          </p:cNvSpPr>
-          <p:nvPr>
-            <p:ph type="title"/>
-          </p:nvPr>
-        </p:nvSpPr>
-        <p:spPr>
-          <a:xfrm>
-            <a:off x="315530" y="332999"/>
-            <a:ext cx="8503775" cy="630296"/>
-          </a:xfrm>
-        </p:spPr>
-        <p:txBody>
-          <a:bodyPr/>
-          <a:lstStyle/>
-          <a:p>
-            <a:r>
-              <a:rPr lang="zh-CN" altLang="en-US" dirty="0" smtClean="0"/>
-              <a:t>分片策略</a:t>
-            </a:r>
             <a:endParaRPr lang="en-US" altLang="zh-CN" dirty="0"/>
           </a:p>
         </p:txBody>
@@ -4887,134 +5079,7 @@
 </p:sld>
 </file>
 
-<file path=ppt/slides/slide2.xml><?xml version="1.0" encoding="utf-8"?>
-<p:sld xmlns:a="http://schemas.openxmlformats.org/drawingml/2006/main" xmlns:r="http://schemas.openxmlformats.org/officeDocument/2006/relationships" xmlns:p="http://schemas.openxmlformats.org/presentationml/2006/main">
-  <p:cSld>
-    <p:spTree>
-      <p:nvGrpSpPr>
-        <p:cNvPr id="1" name=""/>
-        <p:cNvGrpSpPr/>
-        <p:nvPr/>
-      </p:nvGrpSpPr>
-      <p:grpSpPr>
-        <a:xfrm>
-          <a:off x="0" y="0"/>
-          <a:ext cx="0" cy="0"/>
-          <a:chOff x="0" y="0"/>
-          <a:chExt cx="0" cy="0"/>
-        </a:xfrm>
-      </p:grpSpPr>
-      <p:sp>
-        <p:nvSpPr>
-          <p:cNvPr id="2" name="标题 1"/>
-          <p:cNvSpPr>
-            <a:spLocks noGrp="1"/>
-          </p:cNvSpPr>
-          <p:nvPr>
-            <p:ph type="title"/>
-          </p:nvPr>
-        </p:nvSpPr>
-        <p:spPr>
-          <a:xfrm>
-            <a:off x="315530" y="332999"/>
-            <a:ext cx="8503775" cy="630296"/>
-          </a:xfrm>
-        </p:spPr>
-        <p:txBody>
-          <a:bodyPr/>
-          <a:lstStyle/>
-          <a:p>
-            <a:r>
-              <a:rPr lang="zh-CN" altLang="en-US" dirty="0" smtClean="0"/>
-              <a:t>内容摘要</a:t>
-            </a:r>
-            <a:endParaRPr lang="zh-CN" altLang="en-US" dirty="0"/>
-          </a:p>
-        </p:txBody>
-      </p:sp>
-      <p:sp>
-        <p:nvSpPr>
-          <p:cNvPr id="3" name="内容占位符 2"/>
-          <p:cNvSpPr>
-            <a:spLocks noGrp="1"/>
-          </p:cNvSpPr>
-          <p:nvPr>
-            <p:ph idx="1"/>
-          </p:nvPr>
-        </p:nvSpPr>
-        <p:spPr>
-          <a:xfrm>
-            <a:off x="315530" y="1157468"/>
-            <a:ext cx="8503775" cy="4815069"/>
-          </a:xfrm>
-        </p:spPr>
-        <p:txBody>
-          <a:bodyPr/>
-          <a:lstStyle/>
-          <a:p>
-            <a:r>
-              <a:rPr lang="zh-CN" altLang="en-US" dirty="0"/>
-              <a:t>简介</a:t>
-            </a:r>
-            <a:endParaRPr lang="en-US" altLang="zh-CN" dirty="0" smtClean="0"/>
-          </a:p>
-          <a:p>
-            <a:r>
-              <a:rPr lang="zh-CN" altLang="en-US" dirty="0" smtClean="0"/>
-              <a:t>实现原理</a:t>
-            </a:r>
-            <a:endParaRPr lang="en-US" altLang="zh-CN" dirty="0" smtClean="0"/>
-          </a:p>
-          <a:p>
-            <a:r>
-              <a:rPr lang="zh-CN" altLang="en-US" dirty="0" smtClean="0"/>
-              <a:t>功能列表</a:t>
-            </a:r>
-            <a:endParaRPr lang="en-US" altLang="zh-CN" dirty="0" smtClean="0"/>
-          </a:p>
-          <a:p>
-            <a:r>
-              <a:rPr lang="zh-CN" altLang="en-US" dirty="0" smtClean="0"/>
-              <a:t>快速</a:t>
-            </a:r>
-            <a:r>
-              <a:rPr lang="zh-CN" altLang="en-US" dirty="0"/>
-              <a:t>入门</a:t>
-            </a:r>
-            <a:endParaRPr lang="en-US" altLang="zh-CN" dirty="0"/>
-          </a:p>
-          <a:p>
-            <a:r>
-              <a:rPr lang="zh-CN" altLang="en-US" dirty="0" smtClean="0"/>
-              <a:t>基础配置信息</a:t>
-            </a:r>
-            <a:endParaRPr lang="en-US" altLang="zh-CN" dirty="0" smtClean="0"/>
-          </a:p>
-          <a:p>
-            <a:r>
-              <a:rPr lang="zh-CN" altLang="en-US" dirty="0"/>
-              <a:t>文档</a:t>
-            </a:r>
-            <a:endParaRPr lang="en-US" altLang="zh-CN" dirty="0" smtClean="0"/>
-          </a:p>
-        </p:txBody>
-      </p:sp>
-    </p:spTree>
-  </p:cSld>
-  <p:clrMapOvr>
-    <a:masterClrMapping/>
-  </p:clrMapOvr>
-  <p:timing>
-    <p:tnLst>
-      <p:par>
-        <p:cTn id="1" dur="indefinite" restart="never" nodeType="tmRoot"/>
-      </p:par>
-    </p:tnLst>
-  </p:timing>
-</p:sld>
-</file>
-
-<file path=ppt/slides/slide20.xml><?xml version="1.0" encoding="utf-8"?>
+<file path=ppt/slides/slide19.xml><?xml version="1.0" encoding="utf-8"?>
 <p:sld xmlns:a="http://schemas.openxmlformats.org/drawingml/2006/main" xmlns:r="http://schemas.openxmlformats.org/officeDocument/2006/relationships" xmlns:p="http://schemas.openxmlformats.org/presentationml/2006/main">
   <p:cSld>
     <p:spTree>
@@ -5260,6 +5325,309 @@
 </p:sld>
 </file>
 
+<file path=ppt/slides/slide2.xml><?xml version="1.0" encoding="utf-8"?>
+<p:sld xmlns:a="http://schemas.openxmlformats.org/drawingml/2006/main" xmlns:r="http://schemas.openxmlformats.org/officeDocument/2006/relationships" xmlns:p="http://schemas.openxmlformats.org/presentationml/2006/main">
+  <p:cSld>
+    <p:spTree>
+      <p:nvGrpSpPr>
+        <p:cNvPr id="1" name=""/>
+        <p:cNvGrpSpPr/>
+        <p:nvPr/>
+      </p:nvGrpSpPr>
+      <p:grpSpPr>
+        <a:xfrm>
+          <a:off x="0" y="0"/>
+          <a:ext cx="0" cy="0"/>
+          <a:chOff x="0" y="0"/>
+          <a:chExt cx="0" cy="0"/>
+        </a:xfrm>
+      </p:grpSpPr>
+      <p:sp>
+        <p:nvSpPr>
+          <p:cNvPr id="2" name="标题 1"/>
+          <p:cNvSpPr>
+            <a:spLocks noGrp="1"/>
+          </p:cNvSpPr>
+          <p:nvPr>
+            <p:ph type="title"/>
+          </p:nvPr>
+        </p:nvSpPr>
+        <p:spPr>
+          <a:xfrm>
+            <a:off x="315530" y="332999"/>
+            <a:ext cx="8503775" cy="630296"/>
+          </a:xfrm>
+        </p:spPr>
+        <p:txBody>
+          <a:bodyPr/>
+          <a:lstStyle/>
+          <a:p>
+            <a:r>
+              <a:rPr lang="zh-CN" altLang="en-US" dirty="0" smtClean="0"/>
+              <a:t>内容摘要</a:t>
+            </a:r>
+            <a:endParaRPr lang="zh-CN" altLang="en-US" dirty="0"/>
+          </a:p>
+        </p:txBody>
+      </p:sp>
+      <p:sp>
+        <p:nvSpPr>
+          <p:cNvPr id="3" name="内容占位符 2"/>
+          <p:cNvSpPr>
+            <a:spLocks noGrp="1"/>
+          </p:cNvSpPr>
+          <p:nvPr>
+            <p:ph idx="1"/>
+          </p:nvPr>
+        </p:nvSpPr>
+        <p:spPr>
+          <a:xfrm>
+            <a:off x="315530" y="1157468"/>
+            <a:ext cx="8503775" cy="4815069"/>
+          </a:xfrm>
+        </p:spPr>
+        <p:txBody>
+          <a:bodyPr/>
+          <a:lstStyle/>
+          <a:p>
+            <a:r>
+              <a:rPr lang="zh-CN" altLang="en-US" dirty="0"/>
+              <a:t>简介</a:t>
+            </a:r>
+            <a:endParaRPr lang="en-US" altLang="zh-CN" dirty="0" smtClean="0"/>
+          </a:p>
+          <a:p>
+            <a:r>
+              <a:rPr lang="zh-CN" altLang="en-US" dirty="0" smtClean="0"/>
+              <a:t>实现原理</a:t>
+            </a:r>
+            <a:endParaRPr lang="en-US" altLang="zh-CN" dirty="0" smtClean="0"/>
+          </a:p>
+          <a:p>
+            <a:r>
+              <a:rPr lang="zh-CN" altLang="en-US" dirty="0" smtClean="0"/>
+              <a:t>功能列表</a:t>
+            </a:r>
+            <a:endParaRPr lang="en-US" altLang="zh-CN" dirty="0" smtClean="0"/>
+          </a:p>
+          <a:p>
+            <a:r>
+              <a:rPr lang="zh-CN" altLang="en-US" dirty="0"/>
+              <a:t>基础配置</a:t>
+            </a:r>
+            <a:r>
+              <a:rPr lang="zh-CN" altLang="en-US" dirty="0" smtClean="0"/>
+              <a:t>信息</a:t>
+            </a:r>
+            <a:endParaRPr lang="en-US" altLang="zh-CN" dirty="0" smtClean="0"/>
+          </a:p>
+          <a:p>
+            <a:r>
+              <a:rPr lang="zh-CN" altLang="en-US" dirty="0" smtClean="0"/>
+              <a:t>快速</a:t>
+            </a:r>
+            <a:r>
+              <a:rPr lang="zh-CN" altLang="en-US" dirty="0"/>
+              <a:t>入门</a:t>
+            </a:r>
+            <a:endParaRPr lang="en-US" altLang="zh-CN" dirty="0"/>
+          </a:p>
+          <a:p>
+            <a:r>
+              <a:rPr lang="zh-CN" altLang="en-US" dirty="0" smtClean="0"/>
+              <a:t>文档</a:t>
+            </a:r>
+            <a:endParaRPr lang="en-US" altLang="zh-CN" dirty="0" smtClean="0"/>
+          </a:p>
+        </p:txBody>
+      </p:sp>
+    </p:spTree>
+  </p:cSld>
+  <p:clrMapOvr>
+    <a:masterClrMapping/>
+  </p:clrMapOvr>
+  <p:timing>
+    <p:tnLst>
+      <p:par>
+        <p:cTn id="1" dur="indefinite" restart="never" nodeType="tmRoot"/>
+      </p:par>
+    </p:tnLst>
+  </p:timing>
+</p:sld>
+</file>
+
+<file path=ppt/slides/slide20.xml><?xml version="1.0" encoding="utf-8"?>
+<p:sld xmlns:a="http://schemas.openxmlformats.org/drawingml/2006/main" xmlns:r="http://schemas.openxmlformats.org/officeDocument/2006/relationships" xmlns:p="http://schemas.openxmlformats.org/presentationml/2006/main">
+  <p:cSld>
+    <p:spTree>
+      <p:nvGrpSpPr>
+        <p:cNvPr id="1" name=""/>
+        <p:cNvGrpSpPr/>
+        <p:nvPr/>
+      </p:nvGrpSpPr>
+      <p:grpSpPr>
+        <a:xfrm>
+          <a:off x="0" y="0"/>
+          <a:ext cx="0" cy="0"/>
+          <a:chOff x="0" y="0"/>
+          <a:chExt cx="0" cy="0"/>
+        </a:xfrm>
+      </p:grpSpPr>
+      <p:sp>
+        <p:nvSpPr>
+          <p:cNvPr id="2" name="标题 1"/>
+          <p:cNvSpPr>
+            <a:spLocks noGrp="1"/>
+          </p:cNvSpPr>
+          <p:nvPr>
+            <p:ph type="title"/>
+          </p:nvPr>
+        </p:nvSpPr>
+        <p:spPr>
+          <a:xfrm>
+            <a:off x="315530" y="332999"/>
+            <a:ext cx="8503775" cy="630296"/>
+          </a:xfrm>
+        </p:spPr>
+        <p:txBody>
+          <a:bodyPr/>
+          <a:lstStyle/>
+          <a:p>
+            <a:r>
+              <a:rPr lang="zh-CN" altLang="en-US" dirty="0" smtClean="0"/>
+              <a:t>作业监听器</a:t>
+            </a:r>
+            <a:endParaRPr lang="en-US" altLang="zh-CN" dirty="0"/>
+          </a:p>
+        </p:txBody>
+      </p:sp>
+      <p:sp>
+        <p:nvSpPr>
+          <p:cNvPr id="3" name="内容占位符 2"/>
+          <p:cNvSpPr>
+            <a:spLocks noGrp="1"/>
+          </p:cNvSpPr>
+          <p:nvPr>
+            <p:ph idx="1"/>
+          </p:nvPr>
+        </p:nvSpPr>
+        <p:spPr>
+          <a:xfrm>
+            <a:off x="315530" y="1157468"/>
+            <a:ext cx="8503775" cy="4815069"/>
+          </a:xfrm>
+        </p:spPr>
+        <p:txBody>
+          <a:bodyPr/>
+          <a:lstStyle/>
+          <a:p>
+            <a:pPr indent="0">
+              <a:buNone/>
+            </a:pPr>
+            <a:r>
+              <a:rPr lang="zh-CN" altLang="en-US" sz="1800" dirty="0"/>
+              <a:t>可通过配置多个任务监听器，在任务执行前和执行后执行监听的方法。监听器分为每台作业节点均执行和分布式场景中仅单一节点执行</a:t>
+            </a:r>
+            <a:r>
+              <a:rPr lang="en-US" altLang="zh-CN" sz="1800" dirty="0"/>
+              <a:t>2</a:t>
+            </a:r>
+            <a:r>
+              <a:rPr lang="zh-CN" altLang="en-US" sz="1800" dirty="0"/>
+              <a:t>种</a:t>
+            </a:r>
+            <a:r>
+              <a:rPr lang="zh-CN" altLang="en-US" sz="1800" dirty="0" smtClean="0"/>
+              <a:t>。</a:t>
+            </a:r>
+            <a:endParaRPr lang="en-US" altLang="zh-CN" sz="1800" dirty="0" smtClean="0"/>
+          </a:p>
+          <a:p>
+            <a:r>
+              <a:rPr lang="en-US" altLang="zh-CN" sz="1800" b="1" dirty="0"/>
+              <a:t>1. </a:t>
+            </a:r>
+            <a:r>
+              <a:rPr lang="zh-CN" altLang="en-US" sz="1800" b="1" dirty="0"/>
+              <a:t>每台作业节点均执行的监听</a:t>
+            </a:r>
+          </a:p>
+          <a:p>
+            <a:pPr indent="0">
+              <a:lnSpc>
+                <a:spcPct val="150000"/>
+              </a:lnSpc>
+              <a:buNone/>
+            </a:pPr>
+            <a:r>
+              <a:rPr lang="zh-CN" altLang="en-US" sz="1800" dirty="0"/>
+              <a:t>若作业处理作业服务器的文件，处理完成后删除文件，可考虑使用每个节点均执行清理任务。此类型任务实现简单，且无需考虑全局分布式任务是否完成，请尽量使用此类型监听器</a:t>
+            </a:r>
+            <a:r>
+              <a:rPr lang="zh-CN" altLang="en-US" sz="1800" dirty="0" smtClean="0"/>
+              <a:t>。</a:t>
+            </a:r>
+            <a:endParaRPr lang="en-US" altLang="zh-CN" sz="1800" dirty="0" smtClean="0"/>
+          </a:p>
+          <a:p>
+            <a:pPr indent="0">
+              <a:lnSpc>
+                <a:spcPct val="150000"/>
+              </a:lnSpc>
+              <a:buNone/>
+            </a:pPr>
+            <a:endParaRPr lang="en-US" altLang="zh-CN" sz="1800" dirty="0"/>
+          </a:p>
+          <a:p>
+            <a:r>
+              <a:rPr lang="zh-CN" altLang="en-US" sz="1800" b="1" dirty="0"/>
+              <a:t>分布式场景中仅单一节点执行的监听</a:t>
+            </a:r>
+          </a:p>
+          <a:p>
+            <a:pPr indent="0">
+              <a:buNone/>
+            </a:pPr>
+            <a:r>
+              <a:rPr lang="zh-CN" altLang="en-US" sz="1800" dirty="0"/>
+              <a:t>若作业处理数据库数据，处理完成后只需一个节点完成数据清理任务即可。此类型任务处理复杂，需同步分布式环境下作业的状态同步，提供了超时设置来避免作业不同步导致的死锁，请谨慎使用</a:t>
+            </a:r>
+            <a:r>
+              <a:rPr lang="zh-CN" altLang="en-US" sz="1800" dirty="0" smtClean="0"/>
+              <a:t>。</a:t>
+            </a:r>
+            <a:endParaRPr lang="zh-CN" altLang="en-US" sz="1800" dirty="0"/>
+          </a:p>
+          <a:p>
+            <a:pPr indent="0">
+              <a:buNone/>
+            </a:pPr>
+            <a:endParaRPr lang="en-US" altLang="zh-CN" sz="1800" dirty="0" smtClean="0">
+              <a:latin typeface="+mn-ea"/>
+            </a:endParaRPr>
+          </a:p>
+        </p:txBody>
+      </p:sp>
+    </p:spTree>
+    <p:extLst>
+      <p:ext uri="{BB962C8B-B14F-4D97-AF65-F5344CB8AC3E}">
+        <p14:creationId xmlns:p14="http://schemas.microsoft.com/office/powerpoint/2010/main" val="2593616248"/>
+      </p:ext>
+    </p:extLst>
+  </p:cSld>
+  <p:clrMapOvr>
+    <a:masterClrMapping/>
+  </p:clrMapOvr>
+  <p:timing>
+    <p:tnLst>
+      <p:par>
+        <p:cTn id="1" dur="indefinite" restart="never" nodeType="tmRoot"/>
+      </p:par>
+    </p:tnLst>
+  </p:timing>
+</p:sld>
+</file>
+
 <file path=ppt/slides/slide21.xml><?xml version="1.0" encoding="utf-8"?>
 <p:sld xmlns:a="http://schemas.openxmlformats.org/drawingml/2006/main" xmlns:r="http://schemas.openxmlformats.org/officeDocument/2006/relationships" xmlns:p="http://schemas.openxmlformats.org/presentationml/2006/main">
   <p:cSld>
@@ -5298,10 +5666,14 @@
           <a:lstStyle/>
           <a:p>
             <a:r>
+              <a:rPr lang="zh-CN" altLang="en-US" dirty="0"/>
+              <a:t>自行诊断并修复分布式不稳定造成的</a:t>
+            </a:r>
+            <a:r>
               <a:rPr lang="zh-CN" altLang="en-US" dirty="0" smtClean="0"/>
-              <a:t>作业监听器</a:t>
-            </a:r>
-            <a:endParaRPr lang="en-US" altLang="zh-CN" dirty="0"/>
+              <a:t>问题</a:t>
+            </a:r>
+            <a:endParaRPr lang="zh-CN" altLang="en-US" dirty="0"/>
           </a:p>
         </p:txBody>
       </p:sp>
@@ -5329,93 +5701,66 @@
               <a:buNone/>
             </a:pPr>
             <a:r>
-              <a:rPr lang="zh-CN" altLang="en-US" sz="1800" dirty="0"/>
-              <a:t>可通过配置多个任务监听器，在任务执行前和执行后执行监听的方法。监听器分为每台作业节点均执行和分布式场景中仅单一节点执行</a:t>
-            </a:r>
-            <a:r>
-              <a:rPr lang="en-US" altLang="zh-CN" sz="1800" dirty="0"/>
-              <a:t>2</a:t>
-            </a:r>
-            <a:r>
-              <a:rPr lang="zh-CN" altLang="en-US" sz="1800" dirty="0"/>
-              <a:t>种</a:t>
-            </a:r>
-            <a:r>
-              <a:rPr lang="zh-CN" altLang="en-US" sz="1800" dirty="0" smtClean="0"/>
+              <a:rPr lang="zh-CN" altLang="en-US" sz="2000" dirty="0"/>
+              <a:t>在分布式的场景下由于网络、时钟等原因，可能导致</a:t>
+            </a:r>
+            <a:r>
+              <a:rPr lang="en-US" altLang="zh-CN" sz="2000" dirty="0"/>
+              <a:t>Zookeeper</a:t>
+            </a:r>
+            <a:r>
+              <a:rPr lang="zh-CN" altLang="en-US" sz="2000" dirty="0"/>
+              <a:t>的数据与真实运行的作业产生不一致，这种不一致通过正向的校验无法完全避免。需要另外启动一个线程定时校验注册中心数据与真实作业状态的一致性，即维持</a:t>
+            </a:r>
+            <a:r>
+              <a:rPr lang="en-US" altLang="zh-CN" sz="2000" dirty="0"/>
+              <a:t>Elastic-Job</a:t>
+            </a:r>
+            <a:r>
+              <a:rPr lang="zh-CN" altLang="en-US" sz="2000" dirty="0"/>
+              <a:t>的最终一致性</a:t>
+            </a:r>
+            <a:r>
+              <a:rPr lang="zh-CN" altLang="en-US" sz="2000" dirty="0" smtClean="0"/>
               <a:t>。</a:t>
             </a:r>
-            <a:endParaRPr lang="en-US" altLang="zh-CN" sz="1800" dirty="0" smtClean="0"/>
-          </a:p>
-          <a:p>
-            <a:r>
-              <a:rPr lang="en-US" altLang="zh-CN" sz="1800" b="1" dirty="0"/>
-              <a:t>1. </a:t>
-            </a:r>
-            <a:r>
-              <a:rPr lang="zh-CN" altLang="en-US" sz="1800" b="1" dirty="0"/>
-              <a:t>每台作业节点均执行的监听</a:t>
-            </a:r>
-          </a:p>
-          <a:p>
-            <a:pPr indent="0">
-              <a:lnSpc>
-                <a:spcPct val="150000"/>
-              </a:lnSpc>
-              <a:buNone/>
-            </a:pPr>
-            <a:r>
-              <a:rPr lang="zh-CN" altLang="en-US" sz="1800" dirty="0"/>
-              <a:t>若作业处理作业服务器的文件，处理完成后删除文件，可考虑使用每个节点均执行清理任务。此类型任务实现简单，且无需考虑全局分布式任务是否完成，请尽量使用此类型监听器</a:t>
-            </a:r>
-            <a:r>
-              <a:rPr lang="zh-CN" altLang="en-US" sz="1800" dirty="0" smtClean="0"/>
-              <a:t>。</a:t>
-            </a:r>
-            <a:endParaRPr lang="en-US" altLang="zh-CN" sz="1800" dirty="0" smtClean="0"/>
-          </a:p>
-          <a:p>
-            <a:pPr indent="0">
-              <a:lnSpc>
-                <a:spcPct val="150000"/>
-              </a:lnSpc>
-              <a:buNone/>
-            </a:pPr>
-            <a:endParaRPr lang="en-US" altLang="zh-CN" sz="1800" dirty="0"/>
-          </a:p>
-          <a:p>
-            <a:r>
-              <a:rPr lang="zh-CN" altLang="en-US" sz="1800" b="1" dirty="0"/>
-              <a:t>分布式场景中仅单一节点执行的监听</a:t>
-            </a:r>
-          </a:p>
-          <a:p>
-            <a:pPr indent="0">
-              <a:buNone/>
-            </a:pPr>
-            <a:r>
-              <a:rPr lang="zh-CN" altLang="en-US" sz="1800" dirty="0"/>
-              <a:t>若作业处理数据库数据，处理完成后只需一个节点完成数据清理任务即可。此类型任务处理复杂，需同步分布式环境下作业的状态同步，提供了超时设置来避免作业不同步导致的死锁，请谨慎使用</a:t>
-            </a:r>
-            <a:r>
-              <a:rPr lang="zh-CN" altLang="en-US" sz="1800" dirty="0" smtClean="0"/>
-              <a:t>。</a:t>
-            </a:r>
-            <a:endParaRPr lang="zh-CN" altLang="en-US" sz="1800" dirty="0"/>
-          </a:p>
-          <a:p>
-            <a:pPr indent="0">
-              <a:buNone/>
-            </a:pPr>
-            <a:endParaRPr lang="en-US" altLang="zh-CN" sz="1800" dirty="0" smtClean="0">
-              <a:latin typeface="+mn-ea"/>
-            </a:endParaRPr>
+            <a:endParaRPr lang="en-US" altLang="zh-CN" sz="2000" dirty="0" smtClean="0"/>
+          </a:p>
+          <a:p>
+            <a:pPr indent="0">
+              <a:buNone/>
+            </a:pPr>
+            <a:r>
+              <a:rPr lang="en-US" altLang="zh-CN" sz="2000" dirty="0" smtClean="0"/>
+              <a:t>Elastic-Job</a:t>
+            </a:r>
+            <a:r>
+              <a:rPr lang="zh-CN" altLang="en-US" sz="2000" dirty="0" smtClean="0"/>
+              <a:t>提供</a:t>
+            </a:r>
+            <a:r>
+              <a:rPr lang="en-US" altLang="zh-CN" sz="2000" dirty="0" err="1"/>
+              <a:t>reconcileIntervalMinutes</a:t>
+            </a:r>
+            <a:r>
+              <a:rPr lang="zh-CN" altLang="en-US" sz="2000" dirty="0"/>
+              <a:t>设置修复状态服务执行间隔分钟数，用于修复作业服务器不一致状态，默认每</a:t>
+            </a:r>
+            <a:r>
+              <a:rPr lang="en-US" altLang="zh-CN" sz="2000" dirty="0"/>
+              <a:t>10</a:t>
+            </a:r>
+            <a:r>
+              <a:rPr lang="zh-CN" altLang="en-US" sz="2000" dirty="0"/>
+              <a:t>分钟检测并修复一次。</a:t>
+            </a:r>
           </a:p>
         </p:txBody>
       </p:sp>
     </p:spTree>
     <p:extLst>
       <p:ext uri="{BB962C8B-B14F-4D97-AF65-F5344CB8AC3E}">
-        <p14:creationId xmlns:p14="http://schemas.microsoft.com/office/powerpoint/2010/main" val="2593616248"/>
+        <p14:creationId xmlns:p14="http://schemas.microsoft.com/office/powerpoint/2010/main" val="3213125780"/>
       </p:ext>
     </p:extLst>
   </p:cSld>
@@ -5470,155 +5815,6 @@
           <a:lstStyle/>
           <a:p>
             <a:r>
-              <a:rPr lang="zh-CN" altLang="en-US" dirty="0"/>
-              <a:t>自行诊断并修复分布式不稳定造成的</a:t>
-            </a:r>
-            <a:r>
-              <a:rPr lang="zh-CN" altLang="en-US" dirty="0" smtClean="0"/>
-              <a:t>问题</a:t>
-            </a:r>
-            <a:endParaRPr lang="zh-CN" altLang="en-US" dirty="0"/>
-          </a:p>
-        </p:txBody>
-      </p:sp>
-      <p:sp>
-        <p:nvSpPr>
-          <p:cNvPr id="3" name="内容占位符 2"/>
-          <p:cNvSpPr>
-            <a:spLocks noGrp="1"/>
-          </p:cNvSpPr>
-          <p:nvPr>
-            <p:ph idx="1"/>
-          </p:nvPr>
-        </p:nvSpPr>
-        <p:spPr>
-          <a:xfrm>
-            <a:off x="315530" y="1157468"/>
-            <a:ext cx="8503775" cy="4815069"/>
-          </a:xfrm>
-        </p:spPr>
-        <p:txBody>
-          <a:bodyPr/>
-          <a:lstStyle/>
-          <a:p>
-            <a:pPr indent="0">
-              <a:buNone/>
-            </a:pPr>
-            <a:r>
-              <a:rPr lang="zh-CN" altLang="en-US" sz="2000" dirty="0"/>
-              <a:t>在分布式的场景下由于网络、时钟等原因，可能导致</a:t>
-            </a:r>
-            <a:r>
-              <a:rPr lang="en-US" altLang="zh-CN" sz="2000" dirty="0"/>
-              <a:t>Zookeeper</a:t>
-            </a:r>
-            <a:r>
-              <a:rPr lang="zh-CN" altLang="en-US" sz="2000" dirty="0"/>
-              <a:t>的数据与真实运行的作业产生不一致，这种不一致通过正向的校验无法完全避免。需要另外启动一个线程定时校验注册中心数据与真实作业状态的一致性，即维持</a:t>
-            </a:r>
-            <a:r>
-              <a:rPr lang="en-US" altLang="zh-CN" sz="2000" dirty="0"/>
-              <a:t>Elastic-Job</a:t>
-            </a:r>
-            <a:r>
-              <a:rPr lang="zh-CN" altLang="en-US" sz="2000" dirty="0"/>
-              <a:t>的最终一致性</a:t>
-            </a:r>
-            <a:r>
-              <a:rPr lang="zh-CN" altLang="en-US" sz="2000" dirty="0" smtClean="0"/>
-              <a:t>。</a:t>
-            </a:r>
-            <a:endParaRPr lang="en-US" altLang="zh-CN" sz="2000" dirty="0" smtClean="0"/>
-          </a:p>
-          <a:p>
-            <a:pPr indent="0">
-              <a:buNone/>
-            </a:pPr>
-            <a:r>
-              <a:rPr lang="en-US" altLang="zh-CN" sz="2000" dirty="0" smtClean="0"/>
-              <a:t>Elastic-Job</a:t>
-            </a:r>
-            <a:r>
-              <a:rPr lang="zh-CN" altLang="en-US" sz="2000" dirty="0" smtClean="0"/>
-              <a:t>提供</a:t>
-            </a:r>
-            <a:r>
-              <a:rPr lang="en-US" altLang="zh-CN" sz="2000" dirty="0" err="1"/>
-              <a:t>reconcileIntervalMinutes</a:t>
-            </a:r>
-            <a:r>
-              <a:rPr lang="zh-CN" altLang="en-US" sz="2000" dirty="0"/>
-              <a:t>设置修复状态服务执行间隔分钟数，用于修复作业服务器不一致状态，默认每</a:t>
-            </a:r>
-            <a:r>
-              <a:rPr lang="en-US" altLang="zh-CN" sz="2000" dirty="0"/>
-              <a:t>10</a:t>
-            </a:r>
-            <a:r>
-              <a:rPr lang="zh-CN" altLang="en-US" sz="2000" dirty="0"/>
-              <a:t>分钟检测并修复一次。</a:t>
-            </a:r>
-          </a:p>
-        </p:txBody>
-      </p:sp>
-    </p:spTree>
-    <p:extLst>
-      <p:ext uri="{BB962C8B-B14F-4D97-AF65-F5344CB8AC3E}">
-        <p14:creationId xmlns:p14="http://schemas.microsoft.com/office/powerpoint/2010/main" val="3213125780"/>
-      </p:ext>
-    </p:extLst>
-  </p:cSld>
-  <p:clrMapOvr>
-    <a:masterClrMapping/>
-  </p:clrMapOvr>
-  <p:timing>
-    <p:tnLst>
-      <p:par>
-        <p:cTn id="1" dur="indefinite" restart="never" nodeType="tmRoot"/>
-      </p:par>
-    </p:tnLst>
-  </p:timing>
-</p:sld>
-</file>
-
-<file path=ppt/slides/slide23.xml><?xml version="1.0" encoding="utf-8"?>
-<p:sld xmlns:a="http://schemas.openxmlformats.org/drawingml/2006/main" xmlns:r="http://schemas.openxmlformats.org/officeDocument/2006/relationships" xmlns:p="http://schemas.openxmlformats.org/presentationml/2006/main">
-  <p:cSld>
-    <p:spTree>
-      <p:nvGrpSpPr>
-        <p:cNvPr id="1" name=""/>
-        <p:cNvGrpSpPr/>
-        <p:nvPr/>
-      </p:nvGrpSpPr>
-      <p:grpSpPr>
-        <a:xfrm>
-          <a:off x="0" y="0"/>
-          <a:ext cx="0" cy="0"/>
-          <a:chOff x="0" y="0"/>
-          <a:chExt cx="0" cy="0"/>
-        </a:xfrm>
-      </p:grpSpPr>
-      <p:sp>
-        <p:nvSpPr>
-          <p:cNvPr id="2" name="标题 1"/>
-          <p:cNvSpPr>
-            <a:spLocks noGrp="1"/>
-          </p:cNvSpPr>
-          <p:nvPr>
-            <p:ph type="title"/>
-          </p:nvPr>
-        </p:nvSpPr>
-        <p:spPr>
-          <a:xfrm>
-            <a:off x="315530" y="332999"/>
-            <a:ext cx="8503775" cy="630296"/>
-          </a:xfrm>
-        </p:spPr>
-        <p:txBody>
-          <a:bodyPr/>
-          <a:lstStyle/>
-          <a:p>
-            <a:r>
               <a:rPr lang="zh-CN" altLang="en-US" dirty="0" smtClean="0"/>
               <a:t>失效转移</a:t>
             </a:r>
@@ -5756,7 +5952,7 @@
 </p:sld>
 </file>
 
-<file path=ppt/slides/slide24.xml><?xml version="1.0" encoding="utf-8"?>
+<file path=ppt/slides/slide23.xml><?xml version="1.0" encoding="utf-8"?>
 <p:sld xmlns:a="http://schemas.openxmlformats.org/drawingml/2006/main" xmlns:r="http://schemas.openxmlformats.org/officeDocument/2006/relationships" xmlns:p="http://schemas.openxmlformats.org/presentationml/2006/main">
   <p:cSld>
     <p:spTree>
@@ -6080,7 +6276,7 @@
 </p:sld>
 </file>
 
-<file path=ppt/slides/slide25.xml><?xml version="1.0" encoding="utf-8"?>
+<file path=ppt/slides/slide24.xml><?xml version="1.0" encoding="utf-8"?>
 <p:sld xmlns:a="http://schemas.openxmlformats.org/drawingml/2006/main" xmlns:r="http://schemas.openxmlformats.org/officeDocument/2006/relationships" xmlns:p="http://schemas.openxmlformats.org/presentationml/2006/main">
   <p:cSld>
     <p:spTree>
@@ -6212,6 +6408,272 @@
 </p:sld>
 </file>
 
+<file path=ppt/slides/slide25.xml><?xml version="1.0" encoding="utf-8"?>
+<p:sld xmlns:a="http://schemas.openxmlformats.org/drawingml/2006/main" xmlns:r="http://schemas.openxmlformats.org/officeDocument/2006/relationships" xmlns:p="http://schemas.openxmlformats.org/presentationml/2006/main">
+  <p:cSld>
+    <p:spTree>
+      <p:nvGrpSpPr>
+        <p:cNvPr id="1" name=""/>
+        <p:cNvGrpSpPr/>
+        <p:nvPr/>
+      </p:nvGrpSpPr>
+      <p:grpSpPr>
+        <a:xfrm>
+          <a:off x="0" y="0"/>
+          <a:ext cx="0" cy="0"/>
+          <a:chOff x="0" y="0"/>
+          <a:chExt cx="0" cy="0"/>
+        </a:xfrm>
+      </p:grpSpPr>
+      <p:sp>
+        <p:nvSpPr>
+          <p:cNvPr id="2" name="标题 1"/>
+          <p:cNvSpPr>
+            <a:spLocks noGrp="1"/>
+          </p:cNvSpPr>
+          <p:nvPr>
+            <p:ph type="title"/>
+          </p:nvPr>
+        </p:nvSpPr>
+        <p:spPr>
+          <a:xfrm>
+            <a:off x="315530" y="332999"/>
+            <a:ext cx="8503775" cy="630296"/>
+          </a:xfrm>
+        </p:spPr>
+        <p:txBody>
+          <a:bodyPr/>
+          <a:lstStyle/>
+          <a:p>
+            <a:r>
+              <a:rPr lang="zh-CN" altLang="en-US" dirty="0"/>
+              <a:t>基础配置</a:t>
+            </a:r>
+            <a:r>
+              <a:rPr lang="zh-CN" altLang="en-US" dirty="0" smtClean="0"/>
+              <a:t>信息</a:t>
+            </a:r>
+            <a:r>
+              <a:rPr lang="en-US" altLang="zh-CN" dirty="0" smtClean="0"/>
+              <a:t>—</a:t>
+            </a:r>
+            <a:r>
+              <a:rPr lang="zh-CN" altLang="en-US" dirty="0" smtClean="0"/>
+              <a:t>作业任务监听</a:t>
+            </a:r>
+            <a:endParaRPr lang="zh-CN" altLang="en-US" dirty="0"/>
+          </a:p>
+        </p:txBody>
+      </p:sp>
+      <p:sp>
+        <p:nvSpPr>
+          <p:cNvPr id="3" name="内容占位符 2"/>
+          <p:cNvSpPr>
+            <a:spLocks noGrp="1"/>
+          </p:cNvSpPr>
+          <p:nvPr>
+            <p:ph idx="1"/>
+          </p:nvPr>
+        </p:nvSpPr>
+        <p:spPr>
+          <a:xfrm>
+            <a:off x="315530" y="1157468"/>
+            <a:ext cx="8503775" cy="4815069"/>
+          </a:xfrm>
+        </p:spPr>
+        <p:txBody>
+          <a:bodyPr/>
+          <a:lstStyle/>
+          <a:p>
+            <a:r>
+              <a:rPr lang="zh-CN" altLang="en-US" sz="1800" dirty="0">
+                <a:latin typeface="+mn-ea"/>
+              </a:rPr>
+              <a:t>每台作业节点均执行的</a:t>
+            </a:r>
+            <a:r>
+              <a:rPr lang="zh-CN" altLang="en-US" sz="1800" dirty="0" smtClean="0">
+                <a:latin typeface="+mn-ea"/>
+              </a:rPr>
+              <a:t>监听</a:t>
+            </a:r>
+            <a:endParaRPr lang="en-US" altLang="zh-CN" sz="1800" dirty="0">
+              <a:latin typeface="+mn-ea"/>
+            </a:endParaRPr>
+          </a:p>
+          <a:p>
+            <a:pPr indent="0">
+              <a:buNone/>
+            </a:pPr>
+            <a:r>
+              <a:rPr lang="zh-CN" altLang="en-US" sz="1800" dirty="0"/>
+              <a:t>需要</a:t>
+            </a:r>
+            <a:r>
+              <a:rPr lang="zh-CN" altLang="zh-CN" sz="1800" dirty="0"/>
+              <a:t>实现</a:t>
+            </a:r>
+            <a:r>
+              <a:rPr lang="en-US" altLang="zh-CN" sz="1800" dirty="0" err="1"/>
+              <a:t>ElasticJobListener</a:t>
+            </a:r>
+            <a:r>
+              <a:rPr lang="en-US" altLang="zh-CN" sz="1800" dirty="0"/>
+              <a:t> </a:t>
+            </a:r>
+            <a:r>
+              <a:rPr lang="zh-CN" altLang="zh-CN" sz="1800" dirty="0" smtClean="0"/>
+              <a:t>的</a:t>
+            </a:r>
+            <a:r>
+              <a:rPr lang="en-US" altLang="zh-CN" sz="1800" dirty="0" err="1" smtClean="0"/>
+              <a:t>beforeJobExecuted</a:t>
+            </a:r>
+            <a:r>
+              <a:rPr lang="zh-CN" altLang="zh-CN" sz="1800" dirty="0"/>
+              <a:t>和</a:t>
+            </a:r>
+            <a:r>
+              <a:rPr lang="en-US" altLang="zh-CN" sz="1800" dirty="0" err="1"/>
+              <a:t>afterJobExecuted</a:t>
+            </a:r>
+            <a:r>
+              <a:rPr lang="zh-CN" altLang="zh-CN" sz="1800" dirty="0" smtClean="0"/>
+              <a:t>方法</a:t>
+            </a:r>
+            <a:r>
+              <a:rPr lang="zh-CN" altLang="en-US" sz="1800" dirty="0" smtClean="0"/>
+              <a:t>。</a:t>
+            </a:r>
+            <a:endParaRPr lang="zh-CN" altLang="zh-CN" sz="1800" dirty="0"/>
+          </a:p>
+          <a:p>
+            <a:pPr indent="0">
+              <a:buNone/>
+            </a:pPr>
+            <a:endParaRPr lang="en-US" altLang="zh-CN" sz="1800" dirty="0">
+              <a:latin typeface="+mn-ea"/>
+            </a:endParaRPr>
+          </a:p>
+          <a:p>
+            <a:r>
+              <a:rPr lang="zh-CN" altLang="en-US" sz="1800" dirty="0">
+                <a:latin typeface="+mn-ea"/>
+              </a:rPr>
+              <a:t>分布式场景中仅单一节点执行的监听</a:t>
+            </a:r>
+            <a:endParaRPr lang="en-US" altLang="zh-CN" sz="1800" dirty="0">
+              <a:latin typeface="+mn-ea"/>
+            </a:endParaRPr>
+          </a:p>
+          <a:p>
+            <a:pPr indent="0">
+              <a:buNone/>
+            </a:pPr>
+            <a:r>
+              <a:rPr lang="zh-CN" altLang="zh-CN" sz="1800" dirty="0"/>
+              <a:t>监听需要实现</a:t>
+            </a:r>
+            <a:r>
+              <a:rPr lang="en-US" altLang="zh-CN" sz="1800" dirty="0" err="1"/>
+              <a:t>AbstractDistributeOnceElasticJobListener</a:t>
+            </a:r>
+            <a:r>
+              <a:rPr lang="en-US" altLang="zh-CN" sz="1800" dirty="0"/>
+              <a:t> </a:t>
+            </a:r>
+            <a:r>
+              <a:rPr lang="zh-CN" altLang="zh-CN" sz="1800" dirty="0" smtClean="0"/>
+              <a:t>类</a:t>
+            </a:r>
+            <a:r>
+              <a:rPr lang="zh-CN" altLang="zh-CN" sz="1800" dirty="0"/>
+              <a:t>中的</a:t>
+            </a:r>
+            <a:r>
+              <a:rPr lang="en-US" altLang="zh-CN" sz="1800" dirty="0" err="1"/>
+              <a:t>doBeforeJobExecutedAtLastStarted</a:t>
+            </a:r>
+            <a:r>
+              <a:rPr lang="zh-CN" altLang="zh-CN" sz="1800" dirty="0"/>
+              <a:t>和</a:t>
+            </a:r>
+            <a:r>
+              <a:rPr lang="en-US" altLang="zh-CN" sz="1800" dirty="0" err="1"/>
+              <a:t>doAfterJobExecutedAtLastCompleted</a:t>
+            </a:r>
+            <a:r>
+              <a:rPr lang="zh-CN" altLang="zh-CN" sz="1800" dirty="0"/>
+              <a:t>方法</a:t>
+            </a:r>
+          </a:p>
+          <a:p>
+            <a:pPr indent="0">
+              <a:buNone/>
+            </a:pPr>
+            <a:r>
+              <a:rPr lang="zh-CN" altLang="zh-CN" sz="1800" b="1" dirty="0"/>
+              <a:t>若作业处理数据库数据，处理完成后只需一个节点完成数据清理任务即可</a:t>
+            </a:r>
+            <a:r>
+              <a:rPr lang="zh-CN" altLang="zh-CN" sz="1800" b="1" dirty="0" smtClean="0"/>
+              <a:t>。</a:t>
+            </a:r>
+            <a:endParaRPr lang="en-US" altLang="zh-CN" sz="1800" b="1" dirty="0"/>
+          </a:p>
+          <a:p>
+            <a:pPr indent="0">
+              <a:buNone/>
+            </a:pPr>
+            <a:r>
+              <a:rPr lang="zh-CN" altLang="zh-CN" sz="1800" b="1" dirty="0"/>
+              <a:t>此类型任务处理复杂，</a:t>
+            </a:r>
+            <a:r>
+              <a:rPr lang="zh-CN" altLang="zh-CN" sz="1800" b="1" dirty="0">
+                <a:solidFill>
+                  <a:srgbClr val="FF0000"/>
+                </a:solidFill>
+              </a:rPr>
+              <a:t>需同步分布式环境下作业的状态同步，提供了超时设置来避免作业不同步导致的死锁</a:t>
+            </a:r>
+            <a:r>
+              <a:rPr lang="zh-CN" altLang="zh-CN" sz="1800" b="1" dirty="0"/>
+              <a:t>，请谨慎使用</a:t>
+            </a:r>
+            <a:r>
+              <a:rPr lang="zh-CN" altLang="zh-CN" sz="1800" dirty="0"/>
+              <a:t>。</a:t>
+            </a:r>
+          </a:p>
+          <a:p>
+            <a:pPr indent="0">
+              <a:buNone/>
+            </a:pPr>
+            <a:endParaRPr lang="en-US" altLang="zh-CN" sz="1400" dirty="0" smtClean="0"/>
+          </a:p>
+        </p:txBody>
+      </p:sp>
+    </p:spTree>
+    <p:extLst>
+      <p:ext uri="{BB962C8B-B14F-4D97-AF65-F5344CB8AC3E}">
+        <p14:creationId xmlns:p14="http://schemas.microsoft.com/office/powerpoint/2010/main" val="3605762898"/>
+      </p:ext>
+    </p:extLst>
+  </p:cSld>
+  <p:clrMapOvr>
+    <a:masterClrMapping/>
+  </p:clrMapOvr>
+  <p:timing>
+    <p:tnLst>
+      <p:par>
+        <p:cTn id="1" dur="indefinite" restart="never" nodeType="tmRoot"/>
+      </p:par>
+    </p:tnLst>
+  </p:timing>
+</p:sld>
+</file>
+
 <file path=ppt/slides/slide26.xml><?xml version="1.0" encoding="utf-8"?>
 <p:sld xmlns:a="http://schemas.openxmlformats.org/drawingml/2006/main" xmlns:r="http://schemas.openxmlformats.org/officeDocument/2006/relationships" xmlns:p="http://schemas.openxmlformats.org/presentationml/2006/main">
   <p:cSld>
@@ -6263,205 +6725,42 @@
             </a:r>
             <a:r>
               <a:rPr lang="zh-CN" altLang="en-US" dirty="0" smtClean="0"/>
-              <a:t>作业任务监听</a:t>
+              <a:t>注册中心配置</a:t>
             </a:r>
             <a:endParaRPr lang="zh-CN" altLang="en-US" dirty="0"/>
           </a:p>
         </p:txBody>
       </p:sp>
-      <p:sp>
-        <p:nvSpPr>
-          <p:cNvPr id="3" name="内容占位符 2"/>
-          <p:cNvSpPr>
-            <a:spLocks noGrp="1"/>
-          </p:cNvSpPr>
+      <p:pic>
+        <p:nvPicPr>
+          <p:cNvPr id="6" name="内容占位符 5"/>
+          <p:cNvPicPr>
+            <a:picLocks noGrp="1" noChangeAspect="1"/>
+          </p:cNvPicPr>
           <p:nvPr>
             <p:ph idx="1"/>
           </p:nvPr>
-        </p:nvSpPr>
+        </p:nvPicPr>
+        <p:blipFill>
+          <a:blip r:embed="rId3"/>
+          <a:stretch>
+            <a:fillRect/>
+          </a:stretch>
+        </p:blipFill>
         <p:spPr>
           <a:xfrm>
-            <a:off x="315530" y="1157468"/>
-            <a:ext cx="8503775" cy="4815069"/>
+            <a:off x="950249" y="1226957"/>
+            <a:ext cx="6236574" cy="4814887"/>
           </a:xfrm>
+          <a:prstGeom prst="rect">
+            <a:avLst/>
+          </a:prstGeom>
         </p:spPr>
-        <p:txBody>
-          <a:bodyPr/>
-          <a:lstStyle/>
-          <a:p>
-            <a:r>
-              <a:rPr lang="zh-CN" altLang="en-US" sz="1800" dirty="0">
-                <a:latin typeface="+mn-ea"/>
-              </a:rPr>
-              <a:t>每台作业节点均执行的</a:t>
-            </a:r>
-            <a:r>
-              <a:rPr lang="zh-CN" altLang="en-US" sz="1800" dirty="0" smtClean="0">
-                <a:latin typeface="+mn-ea"/>
-              </a:rPr>
-              <a:t>监听</a:t>
-            </a:r>
-            <a:endParaRPr lang="en-US" altLang="zh-CN" sz="1800" dirty="0">
-              <a:latin typeface="+mn-ea"/>
-            </a:endParaRPr>
-          </a:p>
-          <a:p>
-            <a:pPr indent="0">
-              <a:buNone/>
-            </a:pPr>
-            <a:r>
-              <a:rPr lang="zh-CN" altLang="en-US" sz="1800" dirty="0"/>
-              <a:t>需要</a:t>
-            </a:r>
-            <a:r>
-              <a:rPr lang="zh-CN" altLang="zh-CN" sz="1800" dirty="0"/>
-              <a:t>实现</a:t>
-            </a:r>
-            <a:r>
-              <a:rPr lang="en-US" altLang="zh-CN" sz="1800" dirty="0" err="1"/>
-              <a:t>ElasticJobListener</a:t>
-            </a:r>
-            <a:r>
-              <a:rPr lang="en-US" altLang="zh-CN" sz="1800" dirty="0"/>
-              <a:t> </a:t>
-            </a:r>
-            <a:r>
-              <a:rPr lang="zh-CN" altLang="zh-CN" sz="1800" dirty="0" smtClean="0"/>
-              <a:t>的</a:t>
-            </a:r>
-            <a:r>
-              <a:rPr lang="en-US" altLang="zh-CN" sz="1800" dirty="0" err="1" smtClean="0"/>
-              <a:t>beforeJobExecuted</a:t>
-            </a:r>
-            <a:r>
-              <a:rPr lang="zh-CN" altLang="zh-CN" sz="1800" dirty="0"/>
-              <a:t>和</a:t>
-            </a:r>
-            <a:r>
-              <a:rPr lang="en-US" altLang="zh-CN" sz="1800" dirty="0" err="1"/>
-              <a:t>afterJobExecuted</a:t>
-            </a:r>
-            <a:r>
-              <a:rPr lang="zh-CN" altLang="zh-CN" sz="1800" dirty="0" smtClean="0"/>
-              <a:t>方法</a:t>
-            </a:r>
-            <a:r>
-              <a:rPr lang="zh-CN" altLang="en-US" sz="1800" dirty="0" smtClean="0"/>
-              <a:t>。</a:t>
-            </a:r>
-            <a:endParaRPr lang="zh-CN" altLang="zh-CN" sz="1800" dirty="0"/>
-          </a:p>
-          <a:p>
-            <a:pPr indent="0">
-              <a:buNone/>
-            </a:pPr>
-            <a:endParaRPr lang="en-US" altLang="zh-CN" sz="1800" dirty="0">
-              <a:latin typeface="+mn-ea"/>
-            </a:endParaRPr>
-          </a:p>
-          <a:p>
-            <a:r>
-              <a:rPr lang="zh-CN" altLang="en-US" sz="1800" dirty="0">
-                <a:latin typeface="+mn-ea"/>
-              </a:rPr>
-              <a:t>分布式场景中仅单一节点执行的监听</a:t>
-            </a:r>
-            <a:endParaRPr lang="en-US" altLang="zh-CN" sz="1800" dirty="0">
-              <a:latin typeface="+mn-ea"/>
-            </a:endParaRPr>
-          </a:p>
-          <a:p>
-            <a:pPr indent="0">
-              <a:buNone/>
-            </a:pPr>
-            <a:r>
-              <a:rPr lang="zh-CN" altLang="zh-CN" sz="1800" dirty="0"/>
-              <a:t>监听需要实现</a:t>
-            </a:r>
-            <a:r>
-              <a:rPr lang="en-US" altLang="zh-CN" sz="1800" dirty="0" err="1"/>
-              <a:t>AbstractDistributeOnceElasticJobListener</a:t>
-            </a:r>
-            <a:r>
-              <a:rPr lang="en-US" altLang="zh-CN" sz="1800" dirty="0"/>
-              <a:t> </a:t>
-            </a:r>
-            <a:r>
-              <a:rPr lang="zh-CN" altLang="zh-CN" sz="1800" dirty="0" smtClean="0"/>
-              <a:t>类</a:t>
-            </a:r>
-            <a:r>
-              <a:rPr lang="zh-CN" altLang="zh-CN" sz="1800" dirty="0"/>
-              <a:t>中的</a:t>
-            </a:r>
-            <a:r>
-              <a:rPr lang="en-US" altLang="zh-CN" sz="1800" dirty="0" err="1"/>
-              <a:t>doBeforeJobExecutedAtLastStarted</a:t>
-            </a:r>
-            <a:r>
-              <a:rPr lang="zh-CN" altLang="zh-CN" sz="1800" dirty="0"/>
-              <a:t>和</a:t>
-            </a:r>
-            <a:r>
-              <a:rPr lang="en-US" altLang="zh-CN" sz="1800" dirty="0" err="1"/>
-              <a:t>doAfterJobExecutedAtLastCompleted</a:t>
-            </a:r>
-            <a:r>
-              <a:rPr lang="zh-CN" altLang="zh-CN" sz="1800" dirty="0"/>
-              <a:t>方法</a:t>
-            </a:r>
-          </a:p>
-          <a:p>
-            <a:pPr indent="0">
-              <a:buNone/>
-            </a:pPr>
-            <a:r>
-              <a:rPr lang="zh-CN" altLang="zh-CN" sz="1800" b="1" dirty="0"/>
-              <a:t>若作业处理数据库数据，处理完成后只需一个节点完成数据清理任务即可</a:t>
-            </a:r>
-            <a:r>
-              <a:rPr lang="zh-CN" altLang="zh-CN" sz="1800" b="1" dirty="0" smtClean="0"/>
-              <a:t>。</a:t>
-            </a:r>
-            <a:endParaRPr lang="en-US" altLang="zh-CN" sz="1800" b="1" dirty="0"/>
-          </a:p>
-          <a:p>
-            <a:pPr indent="0">
-              <a:buNone/>
-            </a:pPr>
-            <a:r>
-              <a:rPr lang="zh-CN" altLang="zh-CN" sz="1800" b="1" dirty="0"/>
-              <a:t>此类型任务处理复杂，</a:t>
-            </a:r>
-            <a:r>
-              <a:rPr lang="zh-CN" altLang="zh-CN" sz="1800" b="1" dirty="0">
-                <a:solidFill>
-                  <a:srgbClr val="FF0000"/>
-                </a:solidFill>
-              </a:rPr>
-              <a:t>需同步分布式环境下作业的状态同步，提供了超时设置来避免作业不同步导致的死锁</a:t>
-            </a:r>
-            <a:r>
-              <a:rPr lang="zh-CN" altLang="zh-CN" sz="1800" b="1" dirty="0"/>
-              <a:t>，请谨慎使用</a:t>
-            </a:r>
-            <a:r>
-              <a:rPr lang="zh-CN" altLang="zh-CN" sz="1800" dirty="0"/>
-              <a:t>。</a:t>
-            </a:r>
-          </a:p>
-          <a:p>
-            <a:pPr indent="0">
-              <a:buNone/>
-            </a:pPr>
-            <a:endParaRPr lang="en-US" altLang="zh-CN" sz="1400" dirty="0" smtClean="0"/>
-          </a:p>
-        </p:txBody>
-      </p:sp>
+      </p:pic>
     </p:spTree>
     <p:extLst>
       <p:ext uri="{BB962C8B-B14F-4D97-AF65-F5344CB8AC3E}">
-        <p14:creationId xmlns:p14="http://schemas.microsoft.com/office/powerpoint/2010/main" val="3605762898"/>
+        <p14:creationId xmlns:p14="http://schemas.microsoft.com/office/powerpoint/2010/main" val="1889370614"/>
       </p:ext>
     </p:extLst>
   </p:cSld>
@@ -6516,117 +6815,55 @@
           <a:lstStyle/>
           <a:p>
             <a:r>
+              <a:rPr lang="zh-CN" altLang="en-US" dirty="0"/>
+              <a:t>基础配置</a:t>
+            </a:r>
+            <a:r>
               <a:rPr lang="zh-CN" altLang="en-US" dirty="0" smtClean="0"/>
-              <a:t>快速部署</a:t>
+              <a:t>信息</a:t>
+            </a:r>
+            <a:r>
+              <a:rPr lang="en-US" altLang="zh-CN" dirty="0" smtClean="0"/>
+              <a:t>—Job</a:t>
+            </a:r>
+            <a:r>
+              <a:rPr lang="zh-CN" altLang="en-US" dirty="0" smtClean="0"/>
+              <a:t>配置</a:t>
             </a:r>
             <a:endParaRPr lang="zh-CN" altLang="en-US" dirty="0"/>
           </a:p>
         </p:txBody>
       </p:sp>
-      <p:sp>
-        <p:nvSpPr>
-          <p:cNvPr id="3" name="内容占位符 2"/>
-          <p:cNvSpPr>
-            <a:spLocks noGrp="1"/>
-          </p:cNvSpPr>
+      <p:pic>
+        <p:nvPicPr>
+          <p:cNvPr id="5" name="内容占位符 4"/>
+          <p:cNvPicPr>
+            <a:picLocks noGrp="1" noChangeAspect="1"/>
+          </p:cNvPicPr>
           <p:nvPr>
             <p:ph idx="1"/>
           </p:nvPr>
-        </p:nvSpPr>
+        </p:nvPicPr>
+        <p:blipFill>
+          <a:blip r:embed="rId3"/>
+          <a:stretch>
+            <a:fillRect/>
+          </a:stretch>
+        </p:blipFill>
         <p:spPr>
           <a:xfrm>
-            <a:off x="315530" y="1157468"/>
-            <a:ext cx="8503775" cy="4815069"/>
+            <a:off x="1887777" y="1157288"/>
+            <a:ext cx="5406546" cy="4814887"/>
           </a:xfrm>
+          <a:prstGeom prst="rect">
+            <a:avLst/>
+          </a:prstGeom>
         </p:spPr>
-        <p:txBody>
-          <a:bodyPr/>
-          <a:lstStyle/>
-          <a:p>
-            <a:pPr lvl="0"/>
-            <a:r>
-              <a:rPr lang="zh-CN" altLang="en-US" dirty="0" smtClean="0"/>
-              <a:t>源码下载</a:t>
-            </a:r>
-            <a:endParaRPr lang="en-US" altLang="zh-CN" dirty="0" smtClean="0"/>
-          </a:p>
-          <a:p>
-            <a:pPr indent="0">
-              <a:buNone/>
-            </a:pPr>
-            <a:r>
-              <a:rPr lang="en-US" altLang="zh-CN" sz="1800" u="sng" dirty="0" smtClean="0">
-                <a:hlinkClick r:id="rId3"/>
-              </a:rPr>
-              <a:t>https</a:t>
-            </a:r>
-            <a:r>
-              <a:rPr lang="en-US" altLang="zh-CN" sz="1800" u="sng" dirty="0">
-                <a:hlinkClick r:id="rId3"/>
-              </a:rPr>
-              <a:t>://</a:t>
-            </a:r>
-            <a:r>
-              <a:rPr lang="en-US" altLang="zh-CN" sz="1800" u="sng" dirty="0" smtClean="0">
-                <a:hlinkClick r:id="rId3"/>
-              </a:rPr>
-              <a:t>github.com/dangdangdotcom/elastic-job</a:t>
-            </a:r>
-            <a:endParaRPr lang="en-US" altLang="zh-CN" sz="1800" dirty="0" smtClean="0"/>
-          </a:p>
-          <a:p>
-            <a:pPr lvl="0"/>
-            <a:r>
-              <a:rPr lang="en-US" altLang="zh-CN" dirty="0" smtClean="0"/>
-              <a:t>Zookeeper</a:t>
-            </a:r>
-            <a:r>
-              <a:rPr lang="zh-CN" altLang="en-US" dirty="0" smtClean="0"/>
-              <a:t>安装</a:t>
-            </a:r>
-            <a:endParaRPr lang="en-US" altLang="zh-CN" dirty="0" smtClean="0"/>
-          </a:p>
-          <a:p>
-            <a:r>
-              <a:rPr lang="zh-CN" altLang="en-US" dirty="0"/>
-              <a:t>启动</a:t>
-            </a:r>
-            <a:r>
-              <a:rPr lang="en-US" altLang="zh-CN" dirty="0"/>
-              <a:t>Zookeeper</a:t>
-            </a:r>
-            <a:r>
-              <a:rPr lang="zh-CN" altLang="en-US" dirty="0" smtClean="0"/>
-              <a:t>服务器</a:t>
-            </a:r>
-            <a:endParaRPr lang="en-US" altLang="zh-CN" dirty="0"/>
-          </a:p>
-          <a:p>
-            <a:r>
-              <a:rPr lang="zh-CN" altLang="en-US" dirty="0"/>
-              <a:t>启动</a:t>
-            </a:r>
-            <a:r>
-              <a:rPr lang="en-US" altLang="zh-CN" dirty="0"/>
-              <a:t>Elastic-job-example</a:t>
-            </a:r>
-          </a:p>
-          <a:p>
-            <a:pPr lvl="0"/>
-            <a:endParaRPr lang="zh-CN" altLang="zh-CN" sz="1600" b="1" dirty="0"/>
-          </a:p>
-          <a:p>
-            <a:pPr indent="0">
-              <a:buNone/>
-            </a:pPr>
-            <a:endParaRPr lang="en-US" altLang="zh-CN" sz="1400" dirty="0" smtClean="0"/>
-          </a:p>
-        </p:txBody>
-      </p:sp>
+      </p:pic>
     </p:spTree>
     <p:extLst>
       <p:ext uri="{BB962C8B-B14F-4D97-AF65-F5344CB8AC3E}">
-        <p14:creationId xmlns:p14="http://schemas.microsoft.com/office/powerpoint/2010/main" val="1565038805"/>
+        <p14:creationId xmlns:p14="http://schemas.microsoft.com/office/powerpoint/2010/main" val="3211266525"/>
       </p:ext>
     </p:extLst>
   </p:cSld>
@@ -6681,306 +6918,55 @@
           <a:lstStyle/>
           <a:p>
             <a:r>
+              <a:rPr lang="zh-CN" altLang="en-US" dirty="0"/>
+              <a:t>基础配置</a:t>
+            </a:r>
+            <a:r>
               <a:rPr lang="zh-CN" altLang="en-US" dirty="0" smtClean="0"/>
-              <a:t>相关文档</a:t>
+              <a:t>信息</a:t>
+            </a:r>
+            <a:r>
+              <a:rPr lang="en-US" altLang="zh-CN" dirty="0" smtClean="0"/>
+              <a:t>—Job</a:t>
+            </a:r>
+            <a:r>
+              <a:rPr lang="zh-CN" altLang="en-US" dirty="0" smtClean="0"/>
+              <a:t>配置</a:t>
             </a:r>
             <a:endParaRPr lang="zh-CN" altLang="en-US" dirty="0"/>
           </a:p>
         </p:txBody>
       </p:sp>
-      <p:sp>
-        <p:nvSpPr>
-          <p:cNvPr id="3" name="内容占位符 2"/>
-          <p:cNvSpPr>
-            <a:spLocks noGrp="1"/>
-          </p:cNvSpPr>
+      <p:pic>
+        <p:nvPicPr>
+          <p:cNvPr id="5" name="内容占位符 4"/>
+          <p:cNvPicPr>
+            <a:picLocks noGrp="1" noChangeAspect="1"/>
+          </p:cNvPicPr>
           <p:nvPr>
             <p:ph idx="1"/>
           </p:nvPr>
-        </p:nvSpPr>
+        </p:nvPicPr>
+        <p:blipFill>
+          <a:blip r:embed="rId3"/>
+          <a:stretch>
+            <a:fillRect/>
+          </a:stretch>
+        </p:blipFill>
         <p:spPr>
           <a:xfrm>
-            <a:off x="315530" y="1157468"/>
-            <a:ext cx="8503775" cy="4815069"/>
+            <a:off x="896010" y="1157288"/>
+            <a:ext cx="7390080" cy="4814887"/>
           </a:xfrm>
+          <a:prstGeom prst="rect">
+            <a:avLst/>
+          </a:prstGeom>
         </p:spPr>
-        <p:txBody>
-          <a:bodyPr/>
-          <a:lstStyle/>
-          <a:p>
-            <a:pPr indent="0">
-              <a:buNone/>
-            </a:pPr>
-            <a:r>
-              <a:rPr lang="en-US" altLang="zh-CN" sz="1400" dirty="0" smtClean="0"/>
-              <a:t>1</a:t>
-            </a:r>
-            <a:r>
-              <a:rPr lang="en-US" altLang="zh-CN" sz="1400" dirty="0"/>
-              <a:t>.</a:t>
-            </a:r>
-            <a:r>
-              <a:rPr lang="zh-CN" altLang="en-US" sz="1400" dirty="0" smtClean="0"/>
-              <a:t>源码</a:t>
-            </a:r>
-            <a:endParaRPr lang="en-US" altLang="zh-CN" sz="1400" dirty="0" smtClean="0"/>
-          </a:p>
-          <a:p>
-            <a:pPr indent="0">
-              <a:buNone/>
-            </a:pPr>
-            <a:r>
-              <a:rPr lang="en-US" altLang="zh-CN" sz="1400" dirty="0"/>
-              <a:t>https://github.com/elasticjob/elastic-job</a:t>
-            </a:r>
-            <a:endParaRPr lang="en-US" altLang="zh-CN" sz="1400" dirty="0" smtClean="0"/>
-          </a:p>
-          <a:p>
-            <a:pPr indent="0">
-              <a:buNone/>
-            </a:pPr>
-            <a:r>
-              <a:rPr lang="en-US" altLang="zh-CN" sz="1400" dirty="0" smtClean="0"/>
-              <a:t>2.Wiki</a:t>
-            </a:r>
-          </a:p>
-          <a:p>
-            <a:pPr indent="0">
-              <a:buNone/>
-            </a:pPr>
-            <a:r>
-              <a:rPr lang="en-US" altLang="zh-CN" sz="1400" u="sng" dirty="0">
-                <a:hlinkClick r:id="rId2"/>
-              </a:rPr>
-              <a:t>http://elasticjob.io/docs/elastic-job-lite/00-overview</a:t>
-            </a:r>
-            <a:r>
-              <a:rPr lang="en-US" altLang="zh-CN" sz="1400" u="sng" dirty="0" smtClean="0">
-                <a:hlinkClick r:id="rId2"/>
-              </a:rPr>
-              <a:t>/</a:t>
-            </a:r>
-            <a:endParaRPr lang="en-US" altLang="zh-CN" sz="1400" u="sng" dirty="0" smtClean="0"/>
-          </a:p>
-          <a:p>
-            <a:pPr indent="0">
-              <a:buNone/>
-            </a:pPr>
-            <a:r>
-              <a:rPr lang="en-US" altLang="zh-CN" sz="1400" u="sng" dirty="0" smtClean="0"/>
-              <a:t>3.Maven</a:t>
-            </a:r>
-          </a:p>
-          <a:p>
-            <a:pPr indent="0">
-              <a:buNone/>
-            </a:pPr>
-            <a:r>
-              <a:rPr lang="en-US" altLang="zh-CN" sz="1200" dirty="0" smtClean="0"/>
-              <a:t>&lt;</a:t>
-            </a:r>
-            <a:r>
-              <a:rPr lang="en-US" altLang="zh-CN" sz="1200" dirty="0"/>
-              <a:t>dependency&gt;</a:t>
-            </a:r>
-          </a:p>
-          <a:p>
-            <a:pPr indent="0">
-              <a:buNone/>
-            </a:pPr>
-            <a:r>
-              <a:rPr lang="en-US" altLang="zh-CN" sz="1200" dirty="0"/>
-              <a:t>    &lt;</a:t>
-            </a:r>
-            <a:r>
-              <a:rPr lang="en-US" altLang="zh-CN" sz="1200" dirty="0" err="1"/>
-              <a:t>groupId</a:t>
-            </a:r>
-            <a:r>
-              <a:rPr lang="en-US" altLang="zh-CN" sz="1200" dirty="0"/>
-              <a:t>&gt;</a:t>
-            </a:r>
-            <a:r>
-              <a:rPr lang="en-US" altLang="zh-CN" sz="1200" dirty="0" err="1"/>
-              <a:t>com.dangdang</a:t>
-            </a:r>
-            <a:r>
-              <a:rPr lang="en-US" altLang="zh-CN" sz="1200" dirty="0"/>
-              <a:t>&lt;/</a:t>
-            </a:r>
-            <a:r>
-              <a:rPr lang="en-US" altLang="zh-CN" sz="1200" dirty="0" err="1"/>
-              <a:t>groupId</a:t>
-            </a:r>
-            <a:r>
-              <a:rPr lang="en-US" altLang="zh-CN" sz="1200" dirty="0"/>
-              <a:t>&gt;</a:t>
-            </a:r>
-          </a:p>
-          <a:p>
-            <a:pPr indent="0">
-              <a:buNone/>
-            </a:pPr>
-            <a:r>
-              <a:rPr lang="en-US" altLang="zh-CN" sz="1200" dirty="0"/>
-              <a:t>    &lt;</a:t>
-            </a:r>
-            <a:r>
-              <a:rPr lang="en-US" altLang="zh-CN" sz="1200" dirty="0" err="1"/>
-              <a:t>artifactId</a:t>
-            </a:r>
-            <a:r>
-              <a:rPr lang="en-US" altLang="zh-CN" sz="1200" dirty="0"/>
-              <a:t>&gt;elastic-job-lite-core&lt;/</a:t>
-            </a:r>
-            <a:r>
-              <a:rPr lang="en-US" altLang="zh-CN" sz="1200" dirty="0" err="1"/>
-              <a:t>artifactId</a:t>
-            </a:r>
-            <a:r>
-              <a:rPr lang="en-US" altLang="zh-CN" sz="1200" dirty="0"/>
-              <a:t>&gt;</a:t>
-            </a:r>
-          </a:p>
-          <a:p>
-            <a:pPr indent="0">
-              <a:buNone/>
-            </a:pPr>
-            <a:r>
-              <a:rPr lang="en-US" altLang="zh-CN" sz="1200" dirty="0"/>
-              <a:t>    &lt;version&gt;${</a:t>
-            </a:r>
-            <a:r>
-              <a:rPr lang="en-US" altLang="zh-CN" sz="1200" dirty="0" err="1"/>
-              <a:t>latest.release.version</a:t>
-            </a:r>
-            <a:r>
-              <a:rPr lang="en-US" altLang="zh-CN" sz="1200" dirty="0"/>
-              <a:t>}&lt;/version&gt;</a:t>
-            </a:r>
-          </a:p>
-          <a:p>
-            <a:pPr indent="0">
-              <a:buNone/>
-            </a:pPr>
-            <a:r>
-              <a:rPr lang="en-US" altLang="zh-CN" sz="1200" dirty="0"/>
-              <a:t>&lt;/dependency</a:t>
-            </a:r>
-            <a:r>
-              <a:rPr lang="en-US" altLang="zh-CN" sz="1200" dirty="0" smtClean="0"/>
-              <a:t>&gt;</a:t>
-            </a:r>
-          </a:p>
-          <a:p>
-            <a:pPr indent="0">
-              <a:buNone/>
-            </a:pPr>
-            <a:r>
-              <a:rPr lang="en-US" altLang="zh-CN" sz="1200" dirty="0" smtClean="0"/>
-              <a:t>&lt;dependency&gt;</a:t>
-            </a:r>
-          </a:p>
-          <a:p>
-            <a:pPr indent="0">
-              <a:buNone/>
-            </a:pPr>
-            <a:r>
-              <a:rPr lang="en-US" altLang="zh-CN" sz="1200" dirty="0" smtClean="0"/>
-              <a:t>    </a:t>
-            </a:r>
-            <a:r>
-              <a:rPr lang="en-US" altLang="zh-CN" sz="1200" dirty="0"/>
-              <a:t>&lt;</a:t>
-            </a:r>
-            <a:r>
-              <a:rPr lang="en-US" altLang="zh-CN" sz="1200" dirty="0" err="1"/>
-              <a:t>groupId</a:t>
-            </a:r>
-            <a:r>
-              <a:rPr lang="en-US" altLang="zh-CN" sz="1200" dirty="0"/>
-              <a:t>&gt;</a:t>
-            </a:r>
-            <a:r>
-              <a:rPr lang="en-US" altLang="zh-CN" sz="1200" dirty="0" err="1"/>
-              <a:t>com.dangdang</a:t>
-            </a:r>
-            <a:r>
-              <a:rPr lang="en-US" altLang="zh-CN" sz="1200" dirty="0"/>
-              <a:t>&lt;/</a:t>
-            </a:r>
-            <a:r>
-              <a:rPr lang="en-US" altLang="zh-CN" sz="1200" dirty="0" err="1"/>
-              <a:t>groupId</a:t>
-            </a:r>
-            <a:r>
-              <a:rPr lang="en-US" altLang="zh-CN" sz="1200" dirty="0"/>
-              <a:t>&gt;</a:t>
-            </a:r>
-          </a:p>
-          <a:p>
-            <a:pPr indent="0">
-              <a:buNone/>
-            </a:pPr>
-            <a:r>
-              <a:rPr lang="en-US" altLang="zh-CN" sz="1200" dirty="0"/>
-              <a:t>    &lt;</a:t>
-            </a:r>
-            <a:r>
-              <a:rPr lang="en-US" altLang="zh-CN" sz="1200" dirty="0" err="1"/>
-              <a:t>artifactId</a:t>
-            </a:r>
-            <a:r>
-              <a:rPr lang="en-US" altLang="zh-CN" sz="1200" dirty="0"/>
-              <a:t>&gt;elastic-job-lite-spring&lt;/</a:t>
-            </a:r>
-            <a:r>
-              <a:rPr lang="en-US" altLang="zh-CN" sz="1200" dirty="0" err="1"/>
-              <a:t>artifactId</a:t>
-            </a:r>
-            <a:r>
-              <a:rPr lang="en-US" altLang="zh-CN" sz="1200" dirty="0"/>
-              <a:t>&gt;</a:t>
-            </a:r>
-          </a:p>
-          <a:p>
-            <a:pPr indent="0">
-              <a:buNone/>
-            </a:pPr>
-            <a:r>
-              <a:rPr lang="en-US" altLang="zh-CN" sz="1200" dirty="0"/>
-              <a:t>    &lt;version&gt;${</a:t>
-            </a:r>
-            <a:r>
-              <a:rPr lang="en-US" altLang="zh-CN" sz="1200" dirty="0" err="1"/>
-              <a:t>latest.release.version</a:t>
-            </a:r>
-            <a:r>
-              <a:rPr lang="en-US" altLang="zh-CN" sz="1200" dirty="0"/>
-              <a:t>}&lt;/version&gt;</a:t>
-            </a:r>
-          </a:p>
-          <a:p>
-            <a:pPr indent="0">
-              <a:buNone/>
-            </a:pPr>
-            <a:r>
-              <a:rPr lang="en-US" altLang="zh-CN" sz="1200" dirty="0"/>
-              <a:t>&lt;/dependency&gt;</a:t>
-            </a:r>
-          </a:p>
-          <a:p>
-            <a:pPr indent="0">
-              <a:buNone/>
-            </a:pPr>
-            <a:endParaRPr lang="en-US" altLang="zh-CN" sz="2000" dirty="0" smtClean="0"/>
-          </a:p>
-        </p:txBody>
-      </p:sp>
+      </p:pic>
     </p:spTree>
     <p:extLst>
       <p:ext uri="{BB962C8B-B14F-4D97-AF65-F5344CB8AC3E}">
-        <p14:creationId xmlns:p14="http://schemas.microsoft.com/office/powerpoint/2010/main" val="1116720212"/>
+        <p14:creationId xmlns:p14="http://schemas.microsoft.com/office/powerpoint/2010/main" val="321791428"/>
       </p:ext>
     </p:extLst>
   </p:cSld>
@@ -7016,42 +7002,192 @@
       </p:grpSpPr>
       <p:sp>
         <p:nvSpPr>
-          <p:cNvPr id="2" name="文本框 1"/>
-          <p:cNvSpPr txBox="1"/>
-          <p:nvPr/>
+          <p:cNvPr id="2" name="标题 1"/>
+          <p:cNvSpPr>
+            <a:spLocks noGrp="1"/>
+          </p:cNvSpPr>
+          <p:nvPr>
+            <p:ph type="title"/>
+          </p:nvPr>
         </p:nvSpPr>
         <p:spPr>
           <a:xfrm>
-            <a:off x="3138985" y="1228299"/>
-            <a:ext cx="3575713" cy="707886"/>
+            <a:off x="315530" y="332999"/>
+            <a:ext cx="8503775" cy="630296"/>
           </a:xfrm>
-          <a:prstGeom prst="rect">
-            <a:avLst/>
-          </a:prstGeom>
-          <a:noFill/>
         </p:spPr>
         <p:txBody>
-          <a:bodyPr wrap="square" rtlCol="0">
-            <a:spAutoFit/>
-          </a:bodyPr>
+          <a:bodyPr/>
           <a:lstStyle/>
           <a:p>
             <a:r>
-              <a:rPr lang="en-US" altLang="zh-CN" sz="4000" dirty="0">
-                <a:solidFill>
-                  <a:schemeClr val="accent3"/>
-                </a:solidFill>
-              </a:rPr>
-              <a:t>Thank You</a:t>
-            </a:r>
-            <a:endParaRPr lang="zh-CN" altLang="en-US" sz="4000" b="1" dirty="0"/>
+              <a:rPr lang="zh-CN" altLang="en-US" dirty="0" smtClean="0"/>
+              <a:t>快速入门</a:t>
+            </a:r>
+            <a:r>
+              <a:rPr lang="en-US" altLang="zh-CN" dirty="0" smtClean="0"/>
+              <a:t>—</a:t>
+            </a:r>
+            <a:r>
+              <a:rPr lang="zh-CN" altLang="en-US" dirty="0" smtClean="0"/>
+              <a:t>集成</a:t>
+            </a:r>
+            <a:endParaRPr lang="zh-CN" altLang="en-US" dirty="0"/>
+          </a:p>
+        </p:txBody>
+      </p:sp>
+      <p:sp>
+        <p:nvSpPr>
+          <p:cNvPr id="3" name="内容占位符 2"/>
+          <p:cNvSpPr>
+            <a:spLocks noGrp="1"/>
+          </p:cNvSpPr>
+          <p:nvPr>
+            <p:ph idx="1"/>
+          </p:nvPr>
+        </p:nvSpPr>
+        <p:spPr>
+          <a:xfrm>
+            <a:off x="315530" y="1157468"/>
+            <a:ext cx="8503775" cy="4815069"/>
+          </a:xfrm>
+        </p:spPr>
+        <p:txBody>
+          <a:bodyPr/>
+          <a:lstStyle/>
+          <a:p>
+            <a:pPr lvl="0"/>
+            <a:r>
+              <a:rPr lang="zh-CN" altLang="en-US" sz="1600" dirty="0" smtClean="0"/>
+              <a:t>引入</a:t>
+            </a:r>
+            <a:r>
+              <a:rPr lang="en-US" altLang="zh-CN" sz="1600" dirty="0" smtClean="0"/>
+              <a:t>maven</a:t>
+            </a:r>
+          </a:p>
+          <a:p>
+            <a:pPr lvl="0" indent="0">
+              <a:buNone/>
+            </a:pPr>
+            <a:r>
+              <a:rPr lang="en-US" altLang="zh-CN" sz="1600" dirty="0"/>
+              <a:t> </a:t>
+            </a:r>
+            <a:r>
+              <a:rPr lang="en-US" altLang="zh-CN" sz="1600" dirty="0" smtClean="0"/>
+              <a:t>      elastic-job-lite-core</a:t>
+            </a:r>
+          </a:p>
+          <a:p>
+            <a:pPr lvl="0" indent="0">
+              <a:buNone/>
+            </a:pPr>
+            <a:r>
+              <a:rPr lang="en-US" altLang="zh-CN" sz="1600" dirty="0"/>
+              <a:t> </a:t>
+            </a:r>
+            <a:r>
+              <a:rPr lang="en-US" altLang="zh-CN" sz="1600" dirty="0" smtClean="0"/>
+              <a:t>     elastic-job-lite-spring</a:t>
+            </a:r>
+            <a:r>
+              <a:rPr lang="zh-CN" altLang="en-US" sz="1600" dirty="0" smtClean="0"/>
+              <a:t>（</a:t>
+            </a:r>
+            <a:r>
+              <a:rPr lang="en-US" altLang="zh-CN" sz="1600" dirty="0" smtClean="0"/>
+              <a:t>Java</a:t>
+            </a:r>
+            <a:r>
+              <a:rPr lang="zh-CN" altLang="en-US" sz="1600" dirty="0" smtClean="0"/>
+              <a:t>启动不需要引入）</a:t>
+            </a:r>
+            <a:endParaRPr lang="en-US" altLang="zh-CN" sz="1600" dirty="0" smtClean="0"/>
+          </a:p>
+          <a:p>
+            <a:r>
+              <a:rPr lang="zh-CN" altLang="en-US" sz="1600" dirty="0" smtClean="0"/>
+              <a:t>开发作业</a:t>
+            </a:r>
+            <a:endParaRPr lang="en-US" altLang="zh-CN" sz="1600" dirty="0" smtClean="0"/>
+          </a:p>
+          <a:p>
+            <a:pPr indent="0">
+              <a:buNone/>
+            </a:pPr>
+            <a:endParaRPr lang="en-US" altLang="zh-CN" sz="1600" dirty="0" smtClean="0"/>
+          </a:p>
+          <a:p>
+            <a:r>
+              <a:rPr lang="zh-CN" altLang="en-US" sz="1600" dirty="0" smtClean="0"/>
+              <a:t>作业配置</a:t>
+            </a:r>
+            <a:endParaRPr lang="en-US" altLang="zh-CN" sz="1600" dirty="0" smtClean="0"/>
+          </a:p>
+          <a:p>
+            <a:pPr indent="0">
+              <a:buNone/>
+            </a:pPr>
+            <a:endParaRPr lang="en-US" altLang="zh-CN" sz="1600" dirty="0" smtClean="0"/>
+          </a:p>
+          <a:p>
+            <a:r>
+              <a:rPr lang="zh-CN" altLang="en-US" sz="1600" dirty="0" smtClean="0"/>
+              <a:t>作业启动</a:t>
+            </a:r>
+            <a:endParaRPr lang="en-US" altLang="zh-CN" sz="1600" dirty="0" smtClean="0"/>
+          </a:p>
+          <a:p>
+            <a:pPr indent="0">
+              <a:buNone/>
+            </a:pPr>
+            <a:r>
+              <a:rPr lang="en-US" altLang="zh-CN" sz="1400" dirty="0" smtClean="0"/>
+              <a:t>    1.Java</a:t>
+            </a:r>
+            <a:r>
+              <a:rPr lang="zh-CN" altLang="en-US" sz="1400" dirty="0" smtClean="0"/>
+              <a:t>作业启动</a:t>
+            </a:r>
+            <a:endParaRPr lang="en-US" altLang="zh-CN" sz="1400" dirty="0" smtClean="0"/>
+          </a:p>
+          <a:p>
+            <a:pPr indent="0">
+              <a:buNone/>
+            </a:pPr>
+            <a:r>
+              <a:rPr lang="en-US" altLang="zh-CN" sz="1400" dirty="0" smtClean="0"/>
+              <a:t>    2.Spring</a:t>
+            </a:r>
+            <a:r>
+              <a:rPr lang="zh-CN" altLang="en-US" sz="1400" dirty="0" smtClean="0"/>
+              <a:t>作业启动</a:t>
+            </a:r>
+            <a:endParaRPr lang="en-US" altLang="zh-CN" sz="1400" dirty="0" smtClean="0"/>
+          </a:p>
+          <a:p>
+            <a:pPr indent="0">
+              <a:buNone/>
+            </a:pPr>
+            <a:endParaRPr lang="en-US" altLang="zh-CN" sz="1600" dirty="0"/>
+          </a:p>
+          <a:p>
+            <a:pPr lvl="0"/>
+            <a:endParaRPr lang="zh-CN" altLang="zh-CN" sz="1600" b="1" dirty="0"/>
+          </a:p>
+          <a:p>
+            <a:pPr indent="0">
+              <a:buNone/>
+            </a:pPr>
+            <a:endParaRPr lang="en-US" altLang="zh-CN" sz="1400" dirty="0" smtClean="0"/>
           </a:p>
         </p:txBody>
       </p:sp>
     </p:spTree>
     <p:extLst>
       <p:ext uri="{BB962C8B-B14F-4D97-AF65-F5344CB8AC3E}">
-        <p14:creationId xmlns:p14="http://schemas.microsoft.com/office/powerpoint/2010/main" val="2299251507"/>
+        <p14:creationId xmlns:p14="http://schemas.microsoft.com/office/powerpoint/2010/main" val="1565038805"/>
       </p:ext>
     </p:extLst>
   </p:cSld>
@@ -7273,7 +7409,23 @@
             </a:r>
             <a:r>
               <a:rPr lang="zh-CN" altLang="en-US" sz="1600" dirty="0"/>
-              <a:t>并无作业调度中心节点，而是基于部署作业框架的程序在到达相应时间点时各自触发调度。注册中心仅用于作业注册和监控信息存储。而主作业节点仅用于处理分片和清理等功能</a:t>
+              <a:t>并无作业调度中心节点，而是基于部署作业框架的程序在到达相应时间点时各自触发调度。注册</a:t>
+            </a:r>
+            <a:r>
+              <a:rPr lang="zh-CN" altLang="en-US" sz="1600" dirty="0" smtClean="0"/>
+              <a:t>中心</a:t>
+            </a:r>
+            <a:r>
+              <a:rPr lang="en-US" altLang="zh-CN" sz="1600" smtClean="0"/>
+              <a:t>(ZK)</a:t>
+            </a:r>
+            <a:r>
+              <a:rPr lang="zh-CN" altLang="en-US" sz="1600" dirty="0" smtClean="0"/>
+              <a:t>仅</a:t>
+            </a:r>
+            <a:r>
+              <a:rPr lang="zh-CN" altLang="en-US" sz="1600" dirty="0"/>
+              <a:t>用于作业注册和监控信息存储。而主作业节点仅用于处理分片和清理等功能</a:t>
             </a:r>
             <a:r>
               <a:rPr lang="zh-CN" altLang="en-US" sz="1600" dirty="0" smtClean="0"/>
@@ -7348,6 +7500,375 @@
     <p:extLst>
       <p:ext uri="{BB962C8B-B14F-4D97-AF65-F5344CB8AC3E}">
         <p14:creationId xmlns:p14="http://schemas.microsoft.com/office/powerpoint/2010/main" val="944565095"/>
+      </p:ext>
+    </p:extLst>
+  </p:cSld>
+  <p:clrMapOvr>
+    <a:masterClrMapping/>
+  </p:clrMapOvr>
+  <p:timing>
+    <p:tnLst>
+      <p:par>
+        <p:cTn id="1" dur="indefinite" restart="never" nodeType="tmRoot"/>
+      </p:par>
+    </p:tnLst>
+  </p:timing>
+</p:sld>
+</file>
+
+<file path=ppt/slides/slide30.xml><?xml version="1.0" encoding="utf-8"?>
+<p:sld xmlns:a="http://schemas.openxmlformats.org/drawingml/2006/main" xmlns:r="http://schemas.openxmlformats.org/officeDocument/2006/relationships" xmlns:p="http://schemas.openxmlformats.org/presentationml/2006/main">
+  <p:cSld>
+    <p:spTree>
+      <p:nvGrpSpPr>
+        <p:cNvPr id="1" name=""/>
+        <p:cNvGrpSpPr/>
+        <p:nvPr/>
+      </p:nvGrpSpPr>
+      <p:grpSpPr>
+        <a:xfrm>
+          <a:off x="0" y="0"/>
+          <a:ext cx="0" cy="0"/>
+          <a:chOff x="0" y="0"/>
+          <a:chExt cx="0" cy="0"/>
+        </a:xfrm>
+      </p:grpSpPr>
+      <p:sp>
+        <p:nvSpPr>
+          <p:cNvPr id="2" name="标题 1"/>
+          <p:cNvSpPr>
+            <a:spLocks noGrp="1"/>
+          </p:cNvSpPr>
+          <p:nvPr>
+            <p:ph type="title"/>
+          </p:nvPr>
+        </p:nvSpPr>
+        <p:spPr>
+          <a:xfrm>
+            <a:off x="315530" y="332999"/>
+            <a:ext cx="8503775" cy="630296"/>
+          </a:xfrm>
+        </p:spPr>
+        <p:txBody>
+          <a:bodyPr/>
+          <a:lstStyle/>
+          <a:p>
+            <a:r>
+              <a:rPr lang="zh-CN" altLang="en-US" dirty="0" smtClean="0"/>
+              <a:t>快速入门</a:t>
+            </a:r>
+            <a:r>
+              <a:rPr lang="en-US" altLang="zh-CN" dirty="0" smtClean="0"/>
+              <a:t>—</a:t>
+            </a:r>
+            <a:r>
+              <a:rPr lang="zh-CN" altLang="en-US" dirty="0" smtClean="0"/>
+              <a:t>演示</a:t>
+            </a:r>
+            <a:endParaRPr lang="zh-CN" altLang="en-US" dirty="0"/>
+          </a:p>
+        </p:txBody>
+      </p:sp>
+      <p:sp>
+        <p:nvSpPr>
+          <p:cNvPr id="3" name="内容占位符 2"/>
+          <p:cNvSpPr>
+            <a:spLocks noGrp="1"/>
+          </p:cNvSpPr>
+          <p:nvPr>
+            <p:ph idx="1"/>
+          </p:nvPr>
+        </p:nvSpPr>
+        <p:spPr>
+          <a:xfrm>
+            <a:off x="315530" y="1157468"/>
+            <a:ext cx="8503775" cy="4815069"/>
+          </a:xfrm>
+        </p:spPr>
+        <p:txBody>
+          <a:bodyPr/>
+          <a:lstStyle/>
+          <a:p>
+            <a:pPr lvl="0"/>
+            <a:r>
+              <a:rPr lang="en-US" altLang="zh-CN" sz="1600" dirty="0" err="1" smtClean="0"/>
+              <a:t>github</a:t>
+            </a:r>
+            <a:r>
+              <a:rPr lang="zh-CN" altLang="en-US" sz="1600" dirty="0" smtClean="0"/>
+              <a:t>下载</a:t>
+            </a:r>
+            <a:r>
+              <a:rPr lang="zh-CN" altLang="en-US" sz="1600" dirty="0"/>
+              <a:t>源码</a:t>
+            </a:r>
+            <a:endParaRPr lang="en-US" altLang="zh-CN" sz="1600" dirty="0" smtClean="0"/>
+          </a:p>
+          <a:p>
+            <a:pPr lvl="0"/>
+            <a:r>
+              <a:rPr lang="en-US" altLang="zh-CN" sz="1600" dirty="0" smtClean="0"/>
+              <a:t>Zookeeper</a:t>
+            </a:r>
+            <a:r>
+              <a:rPr lang="zh-CN" altLang="en-US" sz="1600" dirty="0" smtClean="0"/>
+              <a:t>安装</a:t>
+            </a:r>
+            <a:endParaRPr lang="en-US" altLang="zh-CN" sz="1600" dirty="0" smtClean="0"/>
+          </a:p>
+          <a:p>
+            <a:r>
+              <a:rPr lang="zh-CN" altLang="en-US" sz="1600" dirty="0"/>
+              <a:t>启动</a:t>
+            </a:r>
+            <a:r>
+              <a:rPr lang="en-US" altLang="zh-CN" sz="1600" dirty="0"/>
+              <a:t>Zookeeper</a:t>
+            </a:r>
+            <a:r>
+              <a:rPr lang="zh-CN" altLang="en-US" sz="1600" dirty="0" smtClean="0"/>
+              <a:t>服务器</a:t>
+            </a:r>
+            <a:endParaRPr lang="en-US" altLang="zh-CN" sz="1600" dirty="0"/>
+          </a:p>
+          <a:p>
+            <a:r>
+              <a:rPr lang="zh-CN" altLang="en-US" sz="1600" dirty="0"/>
+              <a:t>启动</a:t>
+            </a:r>
+            <a:r>
+              <a:rPr lang="en-US" altLang="zh-CN" sz="1600" dirty="0"/>
+              <a:t>Elastic-job-example</a:t>
+            </a:r>
+          </a:p>
+          <a:p>
+            <a:pPr lvl="0"/>
+            <a:endParaRPr lang="zh-CN" altLang="zh-CN" sz="1600" b="1" dirty="0"/>
+          </a:p>
+          <a:p>
+            <a:pPr indent="0">
+              <a:buNone/>
+            </a:pPr>
+            <a:endParaRPr lang="en-US" altLang="zh-CN" sz="1400" dirty="0" smtClean="0"/>
+          </a:p>
+        </p:txBody>
+      </p:sp>
+    </p:spTree>
+    <p:extLst>
+      <p:ext uri="{BB962C8B-B14F-4D97-AF65-F5344CB8AC3E}">
+        <p14:creationId xmlns:p14="http://schemas.microsoft.com/office/powerpoint/2010/main" val="3159395900"/>
+      </p:ext>
+    </p:extLst>
+  </p:cSld>
+  <p:clrMapOvr>
+    <a:masterClrMapping/>
+  </p:clrMapOvr>
+  <p:timing>
+    <p:tnLst>
+      <p:par>
+        <p:cTn id="1" dur="indefinite" restart="never" nodeType="tmRoot"/>
+      </p:par>
+    </p:tnLst>
+  </p:timing>
+</p:sld>
+</file>
+
+<file path=ppt/slides/slide31.xml><?xml version="1.0" encoding="utf-8"?>
+<p:sld xmlns:a="http://schemas.openxmlformats.org/drawingml/2006/main" xmlns:r="http://schemas.openxmlformats.org/officeDocument/2006/relationships" xmlns:p="http://schemas.openxmlformats.org/presentationml/2006/main">
+  <p:cSld>
+    <p:spTree>
+      <p:nvGrpSpPr>
+        <p:cNvPr id="1" name=""/>
+        <p:cNvGrpSpPr/>
+        <p:nvPr/>
+      </p:nvGrpSpPr>
+      <p:grpSpPr>
+        <a:xfrm>
+          <a:off x="0" y="0"/>
+          <a:ext cx="0" cy="0"/>
+          <a:chOff x="0" y="0"/>
+          <a:chExt cx="0" cy="0"/>
+        </a:xfrm>
+      </p:grpSpPr>
+      <p:sp>
+        <p:nvSpPr>
+          <p:cNvPr id="2" name="标题 1"/>
+          <p:cNvSpPr>
+            <a:spLocks noGrp="1"/>
+          </p:cNvSpPr>
+          <p:nvPr>
+            <p:ph type="title"/>
+          </p:nvPr>
+        </p:nvSpPr>
+        <p:spPr>
+          <a:xfrm>
+            <a:off x="315530" y="332999"/>
+            <a:ext cx="8503775" cy="630296"/>
+          </a:xfrm>
+        </p:spPr>
+        <p:txBody>
+          <a:bodyPr/>
+          <a:lstStyle/>
+          <a:p>
+            <a:r>
+              <a:rPr lang="zh-CN" altLang="en-US" dirty="0" smtClean="0"/>
+              <a:t>相关文档</a:t>
+            </a:r>
+            <a:endParaRPr lang="zh-CN" altLang="en-US" dirty="0"/>
+          </a:p>
+        </p:txBody>
+      </p:sp>
+      <p:sp>
+        <p:nvSpPr>
+          <p:cNvPr id="3" name="内容占位符 2"/>
+          <p:cNvSpPr>
+            <a:spLocks noGrp="1"/>
+          </p:cNvSpPr>
+          <p:nvPr>
+            <p:ph idx="1"/>
+          </p:nvPr>
+        </p:nvSpPr>
+        <p:spPr>
+          <a:xfrm>
+            <a:off x="315530" y="1157468"/>
+            <a:ext cx="8503775" cy="4815069"/>
+          </a:xfrm>
+        </p:spPr>
+        <p:txBody>
+          <a:bodyPr/>
+          <a:lstStyle/>
+          <a:p>
+            <a:pPr indent="0">
+              <a:buNone/>
+            </a:pPr>
+            <a:r>
+              <a:rPr lang="en-US" altLang="zh-CN" sz="1400" b="1" dirty="0" smtClean="0"/>
+              <a:t>1</a:t>
+            </a:r>
+            <a:r>
+              <a:rPr lang="en-US" altLang="zh-CN" sz="1400" b="1" dirty="0"/>
+              <a:t>.</a:t>
+            </a:r>
+            <a:r>
+              <a:rPr lang="zh-CN" altLang="en-US" sz="1400" b="1" dirty="0" smtClean="0"/>
+              <a:t>源码</a:t>
+            </a:r>
+            <a:endParaRPr lang="en-US" altLang="zh-CN" sz="1400" b="1" dirty="0" smtClean="0"/>
+          </a:p>
+          <a:p>
+            <a:pPr indent="0">
+              <a:buNone/>
+            </a:pPr>
+            <a:r>
+              <a:rPr lang="en-US" altLang="zh-CN" sz="1400" dirty="0"/>
+              <a:t>https://github.com/elasticjob/elastic-job</a:t>
+            </a:r>
+            <a:endParaRPr lang="en-US" altLang="zh-CN" sz="1400" dirty="0" smtClean="0"/>
+          </a:p>
+          <a:p>
+            <a:pPr indent="0">
+              <a:buNone/>
+            </a:pPr>
+            <a:r>
+              <a:rPr lang="en-US" altLang="zh-CN" sz="1400" b="1" dirty="0" smtClean="0"/>
+              <a:t>2.Wiki</a:t>
+            </a:r>
+          </a:p>
+          <a:p>
+            <a:pPr indent="0">
+              <a:buNone/>
+            </a:pPr>
+            <a:r>
+              <a:rPr lang="en-US" altLang="zh-CN" sz="1400" u="sng" dirty="0">
+                <a:hlinkClick r:id="rId2"/>
+              </a:rPr>
+              <a:t>http://elasticjob.io/docs/elastic-job-lite/00-overview</a:t>
+            </a:r>
+            <a:r>
+              <a:rPr lang="en-US" altLang="zh-CN" sz="1400" u="sng" dirty="0" smtClean="0">
+                <a:hlinkClick r:id="rId2"/>
+              </a:rPr>
+              <a:t>/</a:t>
+            </a:r>
+            <a:endParaRPr lang="en-US" altLang="zh-CN" sz="1400" u="sng" dirty="0" smtClean="0"/>
+          </a:p>
+        </p:txBody>
+      </p:sp>
+    </p:spTree>
+    <p:extLst>
+      <p:ext uri="{BB962C8B-B14F-4D97-AF65-F5344CB8AC3E}">
+        <p14:creationId xmlns:p14="http://schemas.microsoft.com/office/powerpoint/2010/main" val="1116720212"/>
+      </p:ext>
+    </p:extLst>
+  </p:cSld>
+  <p:clrMapOvr>
+    <a:masterClrMapping/>
+  </p:clrMapOvr>
+  <p:timing>
+    <p:tnLst>
+      <p:par>
+        <p:cTn id="1" dur="indefinite" restart="never" nodeType="tmRoot"/>
+      </p:par>
+    </p:tnLst>
+  </p:timing>
+</p:sld>
+</file>
+
+<file path=ppt/slides/slide32.xml><?xml version="1.0" encoding="utf-8"?>
+<p:sld xmlns:a="http://schemas.openxmlformats.org/drawingml/2006/main" xmlns:r="http://schemas.openxmlformats.org/officeDocument/2006/relationships" xmlns:p="http://schemas.openxmlformats.org/presentationml/2006/main">
+  <p:cSld>
+    <p:spTree>
+      <p:nvGrpSpPr>
+        <p:cNvPr id="1" name=""/>
+        <p:cNvGrpSpPr/>
+        <p:nvPr/>
+      </p:nvGrpSpPr>
+      <p:grpSpPr>
+        <a:xfrm>
+          <a:off x="0" y="0"/>
+          <a:ext cx="0" cy="0"/>
+          <a:chOff x="0" y="0"/>
+          <a:chExt cx="0" cy="0"/>
+        </a:xfrm>
+      </p:grpSpPr>
+      <p:sp>
+        <p:nvSpPr>
+          <p:cNvPr id="2" name="文本框 1"/>
+          <p:cNvSpPr txBox="1"/>
+          <p:nvPr/>
+        </p:nvSpPr>
+        <p:spPr>
+          <a:xfrm>
+            <a:off x="3138985" y="1228299"/>
+            <a:ext cx="3575713" cy="707886"/>
+          </a:xfrm>
+          <a:prstGeom prst="rect">
+            <a:avLst/>
+          </a:prstGeom>
+          <a:noFill/>
+        </p:spPr>
+        <p:txBody>
+          <a:bodyPr wrap="square" rtlCol="0">
+            <a:spAutoFit/>
+          </a:bodyPr>
+          <a:lstStyle/>
+          <a:p>
+            <a:r>
+              <a:rPr lang="en-US" altLang="zh-CN" sz="4000" dirty="0">
+                <a:solidFill>
+                  <a:schemeClr val="accent3"/>
+                </a:solidFill>
+              </a:rPr>
+              <a:t>Thank You</a:t>
+            </a:r>
+            <a:endParaRPr lang="zh-CN" altLang="en-US" sz="4000" b="1" dirty="0"/>
+          </a:p>
+        </p:txBody>
+      </p:sp>
+    </p:spTree>
+    <p:extLst>
+      <p:ext uri="{BB962C8B-B14F-4D97-AF65-F5344CB8AC3E}">
+        <p14:creationId xmlns:p14="http://schemas.microsoft.com/office/powerpoint/2010/main" val="2299251507"/>
       </p:ext>
     </p:extLst>
   </p:cSld>
@@ -7821,8 +8342,8 @@
         </p:blipFill>
         <p:spPr>
           <a:xfrm>
-            <a:off x="3675430" y="1157288"/>
-            <a:ext cx="2640026" cy="4814887"/>
+            <a:off x="2761029" y="1053737"/>
+            <a:ext cx="2720678" cy="4961981"/>
           </a:xfrm>
         </p:spPr>
       </p:pic>
@@ -8029,113 +8550,205 @@
               <a:buNone/>
             </a:pPr>
             <a:r>
-              <a:rPr lang="zh-CN" altLang="en-US" sz="1600" dirty="0"/>
-              <a:t>注册中心在定义的命名空间下，创建作业名称节点，用于区分不同作业，所以作业一旦创建则不能修改作业名称，如果修改名称将视为新的作业</a:t>
+              <a:rPr lang="zh-CN" altLang="en-US" sz="1600" dirty="0" smtClean="0"/>
+              <a:t>作业</a:t>
+            </a:r>
+            <a:r>
+              <a:rPr lang="zh-CN" altLang="en-US" sz="1600" dirty="0"/>
+              <a:t>名称节点</a:t>
+            </a:r>
+            <a:r>
+              <a:rPr lang="zh-CN" altLang="en-US" sz="1600" dirty="0" smtClean="0"/>
+              <a:t>下包含</a:t>
+            </a:r>
+            <a:r>
+              <a:rPr lang="en-US" altLang="zh-CN" sz="1600" dirty="0"/>
+              <a:t>5</a:t>
+            </a:r>
+            <a:r>
+              <a:rPr lang="zh-CN" altLang="en-US" sz="1600" dirty="0" smtClean="0"/>
+              <a:t>个</a:t>
+            </a:r>
+            <a:r>
+              <a:rPr lang="zh-CN" altLang="en-US" sz="1600" dirty="0"/>
+              <a:t>数据子节点，分别是</a:t>
+            </a:r>
+            <a:r>
+              <a:rPr lang="en-US" altLang="zh-CN" sz="1600" dirty="0" err="1"/>
+              <a:t>config</a:t>
+            </a:r>
+            <a:r>
+              <a:rPr lang="en-US" altLang="zh-CN" sz="1600" dirty="0"/>
+              <a:t>, instances, </a:t>
+            </a:r>
+            <a:r>
+              <a:rPr lang="en-US" altLang="zh-CN" sz="1600" dirty="0" err="1"/>
+              <a:t>sharding</a:t>
+            </a:r>
+            <a:r>
+              <a:rPr lang="en-US" altLang="zh-CN" sz="1600" dirty="0"/>
+              <a:t>, servers</a:t>
+            </a:r>
+            <a:r>
+              <a:rPr lang="zh-CN" altLang="en-US" sz="1600" dirty="0"/>
+              <a:t>和</a:t>
+            </a:r>
+            <a:r>
+              <a:rPr lang="en-US" altLang="zh-CN" sz="1600" dirty="0" smtClean="0"/>
+              <a:t>leader</a:t>
+            </a:r>
+          </a:p>
+          <a:p>
+            <a:pPr indent="0">
+              <a:buNone/>
+            </a:pPr>
+            <a:r>
+              <a:rPr lang="en-US" altLang="zh-CN" sz="1800" b="1" dirty="0" smtClean="0"/>
+              <a:t>1.config</a:t>
+            </a:r>
+            <a:r>
+              <a:rPr lang="zh-CN" altLang="en-US" sz="1800" b="1" dirty="0"/>
+              <a:t>节点</a:t>
+            </a:r>
+          </a:p>
+          <a:p>
+            <a:pPr indent="0">
+              <a:buNone/>
+            </a:pPr>
+            <a:r>
+              <a:rPr lang="zh-CN" altLang="en-US" sz="1600" dirty="0"/>
+              <a:t>作业配置信息，以</a:t>
+            </a:r>
+            <a:r>
+              <a:rPr lang="en-US" altLang="zh-CN" sz="1600" dirty="0"/>
+              <a:t>JSON</a:t>
+            </a:r>
+            <a:r>
+              <a:rPr lang="zh-CN" altLang="en-US" sz="1600" dirty="0"/>
+              <a:t>格式</a:t>
+            </a:r>
+            <a:r>
+              <a:rPr lang="zh-CN" altLang="en-US" sz="1600" dirty="0" smtClean="0"/>
+              <a:t>存储</a:t>
             </a:r>
             <a:endParaRPr lang="en-US" altLang="zh-CN" sz="1600" dirty="0" smtClean="0"/>
           </a:p>
           <a:p>
-            <a:r>
-              <a:rPr lang="en-US" altLang="zh-CN" dirty="0" smtClean="0"/>
-              <a:t>1.X</a:t>
-            </a:r>
-            <a:r>
-              <a:rPr lang="zh-CN" altLang="en-US" dirty="0" smtClean="0"/>
-              <a:t>版本</a:t>
-            </a:r>
-            <a:endParaRPr lang="en-US" altLang="zh-CN" dirty="0" smtClean="0"/>
-          </a:p>
-          <a:p>
-            <a:pPr indent="0">
-              <a:buNone/>
-            </a:pPr>
-            <a:r>
-              <a:rPr lang="zh-CN" altLang="en-US" sz="1800" dirty="0" smtClean="0"/>
-              <a:t>作业</a:t>
+            <a:pPr indent="0">
+              <a:buNone/>
+            </a:pPr>
+            <a:endParaRPr lang="zh-CN" altLang="en-US" sz="1600" dirty="0"/>
+          </a:p>
+          <a:p>
+            <a:pPr indent="0">
+              <a:buNone/>
+            </a:pPr>
+            <a:r>
+              <a:rPr lang="en-US" altLang="zh-CN" sz="1800" dirty="0" smtClean="0"/>
+              <a:t>2.instances</a:t>
             </a:r>
             <a:r>
               <a:rPr lang="zh-CN" altLang="en-US" sz="1800" dirty="0"/>
-              <a:t>名称节点</a:t>
-            </a:r>
-            <a:r>
-              <a:rPr lang="zh-CN" altLang="en-US" sz="1800" dirty="0" smtClean="0"/>
-              <a:t>下包含</a:t>
-            </a:r>
-            <a:r>
-              <a:rPr lang="en-US" altLang="zh-CN" sz="1800" dirty="0"/>
-              <a:t>4</a:t>
-            </a:r>
-            <a:r>
-              <a:rPr lang="zh-CN" altLang="en-US" sz="1800" dirty="0"/>
-              <a:t>个数据子节点，分别是</a:t>
-            </a:r>
-            <a:r>
-              <a:rPr lang="en-US" altLang="zh-CN" sz="1800" dirty="0" err="1"/>
-              <a:t>config</a:t>
-            </a:r>
-            <a:r>
-              <a:rPr lang="en-US" altLang="zh-CN" sz="1800" dirty="0"/>
-              <a:t>, servers, execution</a:t>
-            </a:r>
-            <a:r>
-              <a:rPr lang="zh-CN" altLang="en-US" sz="1800" dirty="0"/>
-              <a:t>和</a:t>
-            </a:r>
-            <a:r>
-              <a:rPr lang="en-US" altLang="zh-CN" sz="1800" dirty="0"/>
-              <a:t>leader</a:t>
-            </a:r>
-            <a:r>
-              <a:rPr lang="zh-CN" altLang="en-US" sz="1800" dirty="0"/>
+              <a:t>节点</a:t>
+            </a:r>
+          </a:p>
+          <a:p>
+            <a:pPr indent="0">
+              <a:buNone/>
+            </a:pPr>
+            <a:r>
+              <a:rPr lang="zh-CN" altLang="en-US" sz="1600" dirty="0"/>
+              <a:t>作业运行实例信息，子节点是当前作业运行实例的主键。作业运行实例主键由作业运行服务器的</a:t>
+            </a:r>
+            <a:r>
+              <a:rPr lang="en-US" altLang="zh-CN" sz="1600" dirty="0"/>
+              <a:t>IP</a:t>
+            </a:r>
+            <a:r>
+              <a:rPr lang="zh-CN" altLang="en-US" sz="1600" dirty="0"/>
+              <a:t>地址和</a:t>
+            </a:r>
+            <a:r>
+              <a:rPr lang="en-US" altLang="zh-CN" sz="1600" dirty="0"/>
+              <a:t>PID</a:t>
+            </a:r>
+            <a:r>
+              <a:rPr lang="zh-CN" altLang="en-US" sz="1600" dirty="0"/>
+              <a:t>构成。作业运行实例主键均为临时节点，当作业实例上线时注册，下线时自动清理。注册中心监控这些节点的变化来协调分布式作业的分片以及高可用。 可在作业运行实例节点写入</a:t>
+            </a:r>
+            <a:r>
+              <a:rPr lang="en-US" altLang="zh-CN" sz="1600" dirty="0"/>
+              <a:t>TRIGGER</a:t>
+            </a:r>
+            <a:r>
+              <a:rPr lang="zh-CN" altLang="en-US" sz="1600" dirty="0"/>
+              <a:t>表示该实例立即执行一次</a:t>
+            </a:r>
+            <a:r>
+              <a:rPr lang="zh-CN" altLang="en-US" sz="1600" dirty="0" smtClean="0"/>
               <a:t>。</a:t>
             </a:r>
-            <a:endParaRPr lang="en-US" altLang="zh-CN" sz="1800" dirty="0"/>
-          </a:p>
-          <a:p>
-            <a:pPr indent="0">
-              <a:buNone/>
-            </a:pPr>
-            <a:endParaRPr lang="zh-CN" altLang="en-US" sz="1800" dirty="0"/>
+            <a:endParaRPr lang="en-US" altLang="zh-CN" sz="1600" dirty="0" smtClean="0"/>
+          </a:p>
+          <a:p>
+            <a:pPr indent="0">
+              <a:buNone/>
+            </a:pPr>
+            <a:endParaRPr lang="en-US" altLang="zh-CN" sz="1600" dirty="0"/>
+          </a:p>
+          <a:p>
+            <a:pPr indent="0">
+              <a:buNone/>
+            </a:pPr>
+            <a:r>
+              <a:rPr lang="en-US" altLang="zh-CN" sz="1600" dirty="0"/>
+              <a:t>3.sharding</a:t>
+            </a:r>
+            <a:r>
+              <a:rPr lang="zh-CN" altLang="en-US" sz="1600" dirty="0"/>
+              <a:t>节点</a:t>
+            </a:r>
+          </a:p>
+          <a:p>
+            <a:pPr indent="0">
+              <a:buNone/>
+            </a:pPr>
+            <a:r>
+              <a:rPr lang="zh-CN" altLang="en-US" sz="1600" dirty="0"/>
+              <a:t>作业分片信息，子节点是分片项序号，从零开始，至分片总数减一。分片项序号的子节点存储详细信息。每个分片项下的子节点用于控制和记录分片运行状态</a:t>
+            </a:r>
+            <a:endParaRPr lang="en-US" altLang="zh-CN" sz="1600" dirty="0"/>
+          </a:p>
+          <a:p>
+            <a:pPr indent="0">
+              <a:buNone/>
+            </a:pPr>
+            <a:endParaRPr lang="en-US" altLang="zh-CN" sz="1600" dirty="0" smtClean="0"/>
+          </a:p>
+          <a:p>
+            <a:pPr indent="0">
+              <a:buNone/>
+            </a:pPr>
+            <a:endParaRPr lang="zh-CN" altLang="en-US" sz="1600" dirty="0"/>
+          </a:p>
+          <a:p>
+            <a:pPr indent="0">
+              <a:buNone/>
+            </a:pPr>
+            <a:endParaRPr lang="en-US" altLang="zh-CN" sz="1600" dirty="0" smtClean="0"/>
+          </a:p>
+          <a:p>
+            <a:pPr indent="0">
+              <a:buNone/>
+            </a:pPr>
+            <a:endParaRPr lang="zh-CN" altLang="en-US" sz="1600" dirty="0"/>
           </a:p>
         </p:txBody>
       </p:sp>
-      <p:pic>
-        <p:nvPicPr>
-          <p:cNvPr id="4" name="图片 3" descr="注册中心数据结构"/>
-          <p:cNvPicPr/>
-          <p:nvPr/>
-        </p:nvPicPr>
-        <p:blipFill>
-          <a:blip r:embed="rId2">
-            <a:extLst>
-              <a:ext uri="{28A0092B-C50C-407E-A947-70E740481C1C}">
-                <a14:useLocalDpi xmlns:a14="http://schemas.microsoft.com/office/drawing/2010/main" val="0"/>
-              </a:ext>
-            </a:extLst>
-          </a:blip>
-          <a:srcRect/>
-          <a:stretch>
-            <a:fillRect/>
-          </a:stretch>
-        </p:blipFill>
-        <p:spPr bwMode="auto">
-          <a:xfrm>
-            <a:off x="1961196" y="2511310"/>
-            <a:ext cx="2886710" cy="4051610"/>
-          </a:xfrm>
-          <a:prstGeom prst="rect">
-            <a:avLst/>
-          </a:prstGeom>
-          <a:noFill/>
-          <a:ln>
-            <a:noFill/>
-          </a:ln>
-        </p:spPr>
-      </p:pic>
     </p:spTree>
     <p:extLst>
       <p:ext uri="{BB962C8B-B14F-4D97-AF65-F5344CB8AC3E}">
-        <p14:creationId xmlns:p14="http://schemas.microsoft.com/office/powerpoint/2010/main" val="2170265188"/>
+        <p14:creationId xmlns:p14="http://schemas.microsoft.com/office/powerpoint/2010/main" val="1693080703"/>
       </p:ext>
     </p:extLst>
   </p:cSld>
@@ -8229,160 +8842,91 @@
           <a:bodyPr/>
           <a:lstStyle/>
           <a:p>
-            <a:r>
-              <a:rPr lang="en-US" altLang="zh-CN" b="1" dirty="0" smtClean="0"/>
-              <a:t>2.X</a:t>
-            </a:r>
-            <a:r>
-              <a:rPr lang="zh-CN" altLang="en-US" b="1" dirty="0" smtClean="0"/>
-              <a:t>版本</a:t>
-            </a:r>
-            <a:endParaRPr lang="en-US" altLang="zh-CN" b="1" dirty="0" smtClean="0"/>
-          </a:p>
-          <a:p>
-            <a:pPr indent="0">
-              <a:buNone/>
-            </a:pPr>
+            <a:pPr indent="0">
+              <a:buNone/>
+            </a:pPr>
+            <a:r>
+              <a:rPr lang="en-US" altLang="zh-CN" sz="1600" smtClean="0"/>
+              <a:t>4.servers</a:t>
+            </a:r>
+            <a:r>
+              <a:rPr lang="zh-CN" altLang="en-US" sz="1600" dirty="0"/>
+              <a:t>节点</a:t>
+            </a:r>
+          </a:p>
+          <a:p>
+            <a:pPr indent="0">
+              <a:buNone/>
+            </a:pPr>
+            <a:r>
+              <a:rPr lang="zh-CN" altLang="en-US" sz="1600" dirty="0"/>
+              <a:t>作业服务器信息，子节点是作业服务器的</a:t>
+            </a:r>
+            <a:r>
+              <a:rPr lang="en-US" altLang="zh-CN" sz="1600" dirty="0"/>
+              <a:t>IP</a:t>
+            </a:r>
+            <a:r>
+              <a:rPr lang="zh-CN" altLang="en-US" sz="1600" dirty="0"/>
+              <a:t>地址</a:t>
+            </a:r>
             <a:r>
               <a:rPr lang="zh-CN" altLang="en-US" sz="1600" dirty="0" smtClean="0"/>
-              <a:t>作业</a:t>
-            </a:r>
-            <a:r>
-              <a:rPr lang="zh-CN" altLang="en-US" sz="1600" dirty="0"/>
-              <a:t>名称节点</a:t>
-            </a:r>
-            <a:r>
-              <a:rPr lang="zh-CN" altLang="en-US" sz="1600" dirty="0" smtClean="0"/>
-              <a:t>下包含</a:t>
+              <a:t>。</a:t>
+            </a:r>
+            <a:endParaRPr lang="en-US" altLang="zh-CN" sz="1600" dirty="0" smtClean="0"/>
+          </a:p>
+          <a:p>
+            <a:pPr indent="0">
+              <a:buNone/>
+            </a:pPr>
+            <a:endParaRPr lang="zh-CN" altLang="en-US" sz="1600" dirty="0"/>
+          </a:p>
+          <a:p>
+            <a:pPr indent="0">
+              <a:buNone/>
+            </a:pPr>
+            <a:r>
+              <a:rPr lang="en-US" altLang="zh-CN" sz="1600" dirty="0" smtClean="0"/>
+              <a:t>5.leader</a:t>
+            </a:r>
+            <a:r>
+              <a:rPr lang="zh-CN" altLang="en-US" sz="1600" dirty="0"/>
+              <a:t>节点</a:t>
+            </a:r>
+          </a:p>
+          <a:p>
+            <a:pPr indent="0">
+              <a:buNone/>
+            </a:pPr>
+            <a:r>
+              <a:rPr lang="zh-CN" altLang="en-US" sz="1600" dirty="0"/>
+              <a:t>作业服务器主节点信息，分为</a:t>
             </a:r>
             <a:r>
               <a:rPr lang="en-US" altLang="zh-CN" sz="1600" dirty="0"/>
-              <a:t>5</a:t>
-            </a:r>
-            <a:r>
-              <a:rPr lang="zh-CN" altLang="en-US" sz="1600" dirty="0" smtClean="0"/>
-              <a:t>个</a:t>
-            </a:r>
-            <a:r>
-              <a:rPr lang="zh-CN" altLang="en-US" sz="1600" dirty="0"/>
-              <a:t>数据子节点，分别是</a:t>
-            </a:r>
-            <a:r>
-              <a:rPr lang="en-US" altLang="zh-CN" sz="1600" dirty="0" err="1"/>
-              <a:t>config</a:t>
-            </a:r>
-            <a:r>
-              <a:rPr lang="en-US" altLang="zh-CN" sz="1600" dirty="0"/>
-              <a:t>, instances, </a:t>
+              <a:t>election</a:t>
+            </a:r>
+            <a:r>
+              <a:rPr lang="zh-CN" altLang="en-US" sz="1600" dirty="0"/>
+              <a:t>，</a:t>
             </a:r>
             <a:r>
               <a:rPr lang="en-US" altLang="zh-CN" sz="1600" dirty="0" err="1"/>
               <a:t>sharding</a:t>
             </a:r>
             <a:r>
+              <a:rPr lang="zh-CN" altLang="en-US" sz="1600" dirty="0"/>
+              <a:t>和</a:t>
+            </a:r>
+            <a:r>
               <a:rPr lang="en-US" altLang="zh-CN" sz="1600" dirty="0"/>
-              <a:t>, servers</a:t>
-            </a:r>
-            <a:r>
-              <a:rPr lang="zh-CN" altLang="en-US" sz="1600" dirty="0"/>
-              <a:t>和</a:t>
-            </a:r>
-            <a:r>
-              <a:rPr lang="en-US" altLang="zh-CN" sz="1600" dirty="0" smtClean="0"/>
-              <a:t>leader</a:t>
-            </a:r>
-          </a:p>
-          <a:p>
-            <a:pPr indent="0">
-              <a:buNone/>
-            </a:pPr>
-            <a:r>
-              <a:rPr lang="en-US" altLang="zh-CN" sz="1800" b="1" dirty="0" smtClean="0"/>
-              <a:t>1.config</a:t>
-            </a:r>
-            <a:r>
-              <a:rPr lang="zh-CN" altLang="en-US" sz="1800" b="1" dirty="0"/>
-              <a:t>节点</a:t>
-            </a:r>
-          </a:p>
-          <a:p>
-            <a:pPr indent="0">
-              <a:buNone/>
-            </a:pPr>
-            <a:r>
-              <a:rPr lang="zh-CN" altLang="en-US" sz="1600" dirty="0"/>
-              <a:t>作业配置信息，以</a:t>
-            </a:r>
-            <a:r>
-              <a:rPr lang="en-US" altLang="zh-CN" sz="1600" dirty="0"/>
-              <a:t>JSON</a:t>
-            </a:r>
-            <a:r>
-              <a:rPr lang="zh-CN" altLang="en-US" sz="1600" dirty="0"/>
-              <a:t>格式</a:t>
-            </a:r>
-            <a:r>
-              <a:rPr lang="zh-CN" altLang="en-US" sz="1600" dirty="0" smtClean="0"/>
-              <a:t>存储</a:t>
-            </a:r>
-            <a:endParaRPr lang="en-US" altLang="zh-CN" sz="1600" dirty="0" smtClean="0"/>
-          </a:p>
-          <a:p>
-            <a:pPr indent="0">
-              <a:buNone/>
-            </a:pPr>
-            <a:endParaRPr lang="zh-CN" altLang="en-US" sz="1600" dirty="0"/>
-          </a:p>
-          <a:p>
-            <a:pPr indent="0">
-              <a:buNone/>
-            </a:pPr>
-            <a:r>
-              <a:rPr lang="en-US" altLang="zh-CN" sz="1800" dirty="0" smtClean="0"/>
-              <a:t>2.instances</a:t>
-            </a:r>
-            <a:r>
-              <a:rPr lang="zh-CN" altLang="en-US" sz="1800" dirty="0"/>
-              <a:t>节点</a:t>
-            </a:r>
-          </a:p>
-          <a:p>
-            <a:pPr indent="0">
-              <a:buNone/>
-            </a:pPr>
-            <a:r>
-              <a:rPr lang="zh-CN" altLang="en-US" sz="1600" dirty="0"/>
-              <a:t>作业运行实例信息，子节点是当前作业运行实例的主键。作业运行实例主键由作业运行服务器的</a:t>
-            </a:r>
-            <a:r>
-              <a:rPr lang="en-US" altLang="zh-CN" sz="1600" dirty="0"/>
-              <a:t>IP</a:t>
-            </a:r>
-            <a:r>
-              <a:rPr lang="zh-CN" altLang="en-US" sz="1600" dirty="0"/>
-              <a:t>地址和</a:t>
-            </a:r>
-            <a:r>
-              <a:rPr lang="en-US" altLang="zh-CN" sz="1600" dirty="0"/>
-              <a:t>PID</a:t>
-            </a:r>
-            <a:r>
-              <a:rPr lang="zh-CN" altLang="en-US" sz="1600" dirty="0"/>
-              <a:t>构成。作业运行实例主键均为临时节点，当作业实例上线时注册，下线时自动清理。注册中心监控这些节点的变化来协调分布式作业的分片以及高可用。 可在作业运行实例节点写入</a:t>
-            </a:r>
-            <a:r>
-              <a:rPr lang="en-US" altLang="zh-CN" sz="1600" dirty="0"/>
-              <a:t>TRIGGER</a:t>
-            </a:r>
-            <a:r>
-              <a:rPr lang="zh-CN" altLang="en-US" sz="1600" dirty="0"/>
-              <a:t>表示该实例立即执行一次</a:t>
-            </a:r>
-            <a:r>
-              <a:rPr lang="zh-CN" altLang="en-US" sz="1600" dirty="0" smtClean="0"/>
-              <a:t>。</a:t>
-            </a:r>
-            <a:endParaRPr lang="en-US" altLang="zh-CN" sz="1600" dirty="0" smtClean="0"/>
+              <a:t>failover</a:t>
+            </a:r>
+            <a:r>
+              <a:rPr lang="zh-CN" altLang="en-US" sz="1600" dirty="0"/>
+              <a:t>三个子节点。分别用于主节点选举，分片和失效转移处理</a:t>
+            </a:r>
           </a:p>
           <a:p>
             <a:pPr indent="0">
@@ -8407,7 +8951,7 @@
     </p:spTree>
     <p:extLst>
       <p:ext uri="{BB962C8B-B14F-4D97-AF65-F5344CB8AC3E}">
-        <p14:creationId xmlns:p14="http://schemas.microsoft.com/office/powerpoint/2010/main" val="1693080703"/>
+        <p14:creationId xmlns:p14="http://schemas.microsoft.com/office/powerpoint/2010/main" val="862254014"/>
       </p:ext>
     </p:extLst>
   </p:cSld>
